--- a/Präsentation/Abschluss_Präsentation_Markus.pptx
+++ b/Präsentation/Abschluss_Präsentation_Markus.pptx
@@ -11,8 +11,8 @@
     <p:handoutMasterId r:id="rId22"/>
   </p:handoutMasterIdLst>
   <p:sldIdLst>
-    <p:sldId id="256" r:id="rId3"/>
-    <p:sldId id="266" r:id="rId4"/>
+    <p:sldId id="281" r:id="rId3"/>
+    <p:sldId id="282" r:id="rId4"/>
     <p:sldId id="267" r:id="rId5"/>
     <p:sldId id="268" r:id="rId6"/>
     <p:sldId id="269" r:id="rId7"/>
@@ -1380,7 +1380,7 @@
     </p:spTree>
     <p:extLst>
       <p:ext uri="{BB962C8B-B14F-4D97-AF65-F5344CB8AC3E}">
-        <p14:creationId xmlns:p14="http://schemas.microsoft.com/office/powerpoint/2010/main" val="1170222192"/>
+        <p14:creationId xmlns:p14="http://schemas.microsoft.com/office/powerpoint/2010/main" val="1839109389"/>
       </p:ext>
     </p:extLst>
   </p:cSld>
@@ -2533,7 +2533,7 @@
     </p:spTree>
     <p:extLst>
       <p:ext uri="{BB962C8B-B14F-4D97-AF65-F5344CB8AC3E}">
-        <p14:creationId xmlns:p14="http://schemas.microsoft.com/office/powerpoint/2010/main" val="1613023689"/>
+        <p14:creationId xmlns:p14="http://schemas.microsoft.com/office/powerpoint/2010/main" val="2608810005"/>
       </p:ext>
     </p:extLst>
   </p:cSld>
@@ -4778,7 +4778,7 @@
           <a:lstStyle>
             <a:lvl1pPr marL="342900" indent="-342900">
               <a:buClr>
-                <a:srgbClr val="005088"/>
+                <a:srgbClr val="004E8A"/>
               </a:buClr>
               <a:buFont typeface="Wingdings" panose="05000000000000000000" pitchFamily="2" charset="2"/>
               <a:buChar char="§"/>
@@ -6451,7 +6451,7 @@
           <a:spcPts val="230"/>
         </a:spcAft>
         <a:buClr>
-          <a:srgbClr val="005088"/>
+          <a:srgbClr val="004E8A"/>
         </a:buClr>
         <a:buFont typeface="Wingdings" pitchFamily="2" charset="2"/>
         <a:buChar char="§"/>
@@ -6775,10 +6775,10 @@
       </p:sp>
       <p:pic>
         <p:nvPicPr>
-          <p:cNvPr id="5" name="Grafik 4">
+          <p:cNvPr id="4" name="Grafik 3">
             <a:extLst>
               <a:ext uri="{FF2B5EF4-FFF2-40B4-BE49-F238E27FC236}">
-                <a16:creationId xmlns:a16="http://schemas.microsoft.com/office/drawing/2014/main" id="{E227F886-3FC4-4EC8-B699-37820BA7E278}"/>
+                <a16:creationId xmlns:a16="http://schemas.microsoft.com/office/drawing/2014/main" id="{18A4F8C9-BC47-4597-A341-7BD061B63621}"/>
               </a:ext>
             </a:extLst>
           </p:cNvPr>
@@ -6788,37 +6788,130 @@
           <p:nvPr/>
         </p:nvPicPr>
         <p:blipFill>
-          <a:blip r:embed="rId3" cstate="print">
-            <a:extLst>
-              <a:ext uri="{BEBA8EAE-BF5A-486C-A8C5-ECC9F3942E4B}">
-                <a14:imgProps xmlns:a14="http://schemas.microsoft.com/office/drawing/2010/main">
-                  <a14:imgLayer r:embed="rId4">
-                    <a14:imgEffect>
-                      <a14:colorTemperature colorTemp="8242"/>
-                    </a14:imgEffect>
-                  </a14:imgLayer>
-                </a14:imgProps>
-              </a:ext>
-              <a:ext uri="{28A0092B-C50C-407E-A947-70E740481C1C}">
-                <a14:useLocalDpi xmlns:a14="http://schemas.microsoft.com/office/drawing/2010/main" val="0"/>
-              </a:ext>
-            </a:extLst>
-          </a:blip>
+          <a:blip r:embed="rId3"/>
           <a:stretch>
             <a:fillRect/>
           </a:stretch>
         </p:blipFill>
         <p:spPr>
           <a:xfrm>
-            <a:off x="1629927" y="2780928"/>
-            <a:ext cx="5884146" cy="3309832"/>
+            <a:off x="1666875" y="2708920"/>
+            <a:ext cx="5810250" cy="3286125"/>
           </a:xfrm>
           <a:prstGeom prst="rect">
             <a:avLst/>
           </a:prstGeom>
         </p:spPr>
       </p:pic>
+      <p:cxnSp>
+        <p:nvCxnSpPr>
+          <p:cNvPr id="8" name="Gerade Verbindung mit Pfeil 7">
+            <a:extLst>
+              <a:ext uri="{FF2B5EF4-FFF2-40B4-BE49-F238E27FC236}">
+                <a16:creationId xmlns:a16="http://schemas.microsoft.com/office/drawing/2014/main" id="{6AEE5332-9F2B-40A4-B03C-0CA4C32B5711}"/>
+              </a:ext>
+            </a:extLst>
+          </p:cNvPr>
+          <p:cNvCxnSpPr>
+            <a:cxnSpLocks/>
+          </p:cNvCxnSpPr>
+          <p:nvPr/>
+        </p:nvCxnSpPr>
+        <p:spPr>
+          <a:xfrm flipV="1">
+            <a:off x="5796137" y="4626893"/>
+            <a:ext cx="0" cy="818331"/>
+          </a:xfrm>
+          <a:prstGeom prst="straightConnector1">
+            <a:avLst/>
+          </a:prstGeom>
+          <a:ln w="57150">
+            <a:solidFill>
+              <a:srgbClr val="004E8A"/>
+            </a:solidFill>
+            <a:tailEnd type="triangle"/>
+          </a:ln>
+        </p:spPr>
+        <p:style>
+          <a:lnRef idx="1">
+            <a:schemeClr val="accent1"/>
+          </a:lnRef>
+          <a:fillRef idx="0">
+            <a:schemeClr val="accent1"/>
+          </a:fillRef>
+          <a:effectRef idx="0">
+            <a:schemeClr val="accent1"/>
+          </a:effectRef>
+          <a:fontRef idx="minor">
+            <a:schemeClr val="tx1"/>
+          </a:fontRef>
+        </p:style>
+      </p:cxnSp>
+      <p:sp>
+        <p:nvSpPr>
+          <p:cNvPr id="9" name="Rechteck 8">
+            <a:extLst>
+              <a:ext uri="{FF2B5EF4-FFF2-40B4-BE49-F238E27FC236}">
+                <a16:creationId xmlns:a16="http://schemas.microsoft.com/office/drawing/2014/main" id="{3778A54C-BCC7-4667-8D22-D645A2858F58}"/>
+              </a:ext>
+            </a:extLst>
+          </p:cNvPr>
+          <p:cNvSpPr/>
+          <p:nvPr/>
+        </p:nvSpPr>
+        <p:spPr>
+          <a:xfrm>
+            <a:off x="4788024" y="5441465"/>
+            <a:ext cx="3096344" cy="795847"/>
+          </a:xfrm>
+          <a:prstGeom prst="rect">
+            <a:avLst/>
+          </a:prstGeom>
+          <a:noFill/>
+          <a:ln>
+            <a:solidFill>
+              <a:srgbClr val="004E8A"/>
+            </a:solidFill>
+          </a:ln>
+        </p:spPr>
+        <p:style>
+          <a:lnRef idx="2">
+            <a:schemeClr val="accent1">
+              <a:shade val="50000"/>
+            </a:schemeClr>
+          </a:lnRef>
+          <a:fillRef idx="1">
+            <a:schemeClr val="accent1"/>
+          </a:fillRef>
+          <a:effectRef idx="0">
+            <a:schemeClr val="accent1"/>
+          </a:effectRef>
+          <a:fontRef idx="minor">
+            <a:schemeClr val="lt1"/>
+          </a:fontRef>
+        </p:style>
+        <p:txBody>
+          <a:bodyPr rtlCol="0" anchor="ctr"/>
+          <a:lstStyle/>
+          <a:p>
+            <a:pPr algn="ctr"/>
+            <a:r>
+              <a:rPr lang="de-DE" dirty="0">
+                <a:solidFill>
+                  <a:srgbClr val="004E8A"/>
+                </a:solidFill>
+              </a:rPr>
+              <a:t>Hochdruckturbine nach der Brennkammer</a:t>
+            </a:r>
+          </a:p>
+        </p:txBody>
+      </p:sp>
     </p:spTree>
+    <p:extLst>
+      <p:ext uri="{BB962C8B-B14F-4D97-AF65-F5344CB8AC3E}">
+        <p14:creationId xmlns:p14="http://schemas.microsoft.com/office/powerpoint/2010/main" val="2655577268"/>
+      </p:ext>
+    </p:extLst>
   </p:cSld>
   <p:clrMapOvr>
     <a:masterClrMapping/>
@@ -8335,21 +8428,19 @@
             <p:ph idx="1"/>
           </p:nvPr>
         </p:nvSpPr>
-        <p:spPr/>
-        <p:txBody>
-          <a:bodyPr/>
-          <a:lstStyle/>
-          <a:p>
-            <a:r>
-              <a:rPr lang="de-DE" dirty="0"/>
-              <a:t>Grundlagen</a:t>
-            </a:r>
-          </a:p>
-          <a:p>
-            <a:pPr lvl="2"/>
-            <a:r>
-              <a:rPr lang="de-DE" dirty="0"/>
-              <a:t>Wirkungsgraddefinitionen</a:t>
+        <p:spPr>
+          <a:xfrm>
+            <a:off x="360000" y="1620000"/>
+            <a:ext cx="7164328" cy="4479943"/>
+          </a:xfrm>
+        </p:spPr>
+        <p:txBody>
+          <a:bodyPr/>
+          <a:lstStyle/>
+          <a:p>
+            <a:r>
+              <a:rPr lang="de-DE" dirty="0"/>
+              <a:t>Grundlagen der Thermodynamik und von Wirkungsgraden</a:t>
             </a:r>
           </a:p>
           <a:p>
@@ -8359,35 +8450,18 @@
             </a:r>
           </a:p>
           <a:p>
-            <a:pPr lvl="2"/>
-            <a:r>
-              <a:rPr lang="de-DE" dirty="0"/>
-              <a:t>Strukturiert</a:t>
-            </a:r>
-          </a:p>
-          <a:p>
-            <a:pPr lvl="2"/>
-            <a:r>
-              <a:rPr lang="de-DE" dirty="0"/>
-              <a:t>Unstrukturiert</a:t>
-            </a:r>
-          </a:p>
-          <a:p>
-            <a:pPr lvl="1"/>
             <a:r>
               <a:rPr lang="de-DE" dirty="0"/>
               <a:t>Kanalströmung</a:t>
             </a:r>
           </a:p>
           <a:p>
-            <a:pPr lvl="1"/>
-            <a:r>
-              <a:rPr lang="de-DE" dirty="0"/>
-              <a:t>Auswertungstool</a:t>
-            </a:r>
-          </a:p>
-          <a:p>
-            <a:pPr lvl="1"/>
+            <a:r>
+              <a:rPr lang="de-DE" dirty="0"/>
+              <a:t>Auswertungstool für Gitterstudien</a:t>
+            </a:r>
+          </a:p>
+          <a:p>
             <a:r>
               <a:rPr lang="de-DE" dirty="0"/>
               <a:t>Fazit</a:t>
@@ -8402,7 +8476,7 @@
     </p:spTree>
     <p:extLst>
       <p:ext uri="{BB962C8B-B14F-4D97-AF65-F5344CB8AC3E}">
-        <p14:creationId xmlns:p14="http://schemas.microsoft.com/office/powerpoint/2010/main" val="305700967"/>
+        <p14:creationId xmlns:p14="http://schemas.microsoft.com/office/powerpoint/2010/main" val="3165109670"/>
       </p:ext>
     </p:extLst>
   </p:cSld>

--- a/Präsentation/Abschluss_Präsentation_Markus.pptx
+++ b/Präsentation/Abschluss_Präsentation_Markus.pptx
@@ -300,7 +300,7 @@
             <a:fld id="{A32DC80D-291A-4ABB-A78B-0417274A267C}" type="datetime4">
               <a:rPr lang="de-DE"/>
               <a:pPr/>
-              <a:t>5. Juli 2017</a:t>
+              <a:t>6. Juli 2017</a:t>
             </a:fld>
             <a:endParaRPr lang="de-DE"/>
           </a:p>
@@ -683,7 +683,7 @@
             <a:fld id="{065B079B-E513-489A-8A1B-D7C78493EA86}" type="datetime4">
               <a:rPr lang="de-DE"/>
               <a:pPr/>
-              <a:t>5. Juli 2017</a:t>
+              <a:t>6. Juli 2017</a:t>
             </a:fld>
             <a:endParaRPr lang="de-DE"/>
           </a:p>
@@ -1321,7 +1321,7 @@
             <a:fld id="{065B079B-E513-489A-8A1B-D7C78493EA86}" type="datetime4">
               <a:rPr lang="de-DE" smtClean="0"/>
               <a:pPr/>
-              <a:t>5. Juli 2017</a:t>
+              <a:t>6. Juli 2017</a:t>
             </a:fld>
             <a:endParaRPr lang="de-DE"/>
           </a:p>
@@ -1465,7 +1465,7 @@
             <a:fld id="{065B079B-E513-489A-8A1B-D7C78493EA86}" type="datetime4">
               <a:rPr lang="de-DE" smtClean="0"/>
               <a:pPr/>
-              <a:t>5. Juli 2017</a:t>
+              <a:t>6. Juli 2017</a:t>
             </a:fld>
             <a:endParaRPr lang="de-DE"/>
           </a:p>
@@ -1609,7 +1609,7 @@
             <a:fld id="{065B079B-E513-489A-8A1B-D7C78493EA86}" type="datetime4">
               <a:rPr lang="de-DE" smtClean="0"/>
               <a:pPr/>
-              <a:t>5. Juli 2017</a:t>
+              <a:t>6. Juli 2017</a:t>
             </a:fld>
             <a:endParaRPr lang="de-DE"/>
           </a:p>
@@ -1753,7 +1753,7 @@
             <a:fld id="{065B079B-E513-489A-8A1B-D7C78493EA86}" type="datetime4">
               <a:rPr lang="de-DE" smtClean="0"/>
               <a:pPr/>
-              <a:t>5. Juli 2017</a:t>
+              <a:t>6. Juli 2017</a:t>
             </a:fld>
             <a:endParaRPr lang="de-DE"/>
           </a:p>
@@ -1896,7 +1896,7 @@
             <a:fld id="{065B079B-E513-489A-8A1B-D7C78493EA86}" type="datetime4">
               <a:rPr lang="de-DE" smtClean="0"/>
               <a:pPr/>
-              <a:t>5. Juli 2017</a:t>
+              <a:t>6. Juli 2017</a:t>
             </a:fld>
             <a:endParaRPr lang="de-DE"/>
           </a:p>
@@ -2039,7 +2039,7 @@
             <a:fld id="{065B079B-E513-489A-8A1B-D7C78493EA86}" type="datetime4">
               <a:rPr lang="de-DE" smtClean="0"/>
               <a:pPr/>
-              <a:t>5. Juli 2017</a:t>
+              <a:t>6. Juli 2017</a:t>
             </a:fld>
             <a:endParaRPr lang="de-DE"/>
           </a:p>
@@ -2182,7 +2182,7 @@
             <a:fld id="{065B079B-E513-489A-8A1B-D7C78493EA86}" type="datetime4">
               <a:rPr lang="de-DE" smtClean="0"/>
               <a:pPr/>
-              <a:t>5. Juli 2017</a:t>
+              <a:t>6. Juli 2017</a:t>
             </a:fld>
             <a:endParaRPr lang="de-DE"/>
           </a:p>
@@ -2331,7 +2331,7 @@
             <a:fld id="{065B079B-E513-489A-8A1B-D7C78493EA86}" type="datetime4">
               <a:rPr lang="de-DE" smtClean="0"/>
               <a:pPr/>
-              <a:t>5. Juli 2017</a:t>
+              <a:t>6. Juli 2017</a:t>
             </a:fld>
             <a:endParaRPr lang="de-DE"/>
           </a:p>
@@ -2474,7 +2474,7 @@
             <a:fld id="{065B079B-E513-489A-8A1B-D7C78493EA86}" type="datetime4">
               <a:rPr lang="de-DE" smtClean="0"/>
               <a:pPr/>
-              <a:t>5. Juli 2017</a:t>
+              <a:t>6. Juli 2017</a:t>
             </a:fld>
             <a:endParaRPr lang="de-DE"/>
           </a:p>
@@ -2592,10 +2592,98 @@
           <a:bodyPr/>
           <a:lstStyle/>
           <a:p>
-            <a:r>
-              <a:rPr lang="de-DE" dirty="0"/>
+            <a:pPr marL="0" marR="0" indent="0" algn="l" defTabSz="914400" rtl="0" eaLnBrk="1" fontAlgn="base" latinLnBrk="0" hangingPunct="1">
+              <a:lnSpc>
+                <a:spcPct val="100000"/>
+              </a:lnSpc>
+              <a:spcBef>
+                <a:spcPct val="10000"/>
+              </a:spcBef>
+              <a:spcAft>
+                <a:spcPct val="0"/>
+              </a:spcAft>
+              <a:buClrTx/>
+              <a:buSzTx/>
+              <a:buFontTx/>
+              <a:buNone/>
+              <a:tabLst/>
+              <a:defRPr/>
+            </a:pPr>
+            <a:r>
+              <a:rPr lang="de-DE" dirty="0" smtClean="0"/>
               <a:t>Markus</a:t>
             </a:r>
+          </a:p>
+          <a:p>
+            <a:pPr marL="0" marR="0" indent="0" algn="l" defTabSz="914400" rtl="0" eaLnBrk="1" fontAlgn="base" latinLnBrk="0" hangingPunct="1">
+              <a:lnSpc>
+                <a:spcPct val="100000"/>
+              </a:lnSpc>
+              <a:spcBef>
+                <a:spcPct val="10000"/>
+              </a:spcBef>
+              <a:spcAft>
+                <a:spcPct val="0"/>
+              </a:spcAft>
+              <a:buClrTx/>
+              <a:buSzTx/>
+              <a:buFontTx/>
+              <a:buNone/>
+              <a:tabLst/>
+              <a:defRPr/>
+            </a:pPr>
+            <a:r>
+              <a:rPr lang="de-DE" dirty="0" smtClean="0"/>
+              <a:t>P_T: Leistung</a:t>
+            </a:r>
+            <a:r>
+              <a:rPr lang="de-DE" baseline="0" dirty="0" smtClean="0"/>
+              <a:t> von Strömung an Turbine abgegeben</a:t>
+            </a:r>
+            <a:endParaRPr lang="de-DE" dirty="0" smtClean="0"/>
+          </a:p>
+          <a:p>
+            <a:pPr marL="0" marR="0" indent="0" algn="l" defTabSz="914400" rtl="0" eaLnBrk="1" fontAlgn="base" latinLnBrk="0" hangingPunct="1">
+              <a:lnSpc>
+                <a:spcPct val="100000"/>
+              </a:lnSpc>
+              <a:spcBef>
+                <a:spcPct val="10000"/>
+              </a:spcBef>
+              <a:spcAft>
+                <a:spcPct val="0"/>
+              </a:spcAft>
+              <a:buClrTx/>
+              <a:buSzTx/>
+              <a:buFontTx/>
+              <a:buNone/>
+              <a:tabLst/>
+              <a:defRPr/>
+            </a:pPr>
+            <a:r>
+              <a:rPr lang="de-DE" dirty="0" err="1" smtClean="0"/>
+              <a:t>todo</a:t>
+            </a:r>
+            <a:r>
+              <a:rPr lang="de-DE" dirty="0" smtClean="0"/>
+              <a:t> h-s </a:t>
+            </a:r>
+            <a:r>
+              <a:rPr lang="de-DE" dirty="0" err="1" smtClean="0"/>
+              <a:t>diagramm</a:t>
+            </a:r>
+            <a:r>
+              <a:rPr lang="de-DE" dirty="0" smtClean="0"/>
+              <a:t>, </a:t>
+            </a:r>
+            <a:r>
+              <a:rPr lang="de-DE" dirty="0" err="1" smtClean="0"/>
+              <a:t>turbine</a:t>
+            </a:r>
+            <a:endParaRPr lang="de-DE" dirty="0" smtClean="0"/>
+          </a:p>
+          <a:p>
+            <a:endParaRPr lang="de-DE" dirty="0"/>
           </a:p>
         </p:txBody>
       </p:sp>
@@ -2617,7 +2705,7 @@
             <a:fld id="{065B079B-E513-489A-8A1B-D7C78493EA86}" type="datetime4">
               <a:rPr lang="de-DE" smtClean="0"/>
               <a:pPr/>
-              <a:t>5. Juli 2017</a:t>
+              <a:t>6. Juli 2017</a:t>
             </a:fld>
             <a:endParaRPr lang="de-DE"/>
           </a:p>
@@ -2761,7 +2849,7 @@
             <a:fld id="{065B079B-E513-489A-8A1B-D7C78493EA86}" type="datetime4">
               <a:rPr lang="de-DE" smtClean="0"/>
               <a:pPr/>
-              <a:t>5. Juli 2017</a:t>
+              <a:t>6. Juli 2017</a:t>
             </a:fld>
             <a:endParaRPr lang="de-DE"/>
           </a:p>
@@ -2905,7 +2993,7 @@
             <a:fld id="{065B079B-E513-489A-8A1B-D7C78493EA86}" type="datetime4">
               <a:rPr lang="de-DE" smtClean="0"/>
               <a:pPr/>
-              <a:t>5. Juli 2017</a:t>
+              <a:t>6. Juli 2017</a:t>
             </a:fld>
             <a:endParaRPr lang="de-DE"/>
           </a:p>
@@ -3048,7 +3136,7 @@
             <a:fld id="{065B079B-E513-489A-8A1B-D7C78493EA86}" type="datetime4">
               <a:rPr lang="de-DE" smtClean="0"/>
               <a:pPr/>
-              <a:t>5. Juli 2017</a:t>
+              <a:t>6. Juli 2017</a:t>
             </a:fld>
             <a:endParaRPr lang="de-DE"/>
           </a:p>
@@ -3191,7 +3279,7 @@
             <a:fld id="{065B079B-E513-489A-8A1B-D7C78493EA86}" type="datetime4">
               <a:rPr lang="de-DE" smtClean="0"/>
               <a:pPr/>
-              <a:t>5. Juli 2017</a:t>
+              <a:t>6. Juli 2017</a:t>
             </a:fld>
             <a:endParaRPr lang="de-DE"/>
           </a:p>
@@ -3334,7 +3422,7 @@
             <a:fld id="{065B079B-E513-489A-8A1B-D7C78493EA86}" type="datetime4">
               <a:rPr lang="de-DE" smtClean="0"/>
               <a:pPr/>
-              <a:t>5. Juli 2017</a:t>
+              <a:t>6. Juli 2017</a:t>
             </a:fld>
             <a:endParaRPr lang="de-DE"/>
           </a:p>
@@ -3474,7 +3562,7 @@
             <a:fld id="{065B079B-E513-489A-8A1B-D7C78493EA86}" type="datetime4">
               <a:rPr lang="de-DE" smtClean="0"/>
               <a:pPr/>
-              <a:t>5. Juli 2017</a:t>
+              <a:t>6. Juli 2017</a:t>
             </a:fld>
             <a:endParaRPr lang="de-DE"/>
           </a:p>
@@ -3910,7 +3998,7 @@
                 <a:tabLst/>
                 <a:defRPr/>
               </a:pPr>
-              <a:t>05.07.2017</a:t>
+              <a:t>06.07.17</a:t>
             </a:fld>
             <a:r>
               <a:rPr kumimoji="0" lang="de-DE" sz="1000" b="0" i="0" u="none" strike="noStrike" kern="1200" cap="none" spc="0" normalizeH="0" baseline="0" noProof="0" dirty="0">
@@ -4356,7 +4444,7 @@
                 <a:tabLst/>
                 <a:defRPr/>
               </a:pPr>
-              <a:t>05.07.2017</a:t>
+              <a:t>06.07.17</a:t>
             </a:fld>
             <a:r>
               <a:rPr kumimoji="0" lang="de-DE" sz="1000" b="0" i="0" u="none" strike="noStrike" kern="1200" cap="none" spc="0" normalizeH="0" baseline="0" noProof="0" dirty="0">
@@ -6059,7 +6147,7 @@
                 <a:tabLst/>
                 <a:defRPr/>
               </a:pPr>
-              <a:t>05.07.2017</a:t>
+              <a:t>06.07.17</a:t>
             </a:fld>
             <a:r>
               <a:rPr kumimoji="0" lang="de-DE" sz="1000" b="0" i="0" u="none" strike="noStrike" kern="1200" cap="none" spc="0" normalizeH="0" baseline="0" noProof="0" dirty="0">
@@ -6778,7 +6866,7 @@
           <p:cNvPr id="4" name="Grafik 3">
             <a:extLst>
               <a:ext uri="{FF2B5EF4-FFF2-40B4-BE49-F238E27FC236}">
-                <a16:creationId xmlns:a16="http://schemas.microsoft.com/office/drawing/2014/main" id="{18A4F8C9-BC47-4597-A341-7BD061B63621}"/>
+                <a16:creationId xmlns="" xmlns:a16="http://schemas.microsoft.com/office/drawing/2014/main" id="{18A4F8C9-BC47-4597-A341-7BD061B63621}"/>
               </a:ext>
             </a:extLst>
           </p:cNvPr>
@@ -6808,7 +6896,7 @@
           <p:cNvPr id="8" name="Gerade Verbindung mit Pfeil 7">
             <a:extLst>
               <a:ext uri="{FF2B5EF4-FFF2-40B4-BE49-F238E27FC236}">
-                <a16:creationId xmlns:a16="http://schemas.microsoft.com/office/drawing/2014/main" id="{6AEE5332-9F2B-40A4-B03C-0CA4C32B5711}"/>
+                <a16:creationId xmlns="" xmlns:a16="http://schemas.microsoft.com/office/drawing/2014/main" id="{6AEE5332-9F2B-40A4-B03C-0CA4C32B5711}"/>
               </a:ext>
             </a:extLst>
           </p:cNvPr>
@@ -6852,7 +6940,7 @@
           <p:cNvPr id="9" name="Rechteck 8">
             <a:extLst>
               <a:ext uri="{FF2B5EF4-FFF2-40B4-BE49-F238E27FC236}">
-                <a16:creationId xmlns:a16="http://schemas.microsoft.com/office/drawing/2014/main" id="{3778A54C-BCC7-4667-8D22-D645A2858F58}"/>
+                <a16:creationId xmlns="" xmlns:a16="http://schemas.microsoft.com/office/drawing/2014/main" id="{3778A54C-BCC7-4667-8D22-D645A2858F58}"/>
               </a:ext>
             </a:extLst>
           </p:cNvPr>
@@ -6941,7 +7029,7 @@
           <p:cNvPr id="2" name="Titel 1">
             <a:extLst>
               <a:ext uri="{FF2B5EF4-FFF2-40B4-BE49-F238E27FC236}">
-                <a16:creationId xmlns:a16="http://schemas.microsoft.com/office/drawing/2014/main" id="{98E30EB0-62A0-4D55-AF97-782AB848AE3B}"/>
+                <a16:creationId xmlns="" xmlns:a16="http://schemas.microsoft.com/office/drawing/2014/main" id="{98E30EB0-62A0-4D55-AF97-782AB848AE3B}"/>
               </a:ext>
             </a:extLst>
           </p:cNvPr>
@@ -6969,7 +7057,7 @@
           <p:cNvPr id="3" name="Inhaltsplatzhalter 2">
             <a:extLst>
               <a:ext uri="{FF2B5EF4-FFF2-40B4-BE49-F238E27FC236}">
-                <a16:creationId xmlns:a16="http://schemas.microsoft.com/office/drawing/2014/main" id="{5CE73134-BC2B-467B-B2FE-58257A89BDB4}"/>
+                <a16:creationId xmlns="" xmlns:a16="http://schemas.microsoft.com/office/drawing/2014/main" id="{5CE73134-BC2B-467B-B2FE-58257A89BDB4}"/>
               </a:ext>
             </a:extLst>
           </p:cNvPr>
@@ -7024,7 +7112,7 @@
           <p:cNvPr id="2" name="Titel 1">
             <a:extLst>
               <a:ext uri="{FF2B5EF4-FFF2-40B4-BE49-F238E27FC236}">
-                <a16:creationId xmlns:a16="http://schemas.microsoft.com/office/drawing/2014/main" id="{92BC8844-D44E-4A34-A3E9-BBC46793D01F}"/>
+                <a16:creationId xmlns="" xmlns:a16="http://schemas.microsoft.com/office/drawing/2014/main" id="{92BC8844-D44E-4A34-A3E9-BBC46793D01F}"/>
               </a:ext>
             </a:extLst>
           </p:cNvPr>
@@ -7052,7 +7140,7 @@
           <p:cNvPr id="3" name="Inhaltsplatzhalter 2">
             <a:extLst>
               <a:ext uri="{FF2B5EF4-FFF2-40B4-BE49-F238E27FC236}">
-                <a16:creationId xmlns:a16="http://schemas.microsoft.com/office/drawing/2014/main" id="{226BDF4D-EA65-4EB5-9166-5B6F009BEDE8}"/>
+                <a16:creationId xmlns="" xmlns:a16="http://schemas.microsoft.com/office/drawing/2014/main" id="{226BDF4D-EA65-4EB5-9166-5B6F009BEDE8}"/>
               </a:ext>
             </a:extLst>
           </p:cNvPr>
@@ -7110,7 +7198,7 @@
           <p:cNvPr id="2" name="Titel 1">
             <a:extLst>
               <a:ext uri="{FF2B5EF4-FFF2-40B4-BE49-F238E27FC236}">
-                <a16:creationId xmlns:a16="http://schemas.microsoft.com/office/drawing/2014/main" id="{B021C1F3-433C-41E3-8587-65D5BDA4F317}"/>
+                <a16:creationId xmlns="" xmlns:a16="http://schemas.microsoft.com/office/drawing/2014/main" id="{B021C1F3-433C-41E3-8587-65D5BDA4F317}"/>
               </a:ext>
             </a:extLst>
           </p:cNvPr>
@@ -7138,7 +7226,7 @@
           <p:cNvPr id="3" name="Inhaltsplatzhalter 2">
             <a:extLst>
               <a:ext uri="{FF2B5EF4-FFF2-40B4-BE49-F238E27FC236}">
-                <a16:creationId xmlns:a16="http://schemas.microsoft.com/office/drawing/2014/main" id="{CF5061C2-25E2-4A53-BCDE-093C837A0F45}"/>
+                <a16:creationId xmlns="" xmlns:a16="http://schemas.microsoft.com/office/drawing/2014/main" id="{CF5061C2-25E2-4A53-BCDE-093C837A0F45}"/>
               </a:ext>
             </a:extLst>
           </p:cNvPr>
@@ -7196,7 +7284,7 @@
           <p:cNvPr id="2" name="Titel 1">
             <a:extLst>
               <a:ext uri="{FF2B5EF4-FFF2-40B4-BE49-F238E27FC236}">
-                <a16:creationId xmlns:a16="http://schemas.microsoft.com/office/drawing/2014/main" id="{D329A526-CE1D-48AD-8C37-10B31DD1A94A}"/>
+                <a16:creationId xmlns="" xmlns:a16="http://schemas.microsoft.com/office/drawing/2014/main" id="{D329A526-CE1D-48AD-8C37-10B31DD1A94A}"/>
               </a:ext>
             </a:extLst>
           </p:cNvPr>
@@ -7224,7 +7312,7 @@
           <p:cNvPr id="3" name="Inhaltsplatzhalter 2">
             <a:extLst>
               <a:ext uri="{FF2B5EF4-FFF2-40B4-BE49-F238E27FC236}">
-                <a16:creationId xmlns:a16="http://schemas.microsoft.com/office/drawing/2014/main" id="{BA4C428F-6F17-477B-9503-2C9FE4D7286D}"/>
+                <a16:creationId xmlns="" xmlns:a16="http://schemas.microsoft.com/office/drawing/2014/main" id="{BA4C428F-6F17-477B-9503-2C9FE4D7286D}"/>
               </a:ext>
             </a:extLst>
           </p:cNvPr>
@@ -7296,7 +7384,7 @@
           <p:cNvPr id="2" name="Titel 1">
             <a:extLst>
               <a:ext uri="{FF2B5EF4-FFF2-40B4-BE49-F238E27FC236}">
-                <a16:creationId xmlns:a16="http://schemas.microsoft.com/office/drawing/2014/main" id="{8643BECD-9FC8-4139-AF9D-AAB9BD9ABF1F}"/>
+                <a16:creationId xmlns="" xmlns:a16="http://schemas.microsoft.com/office/drawing/2014/main" id="{8643BECD-9FC8-4139-AF9D-AAB9BD9ABF1F}"/>
               </a:ext>
             </a:extLst>
           </p:cNvPr>
@@ -7324,7 +7412,7 @@
           <p:cNvPr id="3" name="Inhaltsplatzhalter 2">
             <a:extLst>
               <a:ext uri="{FF2B5EF4-FFF2-40B4-BE49-F238E27FC236}">
-                <a16:creationId xmlns:a16="http://schemas.microsoft.com/office/drawing/2014/main" id="{E42A3100-1EC4-4CA1-8073-DBF9AE2DE022}"/>
+                <a16:creationId xmlns="" xmlns:a16="http://schemas.microsoft.com/office/drawing/2014/main" id="{E42A3100-1EC4-4CA1-8073-DBF9AE2DE022}"/>
               </a:ext>
             </a:extLst>
           </p:cNvPr>
@@ -7382,7 +7470,7 @@
           <p:cNvPr id="2" name="Titel 1">
             <a:extLst>
               <a:ext uri="{FF2B5EF4-FFF2-40B4-BE49-F238E27FC236}">
-                <a16:creationId xmlns:a16="http://schemas.microsoft.com/office/drawing/2014/main" id="{A6803A1C-048A-4BD5-BB5C-6AD0F129ECC9}"/>
+                <a16:creationId xmlns="" xmlns:a16="http://schemas.microsoft.com/office/drawing/2014/main" id="{A6803A1C-048A-4BD5-BB5C-6AD0F129ECC9}"/>
               </a:ext>
             </a:extLst>
           </p:cNvPr>
@@ -7410,7 +7498,7 @@
           <p:cNvPr id="3" name="Inhaltsplatzhalter 2">
             <a:extLst>
               <a:ext uri="{FF2B5EF4-FFF2-40B4-BE49-F238E27FC236}">
-                <a16:creationId xmlns:a16="http://schemas.microsoft.com/office/drawing/2014/main" id="{13708A06-7247-4796-B127-BA1268EFB4F0}"/>
+                <a16:creationId xmlns="" xmlns:a16="http://schemas.microsoft.com/office/drawing/2014/main" id="{13708A06-7247-4796-B127-BA1268EFB4F0}"/>
               </a:ext>
             </a:extLst>
           </p:cNvPr>
@@ -7755,14 +7843,14 @@
                 <a:gridCol w="3411538">
                   <a:extLst>
                     <a:ext uri="{9D8B030D-6E8A-4147-A177-3AD203B41FA5}">
-                      <a16:colId xmlns:a16="http://schemas.microsoft.com/office/drawing/2014/main" val="20000"/>
+                      <a16:colId xmlns="" xmlns:a16="http://schemas.microsoft.com/office/drawing/2014/main" val="20000"/>
                     </a:ext>
                   </a:extLst>
                 </a:gridCol>
                 <a:gridCol w="3411538">
                   <a:extLst>
                     <a:ext uri="{9D8B030D-6E8A-4147-A177-3AD203B41FA5}">
-                      <a16:colId xmlns:a16="http://schemas.microsoft.com/office/drawing/2014/main" val="20001"/>
+                      <a16:colId xmlns="" xmlns:a16="http://schemas.microsoft.com/office/drawing/2014/main" val="20001"/>
                     </a:ext>
                   </a:extLst>
                 </a:gridCol>
@@ -7804,7 +7892,7 @@
                 </a:tc>
                 <a:extLst>
                   <a:ext uri="{0D108BD9-81ED-4DB2-BD59-A6C34878D82A}">
-                    <a16:rowId xmlns:a16="http://schemas.microsoft.com/office/drawing/2014/main" val="10000"/>
+                    <a16:rowId xmlns="" xmlns:a16="http://schemas.microsoft.com/office/drawing/2014/main" val="10000"/>
                   </a:ext>
                 </a:extLst>
               </a:tr>
@@ -7842,7 +7930,7 @@
                 </a:tc>
                 <a:extLst>
                   <a:ext uri="{0D108BD9-81ED-4DB2-BD59-A6C34878D82A}">
-                    <a16:rowId xmlns:a16="http://schemas.microsoft.com/office/drawing/2014/main" val="10001"/>
+                    <a16:rowId xmlns="" xmlns:a16="http://schemas.microsoft.com/office/drawing/2014/main" val="10001"/>
                   </a:ext>
                 </a:extLst>
               </a:tr>
@@ -7896,7 +7984,7 @@
                 </a:tc>
                 <a:extLst>
                   <a:ext uri="{0D108BD9-81ED-4DB2-BD59-A6C34878D82A}">
-                    <a16:rowId xmlns:a16="http://schemas.microsoft.com/office/drawing/2014/main" val="10002"/>
+                    <a16:rowId xmlns="" xmlns:a16="http://schemas.microsoft.com/office/drawing/2014/main" val="10002"/>
                   </a:ext>
                 </a:extLst>
               </a:tr>
@@ -7950,7 +8038,7 @@
                 </a:tc>
                 <a:extLst>
                   <a:ext uri="{0D108BD9-81ED-4DB2-BD59-A6C34878D82A}">
-                    <a16:rowId xmlns:a16="http://schemas.microsoft.com/office/drawing/2014/main" val="10003"/>
+                    <a16:rowId xmlns="" xmlns:a16="http://schemas.microsoft.com/office/drawing/2014/main" val="10003"/>
                   </a:ext>
                 </a:extLst>
               </a:tr>
@@ -8004,7 +8092,7 @@
                 </a:tc>
                 <a:extLst>
                   <a:ext uri="{0D108BD9-81ED-4DB2-BD59-A6C34878D82A}">
-                    <a16:rowId xmlns:a16="http://schemas.microsoft.com/office/drawing/2014/main" val="10004"/>
+                    <a16:rowId xmlns="" xmlns:a16="http://schemas.microsoft.com/office/drawing/2014/main" val="10004"/>
                   </a:ext>
                 </a:extLst>
               </a:tr>
@@ -8058,7 +8146,7 @@
                 </a:tc>
                 <a:extLst>
                   <a:ext uri="{0D108BD9-81ED-4DB2-BD59-A6C34878D82A}">
-                    <a16:rowId xmlns:a16="http://schemas.microsoft.com/office/drawing/2014/main" val="10005"/>
+                    <a16:rowId xmlns="" xmlns:a16="http://schemas.microsoft.com/office/drawing/2014/main" val="10005"/>
                   </a:ext>
                 </a:extLst>
               </a:tr>
@@ -8112,7 +8200,7 @@
                 </a:tc>
                 <a:extLst>
                   <a:ext uri="{0D108BD9-81ED-4DB2-BD59-A6C34878D82A}">
-                    <a16:rowId xmlns:a16="http://schemas.microsoft.com/office/drawing/2014/main" val="10006"/>
+                    <a16:rowId xmlns="" xmlns:a16="http://schemas.microsoft.com/office/drawing/2014/main" val="10006"/>
                   </a:ext>
                 </a:extLst>
               </a:tr>
@@ -8166,7 +8254,7 @@
                 </a:tc>
                 <a:extLst>
                   <a:ext uri="{0D108BD9-81ED-4DB2-BD59-A6C34878D82A}">
-                    <a16:rowId xmlns:a16="http://schemas.microsoft.com/office/drawing/2014/main" val="10007"/>
+                    <a16:rowId xmlns="" xmlns:a16="http://schemas.microsoft.com/office/drawing/2014/main" val="10007"/>
                   </a:ext>
                 </a:extLst>
               </a:tr>
@@ -8389,7 +8477,7 @@
           <p:cNvPr id="2" name="Titel 1">
             <a:extLst>
               <a:ext uri="{FF2B5EF4-FFF2-40B4-BE49-F238E27FC236}">
-                <a16:creationId xmlns:a16="http://schemas.microsoft.com/office/drawing/2014/main" id="{D27A44A1-7D5C-4ED1-B1CC-16A1827DE5CE}"/>
+                <a16:creationId xmlns="" xmlns:a16="http://schemas.microsoft.com/office/drawing/2014/main" id="{D27A44A1-7D5C-4ED1-B1CC-16A1827DE5CE}"/>
               </a:ext>
             </a:extLst>
           </p:cNvPr>
@@ -8417,7 +8505,7 @@
           <p:cNvPr id="3" name="Inhaltsplatzhalter 2">
             <a:extLst>
               <a:ext uri="{FF2B5EF4-FFF2-40B4-BE49-F238E27FC236}">
-                <a16:creationId xmlns:a16="http://schemas.microsoft.com/office/drawing/2014/main" id="{0A11E94A-080C-4F4A-B9ED-FC1B878B8CE0}"/>
+                <a16:creationId xmlns="" xmlns:a16="http://schemas.microsoft.com/office/drawing/2014/main" id="{0A11E94A-080C-4F4A-B9ED-FC1B878B8CE0}"/>
               </a:ext>
             </a:extLst>
           </p:cNvPr>
@@ -8483,6 +8571,13 @@
   <p:clrMapOvr>
     <a:masterClrMapping/>
   </p:clrMapOvr>
+  <p:timing>
+    <p:tnLst>
+      <p:par>
+        <p:cTn id="1" dur="indefinite" restart="never" nodeType="tmRoot"/>
+      </p:par>
+    </p:tnLst>
+  </p:timing>
 </p:sld>
 </file>
 
@@ -8508,7 +8603,7 @@
           <p:cNvPr id="2" name="Titel 1">
             <a:extLst>
               <a:ext uri="{FF2B5EF4-FFF2-40B4-BE49-F238E27FC236}">
-                <a16:creationId xmlns:a16="http://schemas.microsoft.com/office/drawing/2014/main" id="{097E6A6D-464E-4766-AAF3-C4FECB9FA991}"/>
+                <a16:creationId xmlns="" xmlns:a16="http://schemas.microsoft.com/office/drawing/2014/main" id="{097E6A6D-464E-4766-AAF3-C4FECB9FA991}"/>
               </a:ext>
             </a:extLst>
           </p:cNvPr>
@@ -8531,55 +8626,1185 @@
           </a:p>
         </p:txBody>
       </p:sp>
-      <p:sp>
-        <p:nvSpPr>
-          <p:cNvPr id="3" name="Inhaltsplatzhalter 2">
+      <mc:AlternateContent xmlns:mc="http://schemas.openxmlformats.org/markup-compatibility/2006">
+        <mc:Choice xmlns:a14="http://schemas.microsoft.com/office/drawing/2010/main" Requires="a14">
+          <p:sp>
+            <p:nvSpPr>
+              <p:cNvPr id="3" name="Inhaltsplatzhalter 2">
+                <a:extLst>
+                  <a:ext uri="{FF2B5EF4-FFF2-40B4-BE49-F238E27FC236}">
+                    <a16:creationId xmlns="" xmlns:a16="http://schemas.microsoft.com/office/drawing/2014/main" id="{0E9598F0-1E7C-41F5-AC85-FE84123CF1DA}"/>
+                  </a:ext>
+                </a:extLst>
+              </p:cNvPr>
+              <p:cNvSpPr>
+                <a:spLocks noGrp="1"/>
+              </p:cNvSpPr>
+              <p:nvPr>
+                <p:ph idx="1"/>
+              </p:nvPr>
+            </p:nvSpPr>
+            <p:spPr>
+              <a:xfrm>
+                <a:off x="360000" y="1620000"/>
+                <a:ext cx="7092320" cy="4627880"/>
+              </a:xfrm>
+            </p:spPr>
+            <p:txBody>
+              <a:bodyPr/>
+              <a:lstStyle/>
+              <a:p>
+                <a:r>
+                  <a:rPr lang="de-DE" dirty="0" smtClean="0"/>
+                  <a:t>Idealer Vergleichsprozess: Joule-Prozess</a:t>
+                </a:r>
+              </a:p>
+              <a:p>
+                <a:r>
+                  <a:rPr lang="de-DE" dirty="0" smtClean="0"/>
+                  <a:t>Adiabate ZÄ (</a:t>
+                </a:r>
+                <a14:m>
+                  <m:oMath xmlns:m="http://schemas.openxmlformats.org/officeDocument/2006/math">
+                    <m:acc>
+                      <m:accPr>
+                        <m:chr m:val="̇"/>
+                        <m:ctrlPr>
+                          <a:rPr lang="de-DE" i="1" dirty="0" smtClean="0">
+                            <a:latin typeface="Cambria Math" charset="0"/>
+                          </a:rPr>
+                        </m:ctrlPr>
+                      </m:accPr>
+                      <m:e>
+                        <m:r>
+                          <a:rPr lang="de-DE" b="0" i="1" dirty="0" smtClean="0">
+                            <a:latin typeface="Cambria Math" charset="0"/>
+                          </a:rPr>
+                          <m:t>𝑄</m:t>
+                        </m:r>
+                      </m:e>
+                    </m:acc>
+                  </m:oMath>
+                </a14:m>
+                <a:r>
+                  <a:rPr lang="de-DE" dirty="0" smtClean="0"/>
+                  <a:t> = 0), KV Grenzen mit Gehäuse (</a:t>
+                </a:r>
+                <a14:m>
+                  <m:oMath xmlns:m="http://schemas.openxmlformats.org/officeDocument/2006/math">
+                    <m:sSub>
+                      <m:sSubPr>
+                        <m:ctrlPr>
+                          <a:rPr lang="en-US" b="0" i="1" smtClean="0">
+                            <a:latin typeface="Cambria Math" charset="0"/>
+                          </a:rPr>
+                        </m:ctrlPr>
+                      </m:sSubPr>
+                      <m:e>
+                        <m:r>
+                          <a:rPr lang="de-DE" b="0" i="1" smtClean="0">
+                            <a:latin typeface="Cambria Math" charset="0"/>
+                          </a:rPr>
+                          <m:t>𝑃</m:t>
+                        </m:r>
+                      </m:e>
+                      <m:sub>
+                        <m:r>
+                          <a:rPr lang="de-DE" b="0" i="1" smtClean="0">
+                            <a:latin typeface="Cambria Math" charset="0"/>
+                          </a:rPr>
+                          <m:t>𝑅</m:t>
+                        </m:r>
+                      </m:sub>
+                    </m:sSub>
+                  </m:oMath>
+                </a14:m>
+                <a:r>
+                  <a:rPr lang="de-DE" dirty="0" smtClean="0"/>
+                  <a:t>= 0): </a:t>
+                </a:r>
+              </a:p>
+              <a:p>
+                <a:r>
+                  <a:rPr lang="de-DE" dirty="0" smtClean="0"/>
+                  <a:t>1.HS: </a:t>
+                </a:r>
+                <a14:m>
+                  <m:oMath xmlns:m="http://schemas.openxmlformats.org/officeDocument/2006/math">
+                    <m:sSub>
+                      <m:sSubPr>
+                        <m:ctrlPr>
+                          <a:rPr lang="en-US" b="0" i="1" smtClean="0">
+                            <a:latin typeface="Cambria Math" charset="0"/>
+                          </a:rPr>
+                        </m:ctrlPr>
+                      </m:sSubPr>
+                      <m:e>
+                        <m:r>
+                          <a:rPr lang="de-DE" b="0" i="1" smtClean="0">
+                            <a:latin typeface="Cambria Math" charset="0"/>
+                          </a:rPr>
+                          <m:t>𝑃</m:t>
+                        </m:r>
+                      </m:e>
+                      <m:sub>
+                        <m:r>
+                          <a:rPr lang="de-DE" b="0" i="1" smtClean="0">
+                            <a:latin typeface="Cambria Math" charset="0"/>
+                          </a:rPr>
+                          <m:t>𝑇</m:t>
+                        </m:r>
+                      </m:sub>
+                    </m:sSub>
+                    <m:r>
+                      <a:rPr lang="de-DE" b="0" i="1" smtClean="0">
+                        <a:latin typeface="Cambria Math" charset="0"/>
+                      </a:rPr>
+                      <m:t>= </m:t>
+                    </m:r>
+                    <m:acc>
+                      <m:accPr>
+                        <m:chr m:val="̇"/>
+                        <m:ctrlPr>
+                          <a:rPr lang="de-DE" b="0" i="1" smtClean="0">
+                            <a:latin typeface="Cambria Math" charset="0"/>
+                          </a:rPr>
+                        </m:ctrlPr>
+                      </m:accPr>
+                      <m:e>
+                        <m:r>
+                          <a:rPr lang="de-DE" b="0" i="1" smtClean="0">
+                            <a:latin typeface="Cambria Math" charset="0"/>
+                          </a:rPr>
+                          <m:t>𝑚</m:t>
+                        </m:r>
+                      </m:e>
+                    </m:acc>
+                    <m:r>
+                      <a:rPr lang="de-DE" b="0" i="1" smtClean="0">
+                        <a:latin typeface="Cambria Math" charset="0"/>
+                      </a:rPr>
+                      <m:t>(</m:t>
+                    </m:r>
+                    <m:sSub>
+                      <m:sSubPr>
+                        <m:ctrlPr>
+                          <a:rPr lang="en-US" b="0" i="1" smtClean="0">
+                            <a:latin typeface="Cambria Math" charset="0"/>
+                          </a:rPr>
+                        </m:ctrlPr>
+                      </m:sSubPr>
+                      <m:e>
+                        <m:r>
+                          <a:rPr lang="de-DE" b="0" i="1" smtClean="0">
+                            <a:latin typeface="Cambria Math" charset="0"/>
+                          </a:rPr>
+                          <m:t>h</m:t>
+                        </m:r>
+                      </m:e>
+                      <m:sub>
+                        <m:r>
+                          <a:rPr lang="de-DE" b="0" i="1" smtClean="0">
+                            <a:latin typeface="Cambria Math" charset="0"/>
+                          </a:rPr>
+                          <m:t>𝑡</m:t>
+                        </m:r>
+                        <m:r>
+                          <a:rPr lang="de-DE" b="0" i="1" smtClean="0">
+                            <a:latin typeface="Cambria Math" charset="0"/>
+                          </a:rPr>
+                          <m:t>5</m:t>
+                        </m:r>
+                      </m:sub>
+                    </m:sSub>
+                    <m:r>
+                      <a:rPr lang="de-DE" b="0" i="1" smtClean="0">
+                        <a:latin typeface="Cambria Math" charset="0"/>
+                      </a:rPr>
+                      <m:t>−</m:t>
+                    </m:r>
+                    <m:sSub>
+                      <m:sSubPr>
+                        <m:ctrlPr>
+                          <a:rPr lang="en-US" b="0" i="1" smtClean="0">
+                            <a:latin typeface="Cambria Math" charset="0"/>
+                          </a:rPr>
+                        </m:ctrlPr>
+                      </m:sSubPr>
+                      <m:e>
+                        <m:r>
+                          <a:rPr lang="de-DE" b="0" i="1" smtClean="0">
+                            <a:latin typeface="Cambria Math" charset="0"/>
+                          </a:rPr>
+                          <m:t>h</m:t>
+                        </m:r>
+                      </m:e>
+                      <m:sub>
+                        <m:r>
+                          <a:rPr lang="de-DE" b="0" i="1" smtClean="0">
+                            <a:latin typeface="Cambria Math" charset="0"/>
+                          </a:rPr>
+                          <m:t>𝑡</m:t>
+                        </m:r>
+                        <m:r>
+                          <a:rPr lang="de-DE" b="0" i="1" smtClean="0">
+                            <a:latin typeface="Cambria Math" charset="0"/>
+                          </a:rPr>
+                          <m:t>4</m:t>
+                        </m:r>
+                      </m:sub>
+                    </m:sSub>
+                    <m:r>
+                      <a:rPr lang="de-DE" b="0" i="1" smtClean="0">
+                        <a:latin typeface="Cambria Math" charset="0"/>
+                      </a:rPr>
+                      <m:t>) </m:t>
+                    </m:r>
+                  </m:oMath>
+                </a14:m>
+                <a:endParaRPr lang="de-DE" dirty="0" smtClean="0"/>
+              </a:p>
+              <a:p>
+                <a:r>
+                  <a:rPr lang="de-DE" dirty="0" smtClean="0"/>
+                  <a:t>Mit isentroper ZÄ als Vergleichsprozess:</a:t>
+                </a:r>
+              </a:p>
+              <a:p>
+                <a14:m>
+                  <m:oMath xmlns:m="http://schemas.openxmlformats.org/officeDocument/2006/math">
+                    <m:sSub>
+                      <m:sSubPr>
+                        <m:ctrlPr>
+                          <a:rPr lang="en-US" i="1">
+                            <a:latin typeface="Cambria Math" charset="0"/>
+                          </a:rPr>
+                        </m:ctrlPr>
+                      </m:sSubPr>
+                      <m:e>
+                        <m:bar>
+                          <m:barPr>
+                            <m:pos m:val="top"/>
+                            <m:ctrlPr>
+                              <a:rPr lang="en-US" i="1" smtClean="0">
+                                <a:latin typeface="Cambria Math" charset="0"/>
+                                <a:ea typeface="Cambria Math" charset="0"/>
+                                <a:cs typeface="Cambria Math" charset="0"/>
+                              </a:rPr>
+                            </m:ctrlPr>
+                          </m:barPr>
+                          <m:e>
+                            <m:r>
+                              <a:rPr lang="en-US" i="1" smtClean="0">
+                                <a:latin typeface="Cambria Math" charset="0"/>
+                                <a:ea typeface="Cambria Math" charset="0"/>
+                                <a:cs typeface="Cambria Math" charset="0"/>
+                              </a:rPr>
+                              <m:t>𝜂</m:t>
+                            </m:r>
+                          </m:e>
+                        </m:bar>
+                      </m:e>
+                      <m:sub>
+                        <m:r>
+                          <a:rPr lang="de-DE" i="1">
+                            <a:latin typeface="Cambria Math" charset="0"/>
+                          </a:rPr>
+                          <m:t>𝑡𝑇</m:t>
+                        </m:r>
+                      </m:sub>
+                    </m:sSub>
+                    <m:r>
+                      <a:rPr lang="de-DE" b="0" i="1" smtClean="0">
+                        <a:latin typeface="Cambria Math" charset="0"/>
+                      </a:rPr>
+                      <m:t>= </m:t>
+                    </m:r>
+                    <m:f>
+                      <m:fPr>
+                        <m:ctrlPr>
+                          <a:rPr lang="mr-IN" b="0" i="1" smtClean="0">
+                            <a:latin typeface="Cambria Math" charset="0"/>
+                          </a:rPr>
+                        </m:ctrlPr>
+                      </m:fPr>
+                      <m:num>
+                        <m:sSub>
+                          <m:sSubPr>
+                            <m:ctrlPr>
+                              <a:rPr lang="en-US" b="0" i="1" smtClean="0">
+                                <a:latin typeface="Cambria Math" charset="0"/>
+                              </a:rPr>
+                            </m:ctrlPr>
+                          </m:sSubPr>
+                          <m:e>
+                            <m:r>
+                              <a:rPr lang="de-DE" b="0" i="1" smtClean="0">
+                                <a:latin typeface="Cambria Math" charset="0"/>
+                              </a:rPr>
+                              <m:t>𝑃</m:t>
+                            </m:r>
+                          </m:e>
+                          <m:sub>
+                            <m:r>
+                              <a:rPr lang="de-DE" b="0" i="1" smtClean="0">
+                                <a:latin typeface="Cambria Math" charset="0"/>
+                              </a:rPr>
+                              <m:t>𝑇</m:t>
+                            </m:r>
+                          </m:sub>
+                        </m:sSub>
+                      </m:num>
+                      <m:den>
+                        <m:sSub>
+                          <m:sSubPr>
+                            <m:ctrlPr>
+                              <a:rPr lang="en-US" b="0" i="1" smtClean="0">
+                                <a:latin typeface="Cambria Math" charset="0"/>
+                              </a:rPr>
+                            </m:ctrlPr>
+                          </m:sSubPr>
+                          <m:e>
+                            <m:bar>
+                              <m:barPr>
+                                <m:pos m:val="top"/>
+                                <m:ctrlPr>
+                                  <a:rPr lang="de-DE" b="0" i="1" smtClean="0">
+                                    <a:latin typeface="Cambria Math" charset="0"/>
+                                  </a:rPr>
+                                </m:ctrlPr>
+                              </m:barPr>
+                              <m:e>
+                                <m:r>
+                                  <a:rPr lang="de-DE" b="0" i="1" smtClean="0">
+                                    <a:latin typeface="Cambria Math" charset="0"/>
+                                  </a:rPr>
+                                  <m:t>𝑃</m:t>
+                                </m:r>
+                              </m:e>
+                            </m:bar>
+                          </m:e>
+                          <m:sub>
+                            <m:r>
+                              <a:rPr lang="de-DE" b="0" i="1" smtClean="0">
+                                <a:latin typeface="Cambria Math" charset="0"/>
+                              </a:rPr>
+                              <m:t>𝑇</m:t>
+                            </m:r>
+                          </m:sub>
+                        </m:sSub>
+                      </m:den>
+                    </m:f>
+                    <m:r>
+                      <a:rPr lang="de-DE" b="0" i="0" smtClean="0">
+                        <a:latin typeface="Cambria Math" charset="0"/>
+                      </a:rPr>
+                      <m:t>= </m:t>
+                    </m:r>
+                    <m:f>
+                      <m:fPr>
+                        <m:ctrlPr>
+                          <a:rPr lang="mr-IN" b="0" i="1" smtClean="0">
+                            <a:latin typeface="Cambria Math" charset="0"/>
+                          </a:rPr>
+                        </m:ctrlPr>
+                      </m:fPr>
+                      <m:num>
+                        <m:sSub>
+                          <m:sSubPr>
+                            <m:ctrlPr>
+                              <a:rPr lang="en-US" i="1">
+                                <a:latin typeface="Cambria Math" charset="0"/>
+                              </a:rPr>
+                            </m:ctrlPr>
+                          </m:sSubPr>
+                          <m:e>
+                            <m:r>
+                              <a:rPr lang="de-DE" i="1">
+                                <a:latin typeface="Cambria Math" charset="0"/>
+                              </a:rPr>
+                              <m:t>h</m:t>
+                            </m:r>
+                          </m:e>
+                          <m:sub>
+                            <m:r>
+                              <a:rPr lang="de-DE" i="1">
+                                <a:latin typeface="Cambria Math" charset="0"/>
+                              </a:rPr>
+                              <m:t>𝑡</m:t>
+                            </m:r>
+                            <m:r>
+                              <a:rPr lang="de-DE" i="1">
+                                <a:latin typeface="Cambria Math" charset="0"/>
+                              </a:rPr>
+                              <m:t>5</m:t>
+                            </m:r>
+                          </m:sub>
+                        </m:sSub>
+                        <m:r>
+                          <a:rPr lang="de-DE" i="1">
+                            <a:latin typeface="Cambria Math" charset="0"/>
+                          </a:rPr>
+                          <m:t>−</m:t>
+                        </m:r>
+                        <m:sSub>
+                          <m:sSubPr>
+                            <m:ctrlPr>
+                              <a:rPr lang="en-US" i="1">
+                                <a:latin typeface="Cambria Math" charset="0"/>
+                              </a:rPr>
+                            </m:ctrlPr>
+                          </m:sSubPr>
+                          <m:e>
+                            <m:r>
+                              <a:rPr lang="de-DE" i="1">
+                                <a:latin typeface="Cambria Math" charset="0"/>
+                              </a:rPr>
+                              <m:t>h</m:t>
+                            </m:r>
+                          </m:e>
+                          <m:sub>
+                            <m:r>
+                              <a:rPr lang="de-DE" i="1">
+                                <a:latin typeface="Cambria Math" charset="0"/>
+                              </a:rPr>
+                              <m:t>𝑡</m:t>
+                            </m:r>
+                            <m:r>
+                              <a:rPr lang="de-DE" i="1">
+                                <a:latin typeface="Cambria Math" charset="0"/>
+                              </a:rPr>
+                              <m:t>4</m:t>
+                            </m:r>
+                          </m:sub>
+                        </m:sSub>
+                      </m:num>
+                      <m:den>
+                        <m:sSub>
+                          <m:sSubPr>
+                            <m:ctrlPr>
+                              <a:rPr lang="en-US" i="1">
+                                <a:latin typeface="Cambria Math" charset="0"/>
+                              </a:rPr>
+                            </m:ctrlPr>
+                          </m:sSubPr>
+                          <m:e>
+                            <m:bar>
+                              <m:barPr>
+                                <m:pos m:val="top"/>
+                                <m:ctrlPr>
+                                  <a:rPr lang="de-DE" i="1" smtClean="0">
+                                    <a:latin typeface="Cambria Math" charset="0"/>
+                                  </a:rPr>
+                                </m:ctrlPr>
+                              </m:barPr>
+                              <m:e>
+                                <m:r>
+                                  <a:rPr lang="de-DE" b="0" i="1" smtClean="0">
+                                    <a:latin typeface="Cambria Math" charset="0"/>
+                                  </a:rPr>
+                                  <m:t>h</m:t>
+                                </m:r>
+                              </m:e>
+                            </m:bar>
+                          </m:e>
+                          <m:sub>
+                            <m:r>
+                              <a:rPr lang="de-DE" i="1">
+                                <a:latin typeface="Cambria Math" charset="0"/>
+                              </a:rPr>
+                              <m:t>𝑡</m:t>
+                            </m:r>
+                            <m:r>
+                              <a:rPr lang="de-DE" i="1">
+                                <a:latin typeface="Cambria Math" charset="0"/>
+                              </a:rPr>
+                              <m:t>5</m:t>
+                            </m:r>
+                          </m:sub>
+                        </m:sSub>
+                        <m:r>
+                          <a:rPr lang="de-DE" i="1">
+                            <a:latin typeface="Cambria Math" charset="0"/>
+                          </a:rPr>
+                          <m:t>−</m:t>
+                        </m:r>
+                        <m:sSub>
+                          <m:sSubPr>
+                            <m:ctrlPr>
+                              <a:rPr lang="en-US" i="1">
+                                <a:latin typeface="Cambria Math" charset="0"/>
+                              </a:rPr>
+                            </m:ctrlPr>
+                          </m:sSubPr>
+                          <m:e>
+                            <m:r>
+                              <a:rPr lang="de-DE" i="1">
+                                <a:latin typeface="Cambria Math" charset="0"/>
+                              </a:rPr>
+                              <m:t>h</m:t>
+                            </m:r>
+                          </m:e>
+                          <m:sub>
+                            <m:r>
+                              <a:rPr lang="de-DE" i="1">
+                                <a:latin typeface="Cambria Math" charset="0"/>
+                              </a:rPr>
+                              <m:t>𝑡</m:t>
+                            </m:r>
+                            <m:r>
+                              <a:rPr lang="de-DE" i="1">
+                                <a:latin typeface="Cambria Math" charset="0"/>
+                              </a:rPr>
+                              <m:t>4</m:t>
+                            </m:r>
+                          </m:sub>
+                        </m:sSub>
+                      </m:den>
+                    </m:f>
+                    <m:r>
+                      <a:rPr lang="de-DE" b="0" i="1" smtClean="0">
+                        <a:latin typeface="Cambria Math" charset="0"/>
+                      </a:rPr>
+                      <m:t> </m:t>
+                    </m:r>
+                    <m:r>
+                      <a:rPr lang="de-DE" b="0" i="1" smtClean="0">
+                        <a:latin typeface="Cambria Math" charset="0"/>
+                        <a:ea typeface="Cambria Math" charset="0"/>
+                        <a:cs typeface="Cambria Math" charset="0"/>
+                      </a:rPr>
+                      <m:t>≤1</m:t>
+                    </m:r>
+                  </m:oMath>
+                </a14:m>
+                <a:endParaRPr lang="de-DE" dirty="0" smtClean="0"/>
+              </a:p>
+              <a:p>
+                <a:r>
+                  <a:rPr lang="de-DE" dirty="0" smtClean="0"/>
+                  <a:t>Mit der isentropen </a:t>
+                </a:r>
+                <a:r>
+                  <a:rPr lang="de-DE" dirty="0" err="1" smtClean="0"/>
+                  <a:t>Totalenthalpiedifferenz</a:t>
+                </a:r>
+                <a:r>
+                  <a:rPr lang="de-DE" dirty="0" smtClean="0"/>
+                  <a:t>:</a:t>
+                </a:r>
+              </a:p>
+              <a:p>
+                <a14:m>
+                  <m:oMath xmlns:m="http://schemas.openxmlformats.org/officeDocument/2006/math">
+                    <m:r>
+                      <a:rPr lang="de-DE" i="1" smtClean="0">
+                        <a:latin typeface="Cambria Math" charset="0"/>
+                        <a:ea typeface="Cambria Math" charset="0"/>
+                        <a:cs typeface="Cambria Math" charset="0"/>
+                      </a:rPr>
+                      <m:t>∆</m:t>
+                    </m:r>
+                    <m:sSub>
+                      <m:sSubPr>
+                        <m:ctrlPr>
+                          <a:rPr lang="en-US" i="1" smtClean="0">
+                            <a:latin typeface="Cambria Math" charset="0"/>
+                            <a:ea typeface="Cambria Math" charset="0"/>
+                            <a:cs typeface="Cambria Math" charset="0"/>
+                          </a:rPr>
+                        </m:ctrlPr>
+                      </m:sSubPr>
+                      <m:e>
+                        <m:bar>
+                          <m:barPr>
+                            <m:pos m:val="top"/>
+                            <m:ctrlPr>
+                              <a:rPr lang="en-US" i="1" smtClean="0">
+                                <a:latin typeface="Cambria Math" charset="0"/>
+                                <a:ea typeface="Cambria Math" charset="0"/>
+                                <a:cs typeface="Cambria Math" charset="0"/>
+                              </a:rPr>
+                            </m:ctrlPr>
+                          </m:barPr>
+                          <m:e>
+                            <m:r>
+                              <a:rPr lang="de-DE" b="0" i="1" smtClean="0">
+                                <a:latin typeface="Cambria Math" charset="0"/>
+                                <a:ea typeface="Cambria Math" charset="0"/>
+                                <a:cs typeface="Cambria Math" charset="0"/>
+                              </a:rPr>
+                              <m:t>𝐻</m:t>
+                            </m:r>
+                          </m:e>
+                        </m:bar>
+                      </m:e>
+                      <m:sub>
+                        <m:r>
+                          <a:rPr lang="de-DE" b="0" i="1" smtClean="0">
+                            <a:latin typeface="Cambria Math" charset="0"/>
+                            <a:ea typeface="Cambria Math" charset="0"/>
+                            <a:cs typeface="Cambria Math" charset="0"/>
+                          </a:rPr>
+                          <m:t>𝑡</m:t>
+                        </m:r>
+                      </m:sub>
+                    </m:sSub>
+                    <m:r>
+                      <a:rPr lang="de-DE" b="0" i="1" smtClean="0">
+                        <a:latin typeface="Cambria Math" charset="0"/>
+                        <a:ea typeface="Cambria Math" charset="0"/>
+                        <a:cs typeface="Cambria Math" charset="0"/>
+                      </a:rPr>
+                      <m:t>=</m:t>
+                    </m:r>
+                    <m:sSub>
+                      <m:sSubPr>
+                        <m:ctrlPr>
+                          <a:rPr lang="en-US" i="1">
+                            <a:latin typeface="Cambria Math" charset="0"/>
+                          </a:rPr>
+                        </m:ctrlPr>
+                      </m:sSubPr>
+                      <m:e>
+                        <m:bar>
+                          <m:barPr>
+                            <m:pos m:val="top"/>
+                            <m:ctrlPr>
+                              <a:rPr lang="de-DE" i="1">
+                                <a:latin typeface="Cambria Math" charset="0"/>
+                              </a:rPr>
+                            </m:ctrlPr>
+                          </m:barPr>
+                          <m:e>
+                            <m:r>
+                              <a:rPr lang="de-DE" i="1">
+                                <a:latin typeface="Cambria Math" charset="0"/>
+                              </a:rPr>
+                              <m:t>h</m:t>
+                            </m:r>
+                          </m:e>
+                        </m:bar>
+                      </m:e>
+                      <m:sub>
+                        <m:r>
+                          <a:rPr lang="de-DE" i="1">
+                            <a:latin typeface="Cambria Math" charset="0"/>
+                          </a:rPr>
+                          <m:t>𝑡</m:t>
+                        </m:r>
+                        <m:r>
+                          <a:rPr lang="de-DE" i="1">
+                            <a:latin typeface="Cambria Math" charset="0"/>
+                          </a:rPr>
+                          <m:t>5</m:t>
+                        </m:r>
+                      </m:sub>
+                    </m:sSub>
+                    <m:r>
+                      <a:rPr lang="de-DE" i="1">
+                        <a:latin typeface="Cambria Math" charset="0"/>
+                      </a:rPr>
+                      <m:t>−</m:t>
+                    </m:r>
+                    <m:sSub>
+                      <m:sSubPr>
+                        <m:ctrlPr>
+                          <a:rPr lang="en-US" i="1">
+                            <a:latin typeface="Cambria Math" charset="0"/>
+                          </a:rPr>
+                        </m:ctrlPr>
+                      </m:sSubPr>
+                      <m:e>
+                        <m:r>
+                          <a:rPr lang="de-DE" i="1">
+                            <a:latin typeface="Cambria Math" charset="0"/>
+                          </a:rPr>
+                          <m:t>h</m:t>
+                        </m:r>
+                      </m:e>
+                      <m:sub>
+                        <m:r>
+                          <a:rPr lang="de-DE" i="1">
+                            <a:latin typeface="Cambria Math" charset="0"/>
+                          </a:rPr>
+                          <m:t>𝑡</m:t>
+                        </m:r>
+                        <m:r>
+                          <a:rPr lang="de-DE" i="1">
+                            <a:latin typeface="Cambria Math" charset="0"/>
+                          </a:rPr>
+                          <m:t>4</m:t>
+                        </m:r>
+                      </m:sub>
+                    </m:sSub>
+                    <m:r>
+                      <a:rPr lang="de-DE" b="0" i="1" smtClean="0">
+                        <a:latin typeface="Cambria Math" charset="0"/>
+                      </a:rPr>
+                      <m:t>=</m:t>
+                    </m:r>
+                    <m:acc>
+                      <m:accPr>
+                        <m:chr m:val="̇"/>
+                        <m:ctrlPr>
+                          <a:rPr lang="de-DE" i="1">
+                            <a:latin typeface="Cambria Math" charset="0"/>
+                          </a:rPr>
+                        </m:ctrlPr>
+                      </m:accPr>
+                      <m:e>
+                        <m:r>
+                          <a:rPr lang="de-DE" i="1">
+                            <a:latin typeface="Cambria Math" charset="0"/>
+                          </a:rPr>
+                          <m:t>𝑚</m:t>
+                        </m:r>
+                      </m:e>
+                    </m:acc>
+                    <m:r>
+                      <a:rPr lang="de-DE" b="0" i="1" smtClean="0">
+                        <a:latin typeface="Cambria Math" charset="0"/>
+                      </a:rPr>
+                      <m:t> </m:t>
+                    </m:r>
+                    <m:sSub>
+                      <m:sSubPr>
+                        <m:ctrlPr>
+                          <a:rPr lang="en-US" i="1">
+                            <a:latin typeface="Cambria Math" charset="0"/>
+                          </a:rPr>
+                        </m:ctrlPr>
+                      </m:sSubPr>
+                      <m:e>
+                        <m:r>
+                          <a:rPr lang="de-DE" b="0" i="1" smtClean="0">
+                            <a:latin typeface="Cambria Math" charset="0"/>
+                          </a:rPr>
+                          <m:t>𝑐</m:t>
+                        </m:r>
+                      </m:e>
+                      <m:sub>
+                        <m:r>
+                          <a:rPr lang="de-DE" b="0" i="1" smtClean="0">
+                            <a:latin typeface="Cambria Math" charset="0"/>
+                          </a:rPr>
+                          <m:t>𝑝</m:t>
+                        </m:r>
+                      </m:sub>
+                    </m:sSub>
+                    <m:sSub>
+                      <m:sSubPr>
+                        <m:ctrlPr>
+                          <a:rPr lang="en-US" i="1">
+                            <a:latin typeface="Cambria Math" charset="0"/>
+                          </a:rPr>
+                        </m:ctrlPr>
+                      </m:sSubPr>
+                      <m:e>
+                        <m:r>
+                          <a:rPr lang="de-DE" b="0" i="1" smtClean="0">
+                            <a:latin typeface="Cambria Math" charset="0"/>
+                          </a:rPr>
+                          <m:t>𝑇</m:t>
+                        </m:r>
+                      </m:e>
+                      <m:sub>
+                        <m:r>
+                          <a:rPr lang="de-DE" i="1">
+                            <a:latin typeface="Cambria Math" charset="0"/>
+                          </a:rPr>
+                          <m:t>𝑡</m:t>
+                        </m:r>
+                        <m:r>
+                          <a:rPr lang="de-DE" i="1">
+                            <a:latin typeface="Cambria Math" charset="0"/>
+                          </a:rPr>
+                          <m:t>4</m:t>
+                        </m:r>
+                      </m:sub>
+                    </m:sSub>
+                    <m:d>
+                      <m:dPr>
+                        <m:begChr m:val="["/>
+                        <m:endChr m:val="]"/>
+                        <m:ctrlPr>
+                          <a:rPr lang="mr-IN" i="1" smtClean="0">
+                            <a:latin typeface="Cambria Math" charset="0"/>
+                          </a:rPr>
+                        </m:ctrlPr>
+                      </m:dPr>
+                      <m:e>
+                        <m:sSup>
+                          <m:sSupPr>
+                            <m:ctrlPr>
+                              <a:rPr lang="mr-IN" i="1" smtClean="0">
+                                <a:latin typeface="Cambria Math" charset="0"/>
+                              </a:rPr>
+                            </m:ctrlPr>
+                          </m:sSupPr>
+                          <m:e>
+                            <m:d>
+                              <m:dPr>
+                                <m:ctrlPr>
+                                  <a:rPr lang="mr-IN" i="1">
+                                    <a:latin typeface="Cambria Math" charset="0"/>
+                                  </a:rPr>
+                                </m:ctrlPr>
+                              </m:dPr>
+                              <m:e>
+                                <m:f>
+                                  <m:fPr>
+                                    <m:ctrlPr>
+                                      <a:rPr lang="mr-IN" i="1">
+                                        <a:latin typeface="Cambria Math" charset="0"/>
+                                      </a:rPr>
+                                    </m:ctrlPr>
+                                  </m:fPr>
+                                  <m:num>
+                                    <m:sSub>
+                                      <m:sSubPr>
+                                        <m:ctrlPr>
+                                          <a:rPr lang="en-US" i="1">
+                                            <a:latin typeface="Cambria Math" charset="0"/>
+                                          </a:rPr>
+                                        </m:ctrlPr>
+                                      </m:sSubPr>
+                                      <m:e>
+                                        <m:r>
+                                          <a:rPr lang="de-DE" i="1">
+                                            <a:latin typeface="Cambria Math" charset="0"/>
+                                          </a:rPr>
+                                          <m:t>𝑝</m:t>
+                                        </m:r>
+                                      </m:e>
+                                      <m:sub>
+                                        <m:r>
+                                          <a:rPr lang="de-DE" i="1">
+                                            <a:latin typeface="Cambria Math" charset="0"/>
+                                          </a:rPr>
+                                          <m:t>𝑡</m:t>
+                                        </m:r>
+                                        <m:r>
+                                          <a:rPr lang="de-DE" i="1">
+                                            <a:latin typeface="Cambria Math" charset="0"/>
+                                          </a:rPr>
+                                          <m:t>5</m:t>
+                                        </m:r>
+                                      </m:sub>
+                                    </m:sSub>
+                                  </m:num>
+                                  <m:den>
+                                    <m:sSub>
+                                      <m:sSubPr>
+                                        <m:ctrlPr>
+                                          <a:rPr lang="en-US" i="1">
+                                            <a:latin typeface="Cambria Math" charset="0"/>
+                                          </a:rPr>
+                                        </m:ctrlPr>
+                                      </m:sSubPr>
+                                      <m:e>
+                                        <m:r>
+                                          <a:rPr lang="de-DE" i="1">
+                                            <a:latin typeface="Cambria Math" charset="0"/>
+                                          </a:rPr>
+                                          <m:t>𝑝</m:t>
+                                        </m:r>
+                                      </m:e>
+                                      <m:sub>
+                                        <m:r>
+                                          <a:rPr lang="de-DE" i="1">
+                                            <a:latin typeface="Cambria Math" charset="0"/>
+                                          </a:rPr>
+                                          <m:t>𝑡</m:t>
+                                        </m:r>
+                                        <m:r>
+                                          <a:rPr lang="de-DE" i="1">
+                                            <a:latin typeface="Cambria Math" charset="0"/>
+                                          </a:rPr>
+                                          <m:t>4</m:t>
+                                        </m:r>
+                                      </m:sub>
+                                    </m:sSub>
+                                  </m:den>
+                                </m:f>
+                              </m:e>
+                            </m:d>
+                          </m:e>
+                          <m:sup>
+                            <m:f>
+                              <m:fPr>
+                                <m:ctrlPr>
+                                  <a:rPr lang="mr-IN" i="1" smtClean="0">
+                                    <a:latin typeface="Cambria Math" charset="0"/>
+                                  </a:rPr>
+                                </m:ctrlPr>
+                              </m:fPr>
+                              <m:num>
+                                <m:r>
+                                  <a:rPr lang="mr-IN" i="1" smtClean="0">
+                                    <a:latin typeface="Cambria Math" charset="0"/>
+                                    <a:ea typeface="Cambria Math" charset="0"/>
+                                    <a:cs typeface="Cambria Math" charset="0"/>
+                                  </a:rPr>
+                                  <m:t>𝛾</m:t>
+                                </m:r>
+                                <m:r>
+                                  <a:rPr lang="de-DE" b="0" i="1" smtClean="0">
+                                    <a:latin typeface="Cambria Math" charset="0"/>
+                                    <a:ea typeface="Cambria Math" charset="0"/>
+                                    <a:cs typeface="Cambria Math" charset="0"/>
+                                  </a:rPr>
+                                  <m:t>−1</m:t>
+                                </m:r>
+                              </m:num>
+                              <m:den>
+                                <m:r>
+                                  <a:rPr lang="mr-IN" i="1" smtClean="0">
+                                    <a:latin typeface="Cambria Math" charset="0"/>
+                                    <a:ea typeface="Cambria Math" charset="0"/>
+                                    <a:cs typeface="Cambria Math" charset="0"/>
+                                  </a:rPr>
+                                  <m:t>𝛾</m:t>
+                                </m:r>
+                              </m:den>
+                            </m:f>
+                          </m:sup>
+                        </m:sSup>
+                        <m:r>
+                          <a:rPr lang="de-DE" b="0" i="1" smtClean="0">
+                            <a:latin typeface="Cambria Math" charset="0"/>
+                          </a:rPr>
+                          <m:t>−1</m:t>
+                        </m:r>
+                      </m:e>
+                    </m:d>
+                  </m:oMath>
+                </a14:m>
+                <a:endParaRPr lang="de-DE" dirty="0" smtClean="0"/>
+              </a:p>
+              <a:p>
+                <a14:m>
+                  <m:oMath xmlns:m="http://schemas.openxmlformats.org/officeDocument/2006/math">
+                    <m:sSub>
+                      <m:sSubPr>
+                        <m:ctrlPr>
+                          <a:rPr lang="en-US" i="1">
+                            <a:latin typeface="Cambria Math" charset="0"/>
+                          </a:rPr>
+                        </m:ctrlPr>
+                      </m:sSubPr>
+                      <m:e>
+                        <m:bar>
+                          <m:barPr>
+                            <m:pos m:val="top"/>
+                            <m:ctrlPr>
+                              <a:rPr lang="en-US" i="1">
+                                <a:latin typeface="Cambria Math" charset="0"/>
+                                <a:ea typeface="Cambria Math" charset="0"/>
+                                <a:cs typeface="Cambria Math" charset="0"/>
+                              </a:rPr>
+                            </m:ctrlPr>
+                          </m:barPr>
+                          <m:e>
+                            <m:r>
+                              <a:rPr lang="en-US" i="1">
+                                <a:latin typeface="Cambria Math" charset="0"/>
+                                <a:ea typeface="Cambria Math" charset="0"/>
+                                <a:cs typeface="Cambria Math" charset="0"/>
+                              </a:rPr>
+                              <m:t>𝜂</m:t>
+                            </m:r>
+                          </m:e>
+                        </m:bar>
+                      </m:e>
+                      <m:sub>
+                        <m:r>
+                          <a:rPr lang="de-DE" i="1">
+                            <a:latin typeface="Cambria Math" charset="0"/>
+                          </a:rPr>
+                          <m:t>𝑡𝑇</m:t>
+                        </m:r>
+                      </m:sub>
+                    </m:sSub>
+                    <m:r>
+                      <a:rPr lang="de-DE" b="0" i="1" smtClean="0">
+                        <a:latin typeface="Cambria Math" charset="0"/>
+                      </a:rPr>
+                      <m:t>= </m:t>
+                    </m:r>
+                    <m:f>
+                      <m:fPr>
+                        <m:ctrlPr>
+                          <a:rPr lang="mr-IN" b="0" i="1" smtClean="0">
+                            <a:latin typeface="Cambria Math" charset="0"/>
+                          </a:rPr>
+                        </m:ctrlPr>
+                      </m:fPr>
+                      <m:num>
+                        <m:sSub>
+                          <m:sSubPr>
+                            <m:ctrlPr>
+                              <a:rPr lang="en-US" i="1">
+                                <a:latin typeface="Cambria Math" charset="0"/>
+                              </a:rPr>
+                            </m:ctrlPr>
+                          </m:sSubPr>
+                          <m:e>
+                            <m:r>
+                              <a:rPr lang="de-DE" i="1">
+                                <a:latin typeface="Cambria Math" charset="0"/>
+                              </a:rPr>
+                              <m:t>𝑃</m:t>
+                            </m:r>
+                          </m:e>
+                          <m:sub>
+                            <m:r>
+                              <a:rPr lang="de-DE" i="1">
+                                <a:latin typeface="Cambria Math" charset="0"/>
+                              </a:rPr>
+                              <m:t>𝑇</m:t>
+                            </m:r>
+                          </m:sub>
+                        </m:sSub>
+                      </m:num>
+                      <m:den>
+                        <m:r>
+                          <a:rPr lang="de-DE" i="1">
+                            <a:latin typeface="Cambria Math" charset="0"/>
+                            <a:ea typeface="Cambria Math" charset="0"/>
+                            <a:cs typeface="Cambria Math" charset="0"/>
+                          </a:rPr>
+                          <m:t>∆</m:t>
+                        </m:r>
+                        <m:sSub>
+                          <m:sSubPr>
+                            <m:ctrlPr>
+                              <a:rPr lang="en-US" i="1">
+                                <a:latin typeface="Cambria Math" charset="0"/>
+                                <a:ea typeface="Cambria Math" charset="0"/>
+                                <a:cs typeface="Cambria Math" charset="0"/>
+                              </a:rPr>
+                            </m:ctrlPr>
+                          </m:sSubPr>
+                          <m:e>
+                            <m:bar>
+                              <m:barPr>
+                                <m:pos m:val="top"/>
+                                <m:ctrlPr>
+                                  <a:rPr lang="en-US" i="1">
+                                    <a:latin typeface="Cambria Math" charset="0"/>
+                                    <a:ea typeface="Cambria Math" charset="0"/>
+                                    <a:cs typeface="Cambria Math" charset="0"/>
+                                  </a:rPr>
+                                </m:ctrlPr>
+                              </m:barPr>
+                              <m:e>
+                                <m:r>
+                                  <a:rPr lang="de-DE" i="1">
+                                    <a:latin typeface="Cambria Math" charset="0"/>
+                                    <a:ea typeface="Cambria Math" charset="0"/>
+                                    <a:cs typeface="Cambria Math" charset="0"/>
+                                  </a:rPr>
+                                  <m:t>𝐻</m:t>
+                                </m:r>
+                              </m:e>
+                            </m:bar>
+                          </m:e>
+                          <m:sub>
+                            <m:r>
+                              <a:rPr lang="de-DE" i="1">
+                                <a:latin typeface="Cambria Math" charset="0"/>
+                                <a:ea typeface="Cambria Math" charset="0"/>
+                                <a:cs typeface="Cambria Math" charset="0"/>
+                              </a:rPr>
+                              <m:t>𝑡</m:t>
+                            </m:r>
+                          </m:sub>
+                        </m:sSub>
+                      </m:den>
+                    </m:f>
+                  </m:oMath>
+                </a14:m>
+                <a:endParaRPr lang="de-DE" dirty="0" smtClean="0"/>
+              </a:p>
+            </p:txBody>
+          </p:sp>
+        </mc:Choice>
+        <mc:Fallback>
+          <p:sp>
+            <p:nvSpPr>
+              <p:cNvPr id="3" name="Inhaltsplatzhalter 2">
+                <a:extLst>
+                  <a:ext uri="{FF2B5EF4-FFF2-40B4-BE49-F238E27FC236}">
+                    <a16:creationId xmlns="" xmlns:a16="http://schemas.microsoft.com/office/drawing/2014/main" xmlns:a14="http://schemas.microsoft.com/office/drawing/2010/main" id="{0E9598F0-1E7C-41F5-AC85-FE84123CF1DA}"/>
+                  </a:ext>
+                </a:extLst>
+              </p:cNvPr>
+              <p:cNvSpPr>
+                <a:spLocks noGrp="1" noRot="1" noChangeAspect="1" noMove="1" noResize="1" noEditPoints="1" noAdjustHandles="1" noChangeArrowheads="1" noChangeShapeType="1" noTextEdit="1"/>
+              </p:cNvSpPr>
+              <p:nvPr>
+                <p:ph idx="1"/>
+              </p:nvPr>
+            </p:nvSpPr>
+            <p:spPr>
+              <a:xfrm>
+                <a:off x="360000" y="1620000"/>
+                <a:ext cx="7092320" cy="4627880"/>
+              </a:xfrm>
+              <a:blipFill rotWithShape="0">
+                <a:blip r:embed="rId3"/>
+                <a:stretch>
+                  <a:fillRect l="-2064"/>
+                </a:stretch>
+              </a:blipFill>
+            </p:spPr>
+            <p:txBody>
+              <a:bodyPr/>
+              <a:lstStyle/>
+              <a:p>
+                <a:r>
+                  <a:rPr lang="de-DE">
+                    <a:noFill/>
+                  </a:rPr>
+                  <a:t> </a:t>
+                </a:r>
+              </a:p>
+            </p:txBody>
+          </p:sp>
+        </mc:Fallback>
+      </mc:AlternateContent>
+      <p:pic>
+        <p:nvPicPr>
+          <p:cNvPr id="4" name="Bild 3"/>
+          <p:cNvPicPr>
+            <a:picLocks noChangeAspect="1"/>
+          </p:cNvPicPr>
+          <p:nvPr/>
+        </p:nvPicPr>
+        <p:blipFill>
+          <a:blip r:embed="rId4">
             <a:extLst>
-              <a:ext uri="{FF2B5EF4-FFF2-40B4-BE49-F238E27FC236}">
-                <a16:creationId xmlns:a16="http://schemas.microsoft.com/office/drawing/2014/main" id="{0E9598F0-1E7C-41F5-AC85-FE84123CF1DA}"/>
+              <a:ext uri="{28A0092B-C50C-407E-A947-70E740481C1C}">
+                <a14:useLocalDpi xmlns:a14="http://schemas.microsoft.com/office/drawing/2010/main" val="0"/>
               </a:ext>
             </a:extLst>
-          </p:cNvPr>
-          <p:cNvSpPr>
-            <a:spLocks noGrp="1"/>
-          </p:cNvSpPr>
-          <p:nvPr>
-            <p:ph idx="1"/>
-          </p:nvPr>
-        </p:nvSpPr>
-        <p:spPr/>
-        <p:txBody>
-          <a:bodyPr/>
-          <a:lstStyle/>
-          <a:p>
-            <a:r>
-              <a:rPr lang="de-DE" dirty="0"/>
-              <a:t> </a:t>
-            </a:r>
-            <a:r>
-              <a:rPr lang="de-DE" dirty="0" err="1"/>
-              <a:t>todo</a:t>
-            </a:r>
-            <a:r>
-              <a:rPr lang="de-DE" dirty="0"/>
-              <a:t> h-s </a:t>
-            </a:r>
-            <a:r>
-              <a:rPr lang="de-DE" dirty="0" err="1"/>
-              <a:t>diagramm</a:t>
-            </a:r>
-            <a:r>
-              <a:rPr lang="de-DE" dirty="0"/>
-              <a:t>, </a:t>
-            </a:r>
-            <a:r>
-              <a:rPr lang="de-DE" dirty="0" err="1"/>
-              <a:t>turbine</a:t>
-            </a:r>
-            <a:endParaRPr lang="de-DE" dirty="0"/>
-          </a:p>
-        </p:txBody>
-      </p:sp>
+          </a:blip>
+          <a:stretch>
+            <a:fillRect/>
+          </a:stretch>
+        </p:blipFill>
+        <p:spPr>
+          <a:xfrm>
+            <a:off x="5436096" y="3138721"/>
+            <a:ext cx="3388348" cy="3109159"/>
+          </a:xfrm>
+          <a:prstGeom prst="rect">
+            <a:avLst/>
+          </a:prstGeom>
+        </p:spPr>
+      </p:pic>
     </p:spTree>
     <p:extLst>
       <p:ext uri="{BB962C8B-B14F-4D97-AF65-F5344CB8AC3E}">
@@ -8590,6 +9815,13 @@
   <p:clrMapOvr>
     <a:masterClrMapping/>
   </p:clrMapOvr>
+  <p:timing>
+    <p:tnLst>
+      <p:par>
+        <p:cTn id="1" dur="indefinite" restart="never" nodeType="tmRoot"/>
+      </p:par>
+    </p:tnLst>
+  </p:timing>
 </p:sld>
 </file>
 
@@ -8615,7 +9847,7 @@
           <p:cNvPr id="2" name="Titel 1">
             <a:extLst>
               <a:ext uri="{FF2B5EF4-FFF2-40B4-BE49-F238E27FC236}">
-                <a16:creationId xmlns:a16="http://schemas.microsoft.com/office/drawing/2014/main" id="{2466B14E-2CAE-450A-835B-07642C6772FC}"/>
+                <a16:creationId xmlns="" xmlns:a16="http://schemas.microsoft.com/office/drawing/2014/main" id="{2466B14E-2CAE-450A-835B-07642C6772FC}"/>
               </a:ext>
             </a:extLst>
           </p:cNvPr>
@@ -8643,7 +9875,7 @@
           <p:cNvPr id="3" name="Inhaltsplatzhalter 2">
             <a:extLst>
               <a:ext uri="{FF2B5EF4-FFF2-40B4-BE49-F238E27FC236}">
-                <a16:creationId xmlns:a16="http://schemas.microsoft.com/office/drawing/2014/main" id="{CCE11E07-3335-434C-8B03-5B1BAEAEC7C5}"/>
+                <a16:creationId xmlns="" xmlns:a16="http://schemas.microsoft.com/office/drawing/2014/main" id="{CCE11E07-3335-434C-8B03-5B1BAEAEC7C5}"/>
               </a:ext>
             </a:extLst>
           </p:cNvPr>
@@ -8685,6 +9917,13 @@
   <p:clrMapOvr>
     <a:masterClrMapping/>
   </p:clrMapOvr>
+  <p:timing>
+    <p:tnLst>
+      <p:par>
+        <p:cTn id="1" dur="indefinite" restart="never" nodeType="tmRoot"/>
+      </p:par>
+    </p:tnLst>
+  </p:timing>
 </p:sld>
 </file>
 
@@ -8710,7 +9949,7 @@
           <p:cNvPr id="2" name="Titel 1">
             <a:extLst>
               <a:ext uri="{FF2B5EF4-FFF2-40B4-BE49-F238E27FC236}">
-                <a16:creationId xmlns:a16="http://schemas.microsoft.com/office/drawing/2014/main" id="{B0EB02CB-0053-457A-BB5F-5D64278141CC}"/>
+                <a16:creationId xmlns="" xmlns:a16="http://schemas.microsoft.com/office/drawing/2014/main" id="{B0EB02CB-0053-457A-BB5F-5D64278141CC}"/>
               </a:ext>
             </a:extLst>
           </p:cNvPr>
@@ -8738,7 +9977,7 @@
           <p:cNvPr id="3" name="Inhaltsplatzhalter 2">
             <a:extLst>
               <a:ext uri="{FF2B5EF4-FFF2-40B4-BE49-F238E27FC236}">
-                <a16:creationId xmlns:a16="http://schemas.microsoft.com/office/drawing/2014/main" id="{756355A6-13F9-40C1-8AD3-1534717E7B09}"/>
+                <a16:creationId xmlns="" xmlns:a16="http://schemas.microsoft.com/office/drawing/2014/main" id="{756355A6-13F9-40C1-8AD3-1534717E7B09}"/>
               </a:ext>
             </a:extLst>
           </p:cNvPr>
@@ -8800,7 +10039,7 @@
           <p:cNvPr id="2" name="Titel 1">
             <a:extLst>
               <a:ext uri="{FF2B5EF4-FFF2-40B4-BE49-F238E27FC236}">
-                <a16:creationId xmlns:a16="http://schemas.microsoft.com/office/drawing/2014/main" id="{8DE61EE4-0A2E-4DFD-BE73-F3D4D2210025}"/>
+                <a16:creationId xmlns="" xmlns:a16="http://schemas.microsoft.com/office/drawing/2014/main" id="{8DE61EE4-0A2E-4DFD-BE73-F3D4D2210025}"/>
               </a:ext>
             </a:extLst>
           </p:cNvPr>
@@ -8828,7 +10067,7 @@
           <p:cNvPr id="3" name="Inhaltsplatzhalter 2">
             <a:extLst>
               <a:ext uri="{FF2B5EF4-FFF2-40B4-BE49-F238E27FC236}">
-                <a16:creationId xmlns:a16="http://schemas.microsoft.com/office/drawing/2014/main" id="{D3AA39F9-9931-48BD-9CE6-A9A42797156C}"/>
+                <a16:creationId xmlns="" xmlns:a16="http://schemas.microsoft.com/office/drawing/2014/main" id="{D3AA39F9-9931-48BD-9CE6-A9A42797156C}"/>
               </a:ext>
             </a:extLst>
           </p:cNvPr>
@@ -8883,7 +10122,7 @@
           <p:cNvPr id="2" name="Titel 1">
             <a:extLst>
               <a:ext uri="{FF2B5EF4-FFF2-40B4-BE49-F238E27FC236}">
-                <a16:creationId xmlns:a16="http://schemas.microsoft.com/office/drawing/2014/main" id="{5468A21C-5F1B-49A9-9615-E49303F1DFD8}"/>
+                <a16:creationId xmlns="" xmlns:a16="http://schemas.microsoft.com/office/drawing/2014/main" id="{5468A21C-5F1B-49A9-9615-E49303F1DFD8}"/>
               </a:ext>
             </a:extLst>
           </p:cNvPr>
@@ -8911,7 +10150,7 @@
           <p:cNvPr id="3" name="Inhaltsplatzhalter 2">
             <a:extLst>
               <a:ext uri="{FF2B5EF4-FFF2-40B4-BE49-F238E27FC236}">
-                <a16:creationId xmlns:a16="http://schemas.microsoft.com/office/drawing/2014/main" id="{71D6F8BC-B1F4-4464-B16C-BE0C1ED3F521}"/>
+                <a16:creationId xmlns="" xmlns:a16="http://schemas.microsoft.com/office/drawing/2014/main" id="{71D6F8BC-B1F4-4464-B16C-BE0C1ED3F521}"/>
               </a:ext>
             </a:extLst>
           </p:cNvPr>
@@ -8991,7 +10230,7 @@
           <p:cNvPr id="2" name="Titel 1">
             <a:extLst>
               <a:ext uri="{FF2B5EF4-FFF2-40B4-BE49-F238E27FC236}">
-                <a16:creationId xmlns:a16="http://schemas.microsoft.com/office/drawing/2014/main" id="{094F379C-23F4-4D35-86D6-1D1C29CAB88B}"/>
+                <a16:creationId xmlns="" xmlns:a16="http://schemas.microsoft.com/office/drawing/2014/main" id="{094F379C-23F4-4D35-86D6-1D1C29CAB88B}"/>
               </a:ext>
             </a:extLst>
           </p:cNvPr>
@@ -9019,7 +10258,7 @@
           <p:cNvPr id="3" name="Inhaltsplatzhalter 2">
             <a:extLst>
               <a:ext uri="{FF2B5EF4-FFF2-40B4-BE49-F238E27FC236}">
-                <a16:creationId xmlns:a16="http://schemas.microsoft.com/office/drawing/2014/main" id="{1C3E671A-136E-4360-89A9-AD9DB1ED1606}"/>
+                <a16:creationId xmlns="" xmlns:a16="http://schemas.microsoft.com/office/drawing/2014/main" id="{1C3E671A-136E-4360-89A9-AD9DB1ED1606}"/>
               </a:ext>
             </a:extLst>
           </p:cNvPr>
@@ -9105,7 +10344,7 @@
           <p:cNvPr id="2" name="Titel 1">
             <a:extLst>
               <a:ext uri="{FF2B5EF4-FFF2-40B4-BE49-F238E27FC236}">
-                <a16:creationId xmlns:a16="http://schemas.microsoft.com/office/drawing/2014/main" id="{E94AB448-E08C-4FC1-AAC0-98431019A5B8}"/>
+                <a16:creationId xmlns="" xmlns:a16="http://schemas.microsoft.com/office/drawing/2014/main" id="{E94AB448-E08C-4FC1-AAC0-98431019A5B8}"/>
               </a:ext>
             </a:extLst>
           </p:cNvPr>
@@ -9138,7 +10377,7 @@
           <p:cNvPr id="3" name="Inhaltsplatzhalter 2">
             <a:extLst>
               <a:ext uri="{FF2B5EF4-FFF2-40B4-BE49-F238E27FC236}">
-                <a16:creationId xmlns:a16="http://schemas.microsoft.com/office/drawing/2014/main" id="{EE905004-B708-4F44-A14B-50934B89FAB0}"/>
+                <a16:creationId xmlns="" xmlns:a16="http://schemas.microsoft.com/office/drawing/2014/main" id="{EE905004-B708-4F44-A14B-50934B89FAB0}"/>
               </a:ext>
             </a:extLst>
           </p:cNvPr>

--- a/Präsentation/Abschluss_Präsentation_Markus.pptx
+++ b/Präsentation/Abschluss_Präsentation_Markus.pptx
@@ -5,10 +5,10 @@
     <p:sldMasterId id="2147483648" r:id="rId2"/>
   </p:sldMasterIdLst>
   <p:notesMasterIdLst>
-    <p:notesMasterId r:id="rId21"/>
+    <p:notesMasterId r:id="rId24"/>
   </p:notesMasterIdLst>
   <p:handoutMasterIdLst>
-    <p:handoutMasterId r:id="rId22"/>
+    <p:handoutMasterId r:id="rId25"/>
   </p:handoutMasterIdLst>
   <p:sldIdLst>
     <p:sldId id="281" r:id="rId3"/>
@@ -19,16 +19,19 @@
     <p:sldId id="270" r:id="rId8"/>
     <p:sldId id="271" r:id="rId9"/>
     <p:sldId id="272" r:id="rId10"/>
-    <p:sldId id="273" r:id="rId11"/>
-    <p:sldId id="274" r:id="rId12"/>
-    <p:sldId id="275" r:id="rId13"/>
-    <p:sldId id="276" r:id="rId14"/>
-    <p:sldId id="277" r:id="rId15"/>
-    <p:sldId id="278" r:id="rId16"/>
-    <p:sldId id="279" r:id="rId17"/>
-    <p:sldId id="280" r:id="rId18"/>
-    <p:sldId id="257" r:id="rId19"/>
-    <p:sldId id="265" r:id="rId20"/>
+    <p:sldId id="283" r:id="rId11"/>
+    <p:sldId id="284" r:id="rId12"/>
+    <p:sldId id="285" r:id="rId13"/>
+    <p:sldId id="273" r:id="rId14"/>
+    <p:sldId id="274" r:id="rId15"/>
+    <p:sldId id="275" r:id="rId16"/>
+    <p:sldId id="276" r:id="rId17"/>
+    <p:sldId id="277" r:id="rId18"/>
+    <p:sldId id="278" r:id="rId19"/>
+    <p:sldId id="279" r:id="rId20"/>
+    <p:sldId id="280" r:id="rId21"/>
+    <p:sldId id="257" r:id="rId22"/>
+    <p:sldId id="265" r:id="rId23"/>
   </p:sldIdLst>
   <p:sldSz cx="9144000" cy="6858000" type="screen4x3"/>
   <p:notesSz cx="6858000" cy="9144000"/>
@@ -1440,10 +1443,9 @@
           <a:lstStyle/>
           <a:p>
             <a:r>
-              <a:rPr lang="de-DE" dirty="0" err="1"/>
-              <a:t>Keijo</a:t>
-            </a:r>
-            <a:endParaRPr lang="de-DE" dirty="0"/>
+              <a:rPr lang="de-DE" dirty="0"/>
+              <a:t>Markus</a:t>
+            </a:r>
           </a:p>
         </p:txBody>
       </p:sp>
@@ -1524,7 +1526,7 @@
     </p:spTree>
     <p:extLst>
       <p:ext uri="{BB962C8B-B14F-4D97-AF65-F5344CB8AC3E}">
-        <p14:creationId xmlns:p14="http://schemas.microsoft.com/office/powerpoint/2010/main" val="3231120104"/>
+        <p14:creationId xmlns:p14="http://schemas.microsoft.com/office/powerpoint/2010/main" val="577168589"/>
       </p:ext>
     </p:extLst>
   </p:cSld>
@@ -1584,10 +1586,9 @@
           <a:lstStyle/>
           <a:p>
             <a:r>
-              <a:rPr lang="de-DE" dirty="0" err="1"/>
-              <a:t>Keijo</a:t>
-            </a:r>
-            <a:endParaRPr lang="de-DE" dirty="0"/>
+              <a:rPr lang="de-DE" dirty="0"/>
+              <a:t>Markus</a:t>
+            </a:r>
           </a:p>
         </p:txBody>
       </p:sp>
@@ -1668,7 +1669,7 @@
     </p:spTree>
     <p:extLst>
       <p:ext uri="{BB962C8B-B14F-4D97-AF65-F5344CB8AC3E}">
-        <p14:creationId xmlns:p14="http://schemas.microsoft.com/office/powerpoint/2010/main" val="253144170"/>
+        <p14:creationId xmlns:p14="http://schemas.microsoft.com/office/powerpoint/2010/main" val="1631823507"/>
       </p:ext>
     </p:extLst>
   </p:cSld>
@@ -1727,10 +1728,6 @@
           <a:bodyPr/>
           <a:lstStyle/>
           <a:p>
-            <a:r>
-              <a:rPr lang="de-DE" dirty="0" err="1"/>
-              <a:t>Keijo</a:t>
-            </a:r>
             <a:endParaRPr lang="de-DE" dirty="0"/>
           </a:p>
         </p:txBody>
@@ -1812,7 +1809,7 @@
     </p:spTree>
     <p:extLst>
       <p:ext uri="{BB962C8B-B14F-4D97-AF65-F5344CB8AC3E}">
-        <p14:creationId xmlns:p14="http://schemas.microsoft.com/office/powerpoint/2010/main" val="4182406061"/>
+        <p14:creationId xmlns:p14="http://schemas.microsoft.com/office/powerpoint/2010/main" val="228396535"/>
       </p:ext>
     </p:extLst>
   </p:cSld>
@@ -1872,9 +1869,10 @@
           <a:lstStyle/>
           <a:p>
             <a:r>
-              <a:rPr lang="de-DE" dirty="0"/>
-              <a:t>Simon</a:t>
-            </a:r>
+              <a:rPr lang="de-DE" dirty="0" err="1"/>
+              <a:t>Keijo</a:t>
+            </a:r>
+            <a:endParaRPr lang="de-DE" dirty="0"/>
           </a:p>
         </p:txBody>
       </p:sp>
@@ -1955,7 +1953,7 @@
     </p:spTree>
     <p:extLst>
       <p:ext uri="{BB962C8B-B14F-4D97-AF65-F5344CB8AC3E}">
-        <p14:creationId xmlns:p14="http://schemas.microsoft.com/office/powerpoint/2010/main" val="4015711157"/>
+        <p14:creationId xmlns:p14="http://schemas.microsoft.com/office/powerpoint/2010/main" val="3231120104"/>
       </p:ext>
     </p:extLst>
   </p:cSld>
@@ -2015,9 +2013,10 @@
           <a:lstStyle/>
           <a:p>
             <a:r>
-              <a:rPr lang="de-DE" dirty="0"/>
-              <a:t>Simon</a:t>
-            </a:r>
+              <a:rPr lang="de-DE" dirty="0" err="1"/>
+              <a:t>Keijo</a:t>
+            </a:r>
+            <a:endParaRPr lang="de-DE" dirty="0"/>
           </a:p>
         </p:txBody>
       </p:sp>
@@ -2098,7 +2097,7 @@
     </p:spTree>
     <p:extLst>
       <p:ext uri="{BB962C8B-B14F-4D97-AF65-F5344CB8AC3E}">
-        <p14:creationId xmlns:p14="http://schemas.microsoft.com/office/powerpoint/2010/main" val="3325593232"/>
+        <p14:creationId xmlns:p14="http://schemas.microsoft.com/office/powerpoint/2010/main" val="253144170"/>
       </p:ext>
     </p:extLst>
   </p:cSld>
@@ -2158,9 +2157,10 @@
           <a:lstStyle/>
           <a:p>
             <a:r>
-              <a:rPr lang="de-DE" dirty="0"/>
-              <a:t>Simon</a:t>
-            </a:r>
+              <a:rPr lang="de-DE" dirty="0" err="1"/>
+              <a:t>Keijo</a:t>
+            </a:r>
+            <a:endParaRPr lang="de-DE" dirty="0"/>
           </a:p>
         </p:txBody>
       </p:sp>
@@ -2241,7 +2241,7 @@
     </p:spTree>
     <p:extLst>
       <p:ext uri="{BB962C8B-B14F-4D97-AF65-F5344CB8AC3E}">
-        <p14:creationId xmlns:p14="http://schemas.microsoft.com/office/powerpoint/2010/main" val="1055495334"/>
+        <p14:creationId xmlns:p14="http://schemas.microsoft.com/office/powerpoint/2010/main" val="4182406061"/>
       </p:ext>
     </p:extLst>
   </p:cSld>
@@ -2302,13 +2302,7 @@
           <a:p>
             <a:r>
               <a:rPr lang="de-DE" dirty="0"/>
-              <a:t>Design: Simon</a:t>
-            </a:r>
-          </a:p>
-          <a:p>
-            <a:r>
-              <a:rPr lang="de-DE" dirty="0"/>
-              <a:t>Vortrag: Simon</a:t>
+              <a:t>Simon</a:t>
             </a:r>
           </a:p>
         </p:txBody>
@@ -2382,6 +2376,441 @@
               <a:rPr lang="de-DE" smtClean="0"/>
               <a:pPr/>
               <a:t>16</a:t>
+            </a:fld>
+            <a:endParaRPr lang="de-DE"/>
+          </a:p>
+        </p:txBody>
+      </p:sp>
+    </p:spTree>
+    <p:extLst>
+      <p:ext uri="{BB962C8B-B14F-4D97-AF65-F5344CB8AC3E}">
+        <p14:creationId xmlns:p14="http://schemas.microsoft.com/office/powerpoint/2010/main" val="4015711157"/>
+      </p:ext>
+    </p:extLst>
+  </p:cSld>
+  <p:clrMapOvr>
+    <a:masterClrMapping/>
+  </p:clrMapOvr>
+</p:notes>
+</file>
+
+<file path=ppt/notesSlides/notesSlide17.xml><?xml version="1.0" encoding="utf-8"?>
+<p:notes xmlns:a="http://schemas.openxmlformats.org/drawingml/2006/main" xmlns:r="http://schemas.openxmlformats.org/officeDocument/2006/relationships" xmlns:p="http://schemas.openxmlformats.org/presentationml/2006/main">
+  <p:cSld>
+    <p:spTree>
+      <p:nvGrpSpPr>
+        <p:cNvPr id="1" name=""/>
+        <p:cNvGrpSpPr/>
+        <p:nvPr/>
+      </p:nvGrpSpPr>
+      <p:grpSpPr>
+        <a:xfrm>
+          <a:off x="0" y="0"/>
+          <a:ext cx="0" cy="0"/>
+          <a:chOff x="0" y="0"/>
+          <a:chExt cx="0" cy="0"/>
+        </a:xfrm>
+      </p:grpSpPr>
+      <p:sp>
+        <p:nvSpPr>
+          <p:cNvPr id="2" name="Folienbildplatzhalter 1"/>
+          <p:cNvSpPr>
+            <a:spLocks noGrp="1" noRot="1" noChangeAspect="1"/>
+          </p:cNvSpPr>
+          <p:nvPr>
+            <p:ph type="sldImg"/>
+          </p:nvPr>
+        </p:nvSpPr>
+        <p:spPr>
+          <a:xfrm>
+            <a:off x="1371600" y="923925"/>
+            <a:ext cx="4095750" cy="3071813"/>
+          </a:xfrm>
+        </p:spPr>
+      </p:sp>
+      <p:sp>
+        <p:nvSpPr>
+          <p:cNvPr id="3" name="Notizenplatzhalter 2"/>
+          <p:cNvSpPr>
+            <a:spLocks noGrp="1"/>
+          </p:cNvSpPr>
+          <p:nvPr>
+            <p:ph type="body" idx="1"/>
+          </p:nvPr>
+        </p:nvSpPr>
+        <p:spPr/>
+        <p:txBody>
+          <a:bodyPr/>
+          <a:lstStyle/>
+          <a:p>
+            <a:r>
+              <a:rPr lang="de-DE" dirty="0"/>
+              <a:t>Simon</a:t>
+            </a:r>
+          </a:p>
+        </p:txBody>
+      </p:sp>
+      <p:sp>
+        <p:nvSpPr>
+          <p:cNvPr id="4" name="Datumsplatzhalter 3"/>
+          <p:cNvSpPr>
+            <a:spLocks noGrp="1"/>
+          </p:cNvSpPr>
+          <p:nvPr>
+            <p:ph type="dt" idx="10"/>
+          </p:nvPr>
+        </p:nvSpPr>
+        <p:spPr/>
+        <p:txBody>
+          <a:bodyPr/>
+          <a:lstStyle/>
+          <a:p>
+            <a:fld id="{065B079B-E513-489A-8A1B-D7C78493EA86}" type="datetime4">
+              <a:rPr lang="de-DE" smtClean="0"/>
+              <a:pPr/>
+              <a:t>6. Juli 2017</a:t>
+            </a:fld>
+            <a:endParaRPr lang="de-DE"/>
+          </a:p>
+        </p:txBody>
+      </p:sp>
+      <p:sp>
+        <p:nvSpPr>
+          <p:cNvPr id="5" name="Fußzeilenplatzhalter 4"/>
+          <p:cNvSpPr>
+            <a:spLocks noGrp="1"/>
+          </p:cNvSpPr>
+          <p:nvPr>
+            <p:ph type="ftr" sz="quarter" idx="11"/>
+          </p:nvPr>
+        </p:nvSpPr>
+        <p:spPr/>
+        <p:txBody>
+          <a:bodyPr/>
+          <a:lstStyle/>
+          <a:p>
+            <a:r>
+              <a:rPr lang="de-DE"/>
+              <a:t>|  </a:t>
+            </a:r>
+          </a:p>
+        </p:txBody>
+      </p:sp>
+      <p:sp>
+        <p:nvSpPr>
+          <p:cNvPr id="6" name="Foliennummernplatzhalter 5"/>
+          <p:cNvSpPr>
+            <a:spLocks noGrp="1"/>
+          </p:cNvSpPr>
+          <p:nvPr>
+            <p:ph type="sldNum" sz="quarter" idx="12"/>
+          </p:nvPr>
+        </p:nvSpPr>
+        <p:spPr/>
+        <p:txBody>
+          <a:bodyPr/>
+          <a:lstStyle/>
+          <a:p>
+            <a:r>
+              <a:rPr lang="de-DE"/>
+              <a:t>|  </a:t>
+            </a:r>
+            <a:fld id="{C36AA9A4-5D0B-4134-89A6-D8B9DAA4F25C}" type="slidenum">
+              <a:rPr lang="de-DE" smtClean="0"/>
+              <a:pPr/>
+              <a:t>17</a:t>
+            </a:fld>
+            <a:endParaRPr lang="de-DE"/>
+          </a:p>
+        </p:txBody>
+      </p:sp>
+    </p:spTree>
+    <p:extLst>
+      <p:ext uri="{BB962C8B-B14F-4D97-AF65-F5344CB8AC3E}">
+        <p14:creationId xmlns:p14="http://schemas.microsoft.com/office/powerpoint/2010/main" val="3325593232"/>
+      </p:ext>
+    </p:extLst>
+  </p:cSld>
+  <p:clrMapOvr>
+    <a:masterClrMapping/>
+  </p:clrMapOvr>
+</p:notes>
+</file>
+
+<file path=ppt/notesSlides/notesSlide18.xml><?xml version="1.0" encoding="utf-8"?>
+<p:notes xmlns:a="http://schemas.openxmlformats.org/drawingml/2006/main" xmlns:r="http://schemas.openxmlformats.org/officeDocument/2006/relationships" xmlns:p="http://schemas.openxmlformats.org/presentationml/2006/main">
+  <p:cSld>
+    <p:spTree>
+      <p:nvGrpSpPr>
+        <p:cNvPr id="1" name=""/>
+        <p:cNvGrpSpPr/>
+        <p:nvPr/>
+      </p:nvGrpSpPr>
+      <p:grpSpPr>
+        <a:xfrm>
+          <a:off x="0" y="0"/>
+          <a:ext cx="0" cy="0"/>
+          <a:chOff x="0" y="0"/>
+          <a:chExt cx="0" cy="0"/>
+        </a:xfrm>
+      </p:grpSpPr>
+      <p:sp>
+        <p:nvSpPr>
+          <p:cNvPr id="2" name="Folienbildplatzhalter 1"/>
+          <p:cNvSpPr>
+            <a:spLocks noGrp="1" noRot="1" noChangeAspect="1"/>
+          </p:cNvSpPr>
+          <p:nvPr>
+            <p:ph type="sldImg"/>
+          </p:nvPr>
+        </p:nvSpPr>
+        <p:spPr>
+          <a:xfrm>
+            <a:off x="1371600" y="923925"/>
+            <a:ext cx="4095750" cy="3071813"/>
+          </a:xfrm>
+        </p:spPr>
+      </p:sp>
+      <p:sp>
+        <p:nvSpPr>
+          <p:cNvPr id="3" name="Notizenplatzhalter 2"/>
+          <p:cNvSpPr>
+            <a:spLocks noGrp="1"/>
+          </p:cNvSpPr>
+          <p:nvPr>
+            <p:ph type="body" idx="1"/>
+          </p:nvPr>
+        </p:nvSpPr>
+        <p:spPr/>
+        <p:txBody>
+          <a:bodyPr/>
+          <a:lstStyle/>
+          <a:p>
+            <a:r>
+              <a:rPr lang="de-DE" dirty="0"/>
+              <a:t>Simon</a:t>
+            </a:r>
+          </a:p>
+        </p:txBody>
+      </p:sp>
+      <p:sp>
+        <p:nvSpPr>
+          <p:cNvPr id="4" name="Datumsplatzhalter 3"/>
+          <p:cNvSpPr>
+            <a:spLocks noGrp="1"/>
+          </p:cNvSpPr>
+          <p:nvPr>
+            <p:ph type="dt" idx="10"/>
+          </p:nvPr>
+        </p:nvSpPr>
+        <p:spPr/>
+        <p:txBody>
+          <a:bodyPr/>
+          <a:lstStyle/>
+          <a:p>
+            <a:fld id="{065B079B-E513-489A-8A1B-D7C78493EA86}" type="datetime4">
+              <a:rPr lang="de-DE" smtClean="0"/>
+              <a:pPr/>
+              <a:t>6. Juli 2017</a:t>
+            </a:fld>
+            <a:endParaRPr lang="de-DE"/>
+          </a:p>
+        </p:txBody>
+      </p:sp>
+      <p:sp>
+        <p:nvSpPr>
+          <p:cNvPr id="5" name="Fußzeilenplatzhalter 4"/>
+          <p:cNvSpPr>
+            <a:spLocks noGrp="1"/>
+          </p:cNvSpPr>
+          <p:nvPr>
+            <p:ph type="ftr" sz="quarter" idx="11"/>
+          </p:nvPr>
+        </p:nvSpPr>
+        <p:spPr/>
+        <p:txBody>
+          <a:bodyPr/>
+          <a:lstStyle/>
+          <a:p>
+            <a:r>
+              <a:rPr lang="de-DE"/>
+              <a:t>|  </a:t>
+            </a:r>
+          </a:p>
+        </p:txBody>
+      </p:sp>
+      <p:sp>
+        <p:nvSpPr>
+          <p:cNvPr id="6" name="Foliennummernplatzhalter 5"/>
+          <p:cNvSpPr>
+            <a:spLocks noGrp="1"/>
+          </p:cNvSpPr>
+          <p:nvPr>
+            <p:ph type="sldNum" sz="quarter" idx="12"/>
+          </p:nvPr>
+        </p:nvSpPr>
+        <p:spPr/>
+        <p:txBody>
+          <a:bodyPr/>
+          <a:lstStyle/>
+          <a:p>
+            <a:r>
+              <a:rPr lang="de-DE"/>
+              <a:t>|  </a:t>
+            </a:r>
+            <a:fld id="{C36AA9A4-5D0B-4134-89A6-D8B9DAA4F25C}" type="slidenum">
+              <a:rPr lang="de-DE" smtClean="0"/>
+              <a:pPr/>
+              <a:t>18</a:t>
+            </a:fld>
+            <a:endParaRPr lang="de-DE"/>
+          </a:p>
+        </p:txBody>
+      </p:sp>
+    </p:spTree>
+    <p:extLst>
+      <p:ext uri="{BB962C8B-B14F-4D97-AF65-F5344CB8AC3E}">
+        <p14:creationId xmlns:p14="http://schemas.microsoft.com/office/powerpoint/2010/main" val="1055495334"/>
+      </p:ext>
+    </p:extLst>
+  </p:cSld>
+  <p:clrMapOvr>
+    <a:masterClrMapping/>
+  </p:clrMapOvr>
+</p:notes>
+</file>
+
+<file path=ppt/notesSlides/notesSlide19.xml><?xml version="1.0" encoding="utf-8"?>
+<p:notes xmlns:a="http://schemas.openxmlformats.org/drawingml/2006/main" xmlns:r="http://schemas.openxmlformats.org/officeDocument/2006/relationships" xmlns:p="http://schemas.openxmlformats.org/presentationml/2006/main">
+  <p:cSld>
+    <p:spTree>
+      <p:nvGrpSpPr>
+        <p:cNvPr id="1" name=""/>
+        <p:cNvGrpSpPr/>
+        <p:nvPr/>
+      </p:nvGrpSpPr>
+      <p:grpSpPr>
+        <a:xfrm>
+          <a:off x="0" y="0"/>
+          <a:ext cx="0" cy="0"/>
+          <a:chOff x="0" y="0"/>
+          <a:chExt cx="0" cy="0"/>
+        </a:xfrm>
+      </p:grpSpPr>
+      <p:sp>
+        <p:nvSpPr>
+          <p:cNvPr id="2" name="Folienbildplatzhalter 1"/>
+          <p:cNvSpPr>
+            <a:spLocks noGrp="1" noRot="1" noChangeAspect="1"/>
+          </p:cNvSpPr>
+          <p:nvPr>
+            <p:ph type="sldImg"/>
+          </p:nvPr>
+        </p:nvSpPr>
+        <p:spPr>
+          <a:xfrm>
+            <a:off x="1371600" y="923925"/>
+            <a:ext cx="4095750" cy="3071813"/>
+          </a:xfrm>
+        </p:spPr>
+      </p:sp>
+      <p:sp>
+        <p:nvSpPr>
+          <p:cNvPr id="3" name="Notizenplatzhalter 2"/>
+          <p:cNvSpPr>
+            <a:spLocks noGrp="1"/>
+          </p:cNvSpPr>
+          <p:nvPr>
+            <p:ph type="body" idx="1"/>
+          </p:nvPr>
+        </p:nvSpPr>
+        <p:spPr/>
+        <p:txBody>
+          <a:bodyPr/>
+          <a:lstStyle/>
+          <a:p>
+            <a:r>
+              <a:rPr lang="de-DE" dirty="0"/>
+              <a:t>Design: Simon</a:t>
+            </a:r>
+          </a:p>
+          <a:p>
+            <a:r>
+              <a:rPr lang="de-DE" dirty="0"/>
+              <a:t>Vortrag: Simon</a:t>
+            </a:r>
+          </a:p>
+        </p:txBody>
+      </p:sp>
+      <p:sp>
+        <p:nvSpPr>
+          <p:cNvPr id="4" name="Datumsplatzhalter 3"/>
+          <p:cNvSpPr>
+            <a:spLocks noGrp="1"/>
+          </p:cNvSpPr>
+          <p:nvPr>
+            <p:ph type="dt" idx="10"/>
+          </p:nvPr>
+        </p:nvSpPr>
+        <p:spPr/>
+        <p:txBody>
+          <a:bodyPr/>
+          <a:lstStyle/>
+          <a:p>
+            <a:fld id="{065B079B-E513-489A-8A1B-D7C78493EA86}" type="datetime4">
+              <a:rPr lang="de-DE" smtClean="0"/>
+              <a:pPr/>
+              <a:t>6. Juli 2017</a:t>
+            </a:fld>
+            <a:endParaRPr lang="de-DE"/>
+          </a:p>
+        </p:txBody>
+      </p:sp>
+      <p:sp>
+        <p:nvSpPr>
+          <p:cNvPr id="5" name="Fußzeilenplatzhalter 4"/>
+          <p:cNvSpPr>
+            <a:spLocks noGrp="1"/>
+          </p:cNvSpPr>
+          <p:nvPr>
+            <p:ph type="ftr" sz="quarter" idx="11"/>
+          </p:nvPr>
+        </p:nvSpPr>
+        <p:spPr/>
+        <p:txBody>
+          <a:bodyPr/>
+          <a:lstStyle/>
+          <a:p>
+            <a:r>
+              <a:rPr lang="de-DE"/>
+              <a:t>|  </a:t>
+            </a:r>
+          </a:p>
+        </p:txBody>
+      </p:sp>
+      <p:sp>
+        <p:nvSpPr>
+          <p:cNvPr id="6" name="Foliennummernplatzhalter 5"/>
+          <p:cNvSpPr>
+            <a:spLocks noGrp="1"/>
+          </p:cNvSpPr>
+          <p:nvPr>
+            <p:ph type="sldNum" sz="quarter" idx="12"/>
+          </p:nvPr>
+        </p:nvSpPr>
+        <p:spPr/>
+        <p:txBody>
+          <a:bodyPr/>
+          <a:lstStyle/>
+          <a:p>
+            <a:r>
+              <a:rPr lang="de-DE"/>
+              <a:t>|  </a:t>
+            </a:r>
+            <a:fld id="{C36AA9A4-5D0B-4134-89A6-D8B9DAA4F25C}" type="slidenum">
+              <a:rPr lang="de-DE" smtClean="0"/>
+              <a:pPr/>
+              <a:t>19</a:t>
             </a:fld>
             <a:endParaRPr lang="de-DE"/>
           </a:p>
@@ -3540,7 +3969,10 @@
           <a:bodyPr/>
           <a:lstStyle/>
           <a:p>
-            <a:endParaRPr lang="de-DE" dirty="0"/>
+            <a:r>
+              <a:rPr lang="de-DE" dirty="0"/>
+              <a:t>Markus</a:t>
+            </a:r>
           </a:p>
         </p:txBody>
       </p:sp>
@@ -3621,7 +4053,7 @@
     </p:spTree>
     <p:extLst>
       <p:ext uri="{BB962C8B-B14F-4D97-AF65-F5344CB8AC3E}">
-        <p14:creationId xmlns:p14="http://schemas.microsoft.com/office/powerpoint/2010/main" val="228396535"/>
+        <p14:creationId xmlns:p14="http://schemas.microsoft.com/office/powerpoint/2010/main" val="1443922463"/>
       </p:ext>
     </p:extLst>
   </p:cSld>
@@ -7029,7 +7461,7 @@
           <p:cNvPr id="2" name="Titel 1">
             <a:extLst>
               <a:ext uri="{FF2B5EF4-FFF2-40B4-BE49-F238E27FC236}">
-                <a16:creationId xmlns="" xmlns:a16="http://schemas.microsoft.com/office/drawing/2014/main" id="{98E30EB0-62A0-4D55-AF97-782AB848AE3B}"/>
+                <a16:creationId xmlns="" xmlns:a16="http://schemas.microsoft.com/office/drawing/2014/main" id="{094F379C-23F4-4D35-86D6-1D1C29CAB88B}"/>
               </a:ext>
             </a:extLst>
           </p:cNvPr>
@@ -7047,8 +7479,13 @@
           <a:p>
             <a:r>
               <a:rPr lang="de-DE" dirty="0"/>
-              <a:t>Kanalströmung: Geometrie </a:t>
-            </a:r>
+              <a:t>Aachen-Turbine: </a:t>
+            </a:r>
+            <a:r>
+              <a:rPr lang="de-DE" dirty="0" smtClean="0"/>
+              <a:t>Vorgehen (3)</a:t>
+            </a:r>
+            <a:endParaRPr lang="de-DE" dirty="0"/>
           </a:p>
         </p:txBody>
       </p:sp>
@@ -7057,7 +7494,7 @@
           <p:cNvPr id="3" name="Inhaltsplatzhalter 2">
             <a:extLst>
               <a:ext uri="{FF2B5EF4-FFF2-40B4-BE49-F238E27FC236}">
-                <a16:creationId xmlns="" xmlns:a16="http://schemas.microsoft.com/office/drawing/2014/main" id="{5CE73134-BC2B-467B-B2FE-58257A89BDB4}"/>
+                <a16:creationId xmlns="" xmlns:a16="http://schemas.microsoft.com/office/drawing/2014/main" id="{1C3E671A-136E-4360-89A9-AD9DB1ED1606}"/>
               </a:ext>
             </a:extLst>
           </p:cNvPr>
@@ -7068,19 +7505,103 @@
             <p:ph idx="1"/>
           </p:nvPr>
         </p:nvSpPr>
-        <p:spPr/>
-        <p:txBody>
-          <a:bodyPr/>
-          <a:lstStyle/>
-          <a:p>
-            <a:endParaRPr lang="de-DE" dirty="0"/>
-          </a:p>
-        </p:txBody>
-      </p:sp>
+        <p:spPr>
+          <a:xfrm>
+            <a:off x="360000" y="1620001"/>
+            <a:ext cx="8244448" cy="4329280"/>
+          </a:xfrm>
+        </p:spPr>
+        <p:txBody>
+          <a:bodyPr/>
+          <a:lstStyle/>
+          <a:p>
+            <a:r>
+              <a:rPr lang="de-DE" dirty="0" smtClean="0"/>
+              <a:t>Gitterstudie (</a:t>
+            </a:r>
+            <a:r>
+              <a:rPr lang="de-DE" dirty="0"/>
+              <a:t>Ziel: netzunabhängige E</a:t>
+            </a:r>
+            <a:r>
+              <a:rPr lang="de-DE" dirty="0" smtClean="0"/>
+              <a:t>rgebnisse)</a:t>
+            </a:r>
+          </a:p>
+          <a:p>
+            <a:pPr lvl="2"/>
+            <a:r>
+              <a:rPr lang="de-DE" dirty="0" smtClean="0"/>
+              <a:t>Variation der Verfeinerung des Gitters</a:t>
+            </a:r>
+          </a:p>
+          <a:p>
+            <a:pPr lvl="2"/>
+            <a:r>
+              <a:rPr lang="de-DE" dirty="0" smtClean="0"/>
+              <a:t>Berechnung verschiedener Größen (z.B. Wirkungsgrade) auf den Gittern</a:t>
+            </a:r>
+          </a:p>
+          <a:p>
+            <a:pPr lvl="2"/>
+            <a:r>
+              <a:rPr lang="de-DE" dirty="0" smtClean="0"/>
+              <a:t>Vergleich der Ergebnisse der verschiedenen Rechnungen</a:t>
+            </a:r>
+          </a:p>
+          <a:p>
+            <a:r>
+              <a:rPr lang="de-DE" dirty="0" smtClean="0"/>
+              <a:t>Resultat: unabhängiges Gitter mit den Kenngrößen:</a:t>
+            </a:r>
+          </a:p>
+          <a:p>
+            <a:pPr lvl="2"/>
+            <a:r>
+              <a:rPr lang="de-DE" dirty="0" smtClean="0"/>
+              <a:t>Je ca. 2 Mio. Elemente in den Statoren und ca. 3 Mio. Elemente im Rotor</a:t>
+            </a:r>
+          </a:p>
+          <a:p>
+            <a:pPr lvl="2"/>
+            <a:endParaRPr lang="de-DE" dirty="0" smtClean="0"/>
+          </a:p>
+        </p:txBody>
+      </p:sp>
+      <p:pic>
+        <p:nvPicPr>
+          <p:cNvPr id="4" name="Bild 3"/>
+          <p:cNvPicPr>
+            <a:picLocks noChangeAspect="1"/>
+          </p:cNvPicPr>
+          <p:nvPr/>
+        </p:nvPicPr>
+        <p:blipFill>
+          <a:blip r:embed="rId3">
+            <a:extLst>
+              <a:ext uri="{28A0092B-C50C-407E-A947-70E740481C1C}">
+                <a14:useLocalDpi xmlns:a14="http://schemas.microsoft.com/office/drawing/2010/main" val="0"/>
+              </a:ext>
+            </a:extLst>
+          </a:blip>
+          <a:stretch>
+            <a:fillRect/>
+          </a:stretch>
+        </p:blipFill>
+        <p:spPr>
+          <a:xfrm>
+            <a:off x="2158700" y="4213738"/>
+            <a:ext cx="4647048" cy="1728193"/>
+          </a:xfrm>
+          <a:prstGeom prst="rect">
+            <a:avLst/>
+          </a:prstGeom>
+        </p:spPr>
+      </p:pic>
     </p:spTree>
     <p:extLst>
       <p:ext uri="{BB962C8B-B14F-4D97-AF65-F5344CB8AC3E}">
-        <p14:creationId xmlns:p14="http://schemas.microsoft.com/office/powerpoint/2010/main" val="3058563938"/>
+        <p14:creationId xmlns:p14="http://schemas.microsoft.com/office/powerpoint/2010/main" val="22777965"/>
       </p:ext>
     </p:extLst>
   </p:cSld>
@@ -7112,7 +7633,7 @@
           <p:cNvPr id="2" name="Titel 1">
             <a:extLst>
               <a:ext uri="{FF2B5EF4-FFF2-40B4-BE49-F238E27FC236}">
-                <a16:creationId xmlns="" xmlns:a16="http://schemas.microsoft.com/office/drawing/2014/main" id="{92BC8844-D44E-4A34-A3E9-BBC46793D01F}"/>
+                <a16:creationId xmlns="" xmlns:a16="http://schemas.microsoft.com/office/drawing/2014/main" id="{094F379C-23F4-4D35-86D6-1D1C29CAB88B}"/>
               </a:ext>
             </a:extLst>
           </p:cNvPr>
@@ -7130,43 +7651,79 @@
           <a:p>
             <a:r>
               <a:rPr lang="de-DE" dirty="0"/>
-              <a:t>Kanalströmung: Setups</a:t>
-            </a:r>
-          </a:p>
-        </p:txBody>
-      </p:sp>
-      <p:sp>
-        <p:nvSpPr>
-          <p:cNvPr id="3" name="Inhaltsplatzhalter 2">
+              <a:t>Aachen-Turbine: </a:t>
+            </a:r>
+            <a:r>
+              <a:rPr lang="de-DE" dirty="0" smtClean="0"/>
+              <a:t>Vorgehen (4)</a:t>
+            </a:r>
+            <a:endParaRPr lang="de-DE" dirty="0"/>
+          </a:p>
+        </p:txBody>
+      </p:sp>
+      <p:pic>
+        <p:nvPicPr>
+          <p:cNvPr id="7" name="Inhaltsplatzhalter 6"/>
+          <p:cNvPicPr>
+            <a:picLocks noGrp="1" noChangeAspect="1"/>
+          </p:cNvPicPr>
+          <p:nvPr>
+            <p:ph idx="1"/>
+          </p:nvPr>
+        </p:nvPicPr>
+        <p:blipFill>
+          <a:blip r:embed="rId3">
             <a:extLst>
-              <a:ext uri="{FF2B5EF4-FFF2-40B4-BE49-F238E27FC236}">
-                <a16:creationId xmlns="" xmlns:a16="http://schemas.microsoft.com/office/drawing/2014/main" id="{226BDF4D-EA65-4EB5-9166-5B6F009BEDE8}"/>
+              <a:ext uri="{28A0092B-C50C-407E-A947-70E740481C1C}">
+                <a14:useLocalDpi xmlns:a14="http://schemas.microsoft.com/office/drawing/2010/main" val="0"/>
               </a:ext>
             </a:extLst>
-          </p:cNvPr>
-          <p:cNvSpPr>
-            <a:spLocks noGrp="1"/>
-          </p:cNvSpPr>
-          <p:nvPr>
-            <p:ph idx="1"/>
-          </p:nvPr>
-        </p:nvSpPr>
-        <p:spPr/>
-        <p:txBody>
-          <a:bodyPr/>
-          <a:lstStyle/>
-          <a:p>
-            <a:r>
-              <a:rPr lang="de-DE" dirty="0"/>
-              <a:t>Verschiedenen RBs</a:t>
-            </a:r>
+          </a:blip>
+          <a:stretch>
+            <a:fillRect/>
+          </a:stretch>
+        </p:blipFill>
+        <p:spPr>
+          <a:xfrm>
+            <a:off x="1907704" y="1988840"/>
+            <a:ext cx="5359400" cy="4038600"/>
+          </a:xfrm>
+        </p:spPr>
+      </p:pic>
+      <p:sp>
+        <p:nvSpPr>
+          <p:cNvPr id="9" name="Textfeld 8"/>
+          <p:cNvSpPr txBox="1"/>
+          <p:nvPr/>
+        </p:nvSpPr>
+        <p:spPr>
+          <a:xfrm>
+            <a:off x="2366283" y="1619508"/>
+            <a:ext cx="4442242" cy="369332"/>
+          </a:xfrm>
+          <a:prstGeom prst="rect">
+            <a:avLst/>
+          </a:prstGeom>
+          <a:noFill/>
+        </p:spPr>
+        <p:txBody>
+          <a:bodyPr wrap="none" rtlCol="0">
+            <a:spAutoFit/>
+          </a:bodyPr>
+          <a:lstStyle/>
+          <a:p>
+            <a:r>
+              <a:rPr lang="de-DE" dirty="0" smtClean="0"/>
+              <a:t>Wirkungsgrade auf verschiedenen Gittern</a:t>
+            </a:r>
+            <a:endParaRPr lang="de-DE" dirty="0"/>
           </a:p>
         </p:txBody>
       </p:sp>
     </p:spTree>
     <p:extLst>
       <p:ext uri="{BB962C8B-B14F-4D97-AF65-F5344CB8AC3E}">
-        <p14:creationId xmlns:p14="http://schemas.microsoft.com/office/powerpoint/2010/main" val="1043118149"/>
+        <p14:creationId xmlns:p14="http://schemas.microsoft.com/office/powerpoint/2010/main" val="849022025"/>
       </p:ext>
     </p:extLst>
   </p:cSld>
@@ -7198,7 +7755,7 @@
           <p:cNvPr id="2" name="Titel 1">
             <a:extLst>
               <a:ext uri="{FF2B5EF4-FFF2-40B4-BE49-F238E27FC236}">
-                <a16:creationId xmlns="" xmlns:a16="http://schemas.microsoft.com/office/drawing/2014/main" id="{B021C1F3-433C-41E3-8587-65D5BDA4F317}"/>
+                <a16:creationId xmlns="" xmlns:a16="http://schemas.microsoft.com/office/drawing/2014/main" id="{E94AB448-E08C-4FC1-AAC0-98431019A5B8}"/>
               </a:ext>
             </a:extLst>
           </p:cNvPr>
@@ -7216,8 +7773,13 @@
           <a:p>
             <a:r>
               <a:rPr lang="de-DE" dirty="0"/>
-              <a:t>Kanalströmung: Mixing Plane</a:t>
-            </a:r>
+              <a:t>Aachen-Turbine: Wirkungsgrade -</a:t>
+            </a:r>
+            <a:r>
+              <a:rPr lang="de-DE" dirty="0" err="1"/>
+              <a:t>vllt</a:t>
+            </a:r>
+            <a:endParaRPr lang="de-DE" dirty="0"/>
           </a:p>
         </p:txBody>
       </p:sp>
@@ -7226,7 +7788,7 @@
           <p:cNvPr id="3" name="Inhaltsplatzhalter 2">
             <a:extLst>
               <a:ext uri="{FF2B5EF4-FFF2-40B4-BE49-F238E27FC236}">
-                <a16:creationId xmlns="" xmlns:a16="http://schemas.microsoft.com/office/drawing/2014/main" id="{CF5061C2-25E2-4A53-BCDE-093C837A0F45}"/>
+                <a16:creationId xmlns="" xmlns:a16="http://schemas.microsoft.com/office/drawing/2014/main" id="{EE905004-B708-4F44-A14B-50934B89FAB0}"/>
               </a:ext>
             </a:extLst>
           </p:cNvPr>
@@ -7244,7 +7806,67 @@
           <a:p>
             <a:r>
               <a:rPr lang="de-DE" dirty="0"/>
-              <a:t>Tabelle mit Differenzen über Mixing Plane</a:t>
+              <a:t>Tabelle strukturiert, unstrukturiert</a:t>
+            </a:r>
+          </a:p>
+          <a:p>
+            <a:r>
+              <a:rPr lang="de-DE" dirty="0"/>
+              <a:t>Hinweis auf Oberflächennetz</a:t>
+            </a:r>
+          </a:p>
+          <a:p>
+            <a:r>
+              <a:rPr lang="de-DE" dirty="0"/>
+              <a:t>Überleitung zu Kanal mit Sprung in der </a:t>
+            </a:r>
+            <a:r>
+              <a:rPr lang="de-DE" dirty="0" err="1"/>
+              <a:t>cfx</a:t>
+            </a:r>
+            <a:r>
+              <a:rPr lang="de-DE" dirty="0"/>
+              <a:t> </a:t>
+            </a:r>
+            <a:r>
+              <a:rPr lang="de-DE" dirty="0" err="1"/>
+              <a:t>cp</a:t>
+            </a:r>
+            <a:r>
+              <a:rPr lang="de-DE" dirty="0"/>
+              <a:t> </a:t>
+            </a:r>
+            <a:r>
+              <a:rPr lang="de-DE" dirty="0" err="1"/>
+              <a:t>tt</a:t>
+            </a:r>
+            <a:r>
+              <a:rPr lang="de-DE" dirty="0"/>
+              <a:t> </a:t>
+            </a:r>
+            <a:r>
+              <a:rPr lang="de-DE" dirty="0" err="1"/>
+              <a:t>wirkunsgrad</a:t>
+            </a:r>
+            <a:r>
+              <a:rPr lang="de-DE" dirty="0"/>
+              <a:t> -&gt; </a:t>
+            </a:r>
+            <a:r>
+              <a:rPr lang="de-DE" dirty="0" err="1"/>
+              <a:t>einfluss</a:t>
+            </a:r>
+            <a:r>
+              <a:rPr lang="de-DE" dirty="0"/>
+              <a:t> </a:t>
+            </a:r>
+            <a:r>
+              <a:rPr lang="de-DE" dirty="0" err="1"/>
+              <a:t>mixing</a:t>
+            </a:r>
+            <a:r>
+              <a:rPr lang="de-DE" dirty="0"/>
+              <a:t> plane</a:t>
             </a:r>
           </a:p>
         </p:txBody>
@@ -7252,7 +7874,7 @@
     </p:spTree>
     <p:extLst>
       <p:ext uri="{BB962C8B-B14F-4D97-AF65-F5344CB8AC3E}">
-        <p14:creationId xmlns:p14="http://schemas.microsoft.com/office/powerpoint/2010/main" val="2318180381"/>
+        <p14:creationId xmlns:p14="http://schemas.microsoft.com/office/powerpoint/2010/main" val="4152841154"/>
       </p:ext>
     </p:extLst>
   </p:cSld>
@@ -7284,7 +7906,7 @@
           <p:cNvPr id="2" name="Titel 1">
             <a:extLst>
               <a:ext uri="{FF2B5EF4-FFF2-40B4-BE49-F238E27FC236}">
-                <a16:creationId xmlns="" xmlns:a16="http://schemas.microsoft.com/office/drawing/2014/main" id="{D329A526-CE1D-48AD-8C37-10B31DD1A94A}"/>
+                <a16:creationId xmlns="" xmlns:a16="http://schemas.microsoft.com/office/drawing/2014/main" id="{98E30EB0-62A0-4D55-AF97-782AB848AE3B}"/>
               </a:ext>
             </a:extLst>
           </p:cNvPr>
@@ -7302,7 +7924,7 @@
           <a:p>
             <a:r>
               <a:rPr lang="de-DE" dirty="0"/>
-              <a:t>Auswertungstool</a:t>
+              <a:t>Kanalströmung: Geometrie </a:t>
             </a:r>
           </a:p>
         </p:txBody>
@@ -7312,7 +7934,7 @@
           <p:cNvPr id="3" name="Inhaltsplatzhalter 2">
             <a:extLst>
               <a:ext uri="{FF2B5EF4-FFF2-40B4-BE49-F238E27FC236}">
-                <a16:creationId xmlns="" xmlns:a16="http://schemas.microsoft.com/office/drawing/2014/main" id="{BA4C428F-6F17-477B-9503-2C9FE4D7286D}"/>
+                <a16:creationId xmlns="" xmlns:a16="http://schemas.microsoft.com/office/drawing/2014/main" id="{5CE73134-BC2B-467B-B2FE-58257A89BDB4}"/>
               </a:ext>
             </a:extLst>
           </p:cNvPr>
@@ -7328,31 +7950,14 @@
           <a:bodyPr/>
           <a:lstStyle/>
           <a:p>
-            <a:r>
-              <a:rPr lang="de-DE" dirty="0"/>
-              <a:t>Durchgeführten </a:t>
-            </a:r>
-            <a:r>
-              <a:rPr lang="de-DE" dirty="0" err="1"/>
-              <a:t>Gittersstudien</a:t>
-            </a:r>
-            <a:r>
-              <a:rPr lang="de-DE" dirty="0"/>
-              <a:t>, Spalt, Verfeinerungen, ….</a:t>
-            </a:r>
-          </a:p>
-          <a:p>
-            <a:r>
-              <a:rPr lang="de-DE" dirty="0"/>
-              <a:t>Was es kann</a:t>
-            </a:r>
+            <a:endParaRPr lang="de-DE" dirty="0"/>
           </a:p>
         </p:txBody>
       </p:sp>
     </p:spTree>
     <p:extLst>
       <p:ext uri="{BB962C8B-B14F-4D97-AF65-F5344CB8AC3E}">
-        <p14:creationId xmlns:p14="http://schemas.microsoft.com/office/powerpoint/2010/main" val="589148235"/>
+        <p14:creationId xmlns:p14="http://schemas.microsoft.com/office/powerpoint/2010/main" val="3058563938"/>
       </p:ext>
     </p:extLst>
   </p:cSld>
@@ -7384,7 +7989,7 @@
           <p:cNvPr id="2" name="Titel 1">
             <a:extLst>
               <a:ext uri="{FF2B5EF4-FFF2-40B4-BE49-F238E27FC236}">
-                <a16:creationId xmlns="" xmlns:a16="http://schemas.microsoft.com/office/drawing/2014/main" id="{8643BECD-9FC8-4139-AF9D-AAB9BD9ABF1F}"/>
+                <a16:creationId xmlns="" xmlns:a16="http://schemas.microsoft.com/office/drawing/2014/main" id="{92BC8844-D44E-4A34-A3E9-BBC46793D01F}"/>
               </a:ext>
             </a:extLst>
           </p:cNvPr>
@@ -7402,7 +8007,7 @@
           <a:p>
             <a:r>
               <a:rPr lang="de-DE" dirty="0"/>
-              <a:t>Auswertungstool: Demo</a:t>
+              <a:t>Kanalströmung: Setups</a:t>
             </a:r>
           </a:p>
         </p:txBody>
@@ -7412,7 +8017,7 @@
           <p:cNvPr id="3" name="Inhaltsplatzhalter 2">
             <a:extLst>
               <a:ext uri="{FF2B5EF4-FFF2-40B4-BE49-F238E27FC236}">
-                <a16:creationId xmlns="" xmlns:a16="http://schemas.microsoft.com/office/drawing/2014/main" id="{E42A3100-1EC4-4CA1-8073-DBF9AE2DE022}"/>
+                <a16:creationId xmlns="" xmlns:a16="http://schemas.microsoft.com/office/drawing/2014/main" id="{226BDF4D-EA65-4EB5-9166-5B6F009BEDE8}"/>
               </a:ext>
             </a:extLst>
           </p:cNvPr>
@@ -7430,7 +8035,7 @@
           <a:p>
             <a:r>
               <a:rPr lang="de-DE" dirty="0"/>
-              <a:t>Video einfügen</a:t>
+              <a:t>Verschiedenen RBs</a:t>
             </a:r>
           </a:p>
         </p:txBody>
@@ -7438,7 +8043,7 @@
     </p:spTree>
     <p:extLst>
       <p:ext uri="{BB962C8B-B14F-4D97-AF65-F5344CB8AC3E}">
-        <p14:creationId xmlns:p14="http://schemas.microsoft.com/office/powerpoint/2010/main" val="1720096139"/>
+        <p14:creationId xmlns:p14="http://schemas.microsoft.com/office/powerpoint/2010/main" val="1043118149"/>
       </p:ext>
     </p:extLst>
   </p:cSld>
@@ -7470,6 +8075,278 @@
           <p:cNvPr id="2" name="Titel 1">
             <a:extLst>
               <a:ext uri="{FF2B5EF4-FFF2-40B4-BE49-F238E27FC236}">
+                <a16:creationId xmlns="" xmlns:a16="http://schemas.microsoft.com/office/drawing/2014/main" id="{B021C1F3-433C-41E3-8587-65D5BDA4F317}"/>
+              </a:ext>
+            </a:extLst>
+          </p:cNvPr>
+          <p:cNvSpPr>
+            <a:spLocks noGrp="1"/>
+          </p:cNvSpPr>
+          <p:nvPr>
+            <p:ph type="title"/>
+          </p:nvPr>
+        </p:nvSpPr>
+        <p:spPr/>
+        <p:txBody>
+          <a:bodyPr/>
+          <a:lstStyle/>
+          <a:p>
+            <a:r>
+              <a:rPr lang="de-DE" dirty="0"/>
+              <a:t>Kanalströmung: Mixing Plane</a:t>
+            </a:r>
+          </a:p>
+        </p:txBody>
+      </p:sp>
+      <p:sp>
+        <p:nvSpPr>
+          <p:cNvPr id="3" name="Inhaltsplatzhalter 2">
+            <a:extLst>
+              <a:ext uri="{FF2B5EF4-FFF2-40B4-BE49-F238E27FC236}">
+                <a16:creationId xmlns="" xmlns:a16="http://schemas.microsoft.com/office/drawing/2014/main" id="{CF5061C2-25E2-4A53-BCDE-093C837A0F45}"/>
+              </a:ext>
+            </a:extLst>
+          </p:cNvPr>
+          <p:cNvSpPr>
+            <a:spLocks noGrp="1"/>
+          </p:cNvSpPr>
+          <p:nvPr>
+            <p:ph idx="1"/>
+          </p:nvPr>
+        </p:nvSpPr>
+        <p:spPr/>
+        <p:txBody>
+          <a:bodyPr/>
+          <a:lstStyle/>
+          <a:p>
+            <a:r>
+              <a:rPr lang="de-DE" dirty="0"/>
+              <a:t>Tabelle mit Differenzen über Mixing Plane</a:t>
+            </a:r>
+          </a:p>
+        </p:txBody>
+      </p:sp>
+    </p:spTree>
+    <p:extLst>
+      <p:ext uri="{BB962C8B-B14F-4D97-AF65-F5344CB8AC3E}">
+        <p14:creationId xmlns:p14="http://schemas.microsoft.com/office/powerpoint/2010/main" val="2318180381"/>
+      </p:ext>
+    </p:extLst>
+  </p:cSld>
+  <p:clrMapOvr>
+    <a:masterClrMapping/>
+  </p:clrMapOvr>
+</p:sld>
+</file>
+
+<file path=ppt/slides/slide16.xml><?xml version="1.0" encoding="utf-8"?>
+<p:sld xmlns:a="http://schemas.openxmlformats.org/drawingml/2006/main" xmlns:r="http://schemas.openxmlformats.org/officeDocument/2006/relationships" xmlns:p="http://schemas.openxmlformats.org/presentationml/2006/main">
+  <p:cSld>
+    <p:spTree>
+      <p:nvGrpSpPr>
+        <p:cNvPr id="1" name=""/>
+        <p:cNvGrpSpPr/>
+        <p:nvPr/>
+      </p:nvGrpSpPr>
+      <p:grpSpPr>
+        <a:xfrm>
+          <a:off x="0" y="0"/>
+          <a:ext cx="0" cy="0"/>
+          <a:chOff x="0" y="0"/>
+          <a:chExt cx="0" cy="0"/>
+        </a:xfrm>
+      </p:grpSpPr>
+      <p:sp>
+        <p:nvSpPr>
+          <p:cNvPr id="2" name="Titel 1">
+            <a:extLst>
+              <a:ext uri="{FF2B5EF4-FFF2-40B4-BE49-F238E27FC236}">
+                <a16:creationId xmlns="" xmlns:a16="http://schemas.microsoft.com/office/drawing/2014/main" id="{D329A526-CE1D-48AD-8C37-10B31DD1A94A}"/>
+              </a:ext>
+            </a:extLst>
+          </p:cNvPr>
+          <p:cNvSpPr>
+            <a:spLocks noGrp="1"/>
+          </p:cNvSpPr>
+          <p:nvPr>
+            <p:ph type="title"/>
+          </p:nvPr>
+        </p:nvSpPr>
+        <p:spPr/>
+        <p:txBody>
+          <a:bodyPr/>
+          <a:lstStyle/>
+          <a:p>
+            <a:r>
+              <a:rPr lang="de-DE" dirty="0"/>
+              <a:t>Auswertungstool</a:t>
+            </a:r>
+          </a:p>
+        </p:txBody>
+      </p:sp>
+      <p:sp>
+        <p:nvSpPr>
+          <p:cNvPr id="3" name="Inhaltsplatzhalter 2">
+            <a:extLst>
+              <a:ext uri="{FF2B5EF4-FFF2-40B4-BE49-F238E27FC236}">
+                <a16:creationId xmlns="" xmlns:a16="http://schemas.microsoft.com/office/drawing/2014/main" id="{BA4C428F-6F17-477B-9503-2C9FE4D7286D}"/>
+              </a:ext>
+            </a:extLst>
+          </p:cNvPr>
+          <p:cNvSpPr>
+            <a:spLocks noGrp="1"/>
+          </p:cNvSpPr>
+          <p:nvPr>
+            <p:ph idx="1"/>
+          </p:nvPr>
+        </p:nvSpPr>
+        <p:spPr/>
+        <p:txBody>
+          <a:bodyPr/>
+          <a:lstStyle/>
+          <a:p>
+            <a:r>
+              <a:rPr lang="de-DE" dirty="0"/>
+              <a:t>Durchgeführten </a:t>
+            </a:r>
+            <a:r>
+              <a:rPr lang="de-DE" dirty="0" err="1"/>
+              <a:t>Gittersstudien</a:t>
+            </a:r>
+            <a:r>
+              <a:rPr lang="de-DE" dirty="0"/>
+              <a:t>, Spalt, Verfeinerungen, ….</a:t>
+            </a:r>
+          </a:p>
+          <a:p>
+            <a:r>
+              <a:rPr lang="de-DE" dirty="0"/>
+              <a:t>Was es kann</a:t>
+            </a:r>
+          </a:p>
+        </p:txBody>
+      </p:sp>
+    </p:spTree>
+    <p:extLst>
+      <p:ext uri="{BB962C8B-B14F-4D97-AF65-F5344CB8AC3E}">
+        <p14:creationId xmlns:p14="http://schemas.microsoft.com/office/powerpoint/2010/main" val="589148235"/>
+      </p:ext>
+    </p:extLst>
+  </p:cSld>
+  <p:clrMapOvr>
+    <a:masterClrMapping/>
+  </p:clrMapOvr>
+</p:sld>
+</file>
+
+<file path=ppt/slides/slide17.xml><?xml version="1.0" encoding="utf-8"?>
+<p:sld xmlns:a="http://schemas.openxmlformats.org/drawingml/2006/main" xmlns:r="http://schemas.openxmlformats.org/officeDocument/2006/relationships" xmlns:p="http://schemas.openxmlformats.org/presentationml/2006/main">
+  <p:cSld>
+    <p:spTree>
+      <p:nvGrpSpPr>
+        <p:cNvPr id="1" name=""/>
+        <p:cNvGrpSpPr/>
+        <p:nvPr/>
+      </p:nvGrpSpPr>
+      <p:grpSpPr>
+        <a:xfrm>
+          <a:off x="0" y="0"/>
+          <a:ext cx="0" cy="0"/>
+          <a:chOff x="0" y="0"/>
+          <a:chExt cx="0" cy="0"/>
+        </a:xfrm>
+      </p:grpSpPr>
+      <p:sp>
+        <p:nvSpPr>
+          <p:cNvPr id="2" name="Titel 1">
+            <a:extLst>
+              <a:ext uri="{FF2B5EF4-FFF2-40B4-BE49-F238E27FC236}">
+                <a16:creationId xmlns="" xmlns:a16="http://schemas.microsoft.com/office/drawing/2014/main" id="{8643BECD-9FC8-4139-AF9D-AAB9BD9ABF1F}"/>
+              </a:ext>
+            </a:extLst>
+          </p:cNvPr>
+          <p:cNvSpPr>
+            <a:spLocks noGrp="1"/>
+          </p:cNvSpPr>
+          <p:nvPr>
+            <p:ph type="title"/>
+          </p:nvPr>
+        </p:nvSpPr>
+        <p:spPr/>
+        <p:txBody>
+          <a:bodyPr/>
+          <a:lstStyle/>
+          <a:p>
+            <a:r>
+              <a:rPr lang="de-DE" dirty="0"/>
+              <a:t>Auswertungstool: Demo</a:t>
+            </a:r>
+          </a:p>
+        </p:txBody>
+      </p:sp>
+      <p:sp>
+        <p:nvSpPr>
+          <p:cNvPr id="3" name="Inhaltsplatzhalter 2">
+            <a:extLst>
+              <a:ext uri="{FF2B5EF4-FFF2-40B4-BE49-F238E27FC236}">
+                <a16:creationId xmlns="" xmlns:a16="http://schemas.microsoft.com/office/drawing/2014/main" id="{E42A3100-1EC4-4CA1-8073-DBF9AE2DE022}"/>
+              </a:ext>
+            </a:extLst>
+          </p:cNvPr>
+          <p:cNvSpPr>
+            <a:spLocks noGrp="1"/>
+          </p:cNvSpPr>
+          <p:nvPr>
+            <p:ph idx="1"/>
+          </p:nvPr>
+        </p:nvSpPr>
+        <p:spPr/>
+        <p:txBody>
+          <a:bodyPr/>
+          <a:lstStyle/>
+          <a:p>
+            <a:r>
+              <a:rPr lang="de-DE" dirty="0"/>
+              <a:t>Video einfügen</a:t>
+            </a:r>
+          </a:p>
+        </p:txBody>
+      </p:sp>
+    </p:spTree>
+    <p:extLst>
+      <p:ext uri="{BB962C8B-B14F-4D97-AF65-F5344CB8AC3E}">
+        <p14:creationId xmlns:p14="http://schemas.microsoft.com/office/powerpoint/2010/main" val="1720096139"/>
+      </p:ext>
+    </p:extLst>
+  </p:cSld>
+  <p:clrMapOvr>
+    <a:masterClrMapping/>
+  </p:clrMapOvr>
+</p:sld>
+</file>
+
+<file path=ppt/slides/slide18.xml><?xml version="1.0" encoding="utf-8"?>
+<p:sld xmlns:a="http://schemas.openxmlformats.org/drawingml/2006/main" xmlns:r="http://schemas.openxmlformats.org/officeDocument/2006/relationships" xmlns:p="http://schemas.openxmlformats.org/presentationml/2006/main">
+  <p:cSld>
+    <p:spTree>
+      <p:nvGrpSpPr>
+        <p:cNvPr id="1" name=""/>
+        <p:cNvGrpSpPr/>
+        <p:nvPr/>
+      </p:nvGrpSpPr>
+      <p:grpSpPr>
+        <a:xfrm>
+          <a:off x="0" y="0"/>
+          <a:ext cx="0" cy="0"/>
+          <a:chOff x="0" y="0"/>
+          <a:chExt cx="0" cy="0"/>
+        </a:xfrm>
+      </p:grpSpPr>
+      <p:sp>
+        <p:nvSpPr>
+          <p:cNvPr id="2" name="Titel 1">
+            <a:extLst>
+              <a:ext uri="{FF2B5EF4-FFF2-40B4-BE49-F238E27FC236}">
                 <a16:creationId xmlns="" xmlns:a16="http://schemas.microsoft.com/office/drawing/2014/main" id="{A6803A1C-048A-4BD5-BB5C-6AD0F129ECC9}"/>
               </a:ext>
             </a:extLst>
@@ -7540,7 +8417,7 @@
 </p:sld>
 </file>
 
-<file path=ppt/slides/slide16.xml><?xml version="1.0" encoding="utf-8"?>
+<file path=ppt/slides/slide19.xml><?xml version="1.0" encoding="utf-8"?>
 <p:sld xmlns:a="http://schemas.openxmlformats.org/drawingml/2006/main" xmlns:r="http://schemas.openxmlformats.org/officeDocument/2006/relationships" xmlns:p="http://schemas.openxmlformats.org/presentationml/2006/main">
   <p:cSld>
     <p:spTree>
@@ -7570,7 +8447,133 @@
 </p:sld>
 </file>
 
-<file path=ppt/slides/slide17.xml><?xml version="1.0" encoding="utf-8"?>
+<file path=ppt/slides/slide2.xml><?xml version="1.0" encoding="utf-8"?>
+<p:sld xmlns:a="http://schemas.openxmlformats.org/drawingml/2006/main" xmlns:r="http://schemas.openxmlformats.org/officeDocument/2006/relationships" xmlns:p="http://schemas.openxmlformats.org/presentationml/2006/main">
+  <p:cSld>
+    <p:spTree>
+      <p:nvGrpSpPr>
+        <p:cNvPr id="1" name=""/>
+        <p:cNvGrpSpPr/>
+        <p:nvPr/>
+      </p:nvGrpSpPr>
+      <p:grpSpPr>
+        <a:xfrm>
+          <a:off x="0" y="0"/>
+          <a:ext cx="0" cy="0"/>
+          <a:chOff x="0" y="0"/>
+          <a:chExt cx="0" cy="0"/>
+        </a:xfrm>
+      </p:grpSpPr>
+      <p:sp>
+        <p:nvSpPr>
+          <p:cNvPr id="2" name="Titel 1">
+            <a:extLst>
+              <a:ext uri="{FF2B5EF4-FFF2-40B4-BE49-F238E27FC236}">
+                <a16:creationId xmlns="" xmlns:a16="http://schemas.microsoft.com/office/drawing/2014/main" id="{D27A44A1-7D5C-4ED1-B1CC-16A1827DE5CE}"/>
+              </a:ext>
+            </a:extLst>
+          </p:cNvPr>
+          <p:cNvSpPr>
+            <a:spLocks noGrp="1"/>
+          </p:cNvSpPr>
+          <p:nvPr>
+            <p:ph type="title"/>
+          </p:nvPr>
+        </p:nvSpPr>
+        <p:spPr/>
+        <p:txBody>
+          <a:bodyPr/>
+          <a:lstStyle/>
+          <a:p>
+            <a:r>
+              <a:rPr lang="de-DE" dirty="0"/>
+              <a:t>Gliederung</a:t>
+            </a:r>
+          </a:p>
+        </p:txBody>
+      </p:sp>
+      <p:sp>
+        <p:nvSpPr>
+          <p:cNvPr id="3" name="Inhaltsplatzhalter 2">
+            <a:extLst>
+              <a:ext uri="{FF2B5EF4-FFF2-40B4-BE49-F238E27FC236}">
+                <a16:creationId xmlns="" xmlns:a16="http://schemas.microsoft.com/office/drawing/2014/main" id="{0A11E94A-080C-4F4A-B9ED-FC1B878B8CE0}"/>
+              </a:ext>
+            </a:extLst>
+          </p:cNvPr>
+          <p:cNvSpPr>
+            <a:spLocks noGrp="1"/>
+          </p:cNvSpPr>
+          <p:nvPr>
+            <p:ph idx="1"/>
+          </p:nvPr>
+        </p:nvSpPr>
+        <p:spPr>
+          <a:xfrm>
+            <a:off x="360000" y="1620000"/>
+            <a:ext cx="7164328" cy="4479943"/>
+          </a:xfrm>
+        </p:spPr>
+        <p:txBody>
+          <a:bodyPr/>
+          <a:lstStyle/>
+          <a:p>
+            <a:r>
+              <a:rPr lang="de-DE" dirty="0"/>
+              <a:t>Grundlagen der Thermodynamik und von Wirkungsgraden</a:t>
+            </a:r>
+          </a:p>
+          <a:p>
+            <a:r>
+              <a:rPr lang="de-DE" dirty="0"/>
+              <a:t>Aachen-Turbine</a:t>
+            </a:r>
+          </a:p>
+          <a:p>
+            <a:r>
+              <a:rPr lang="de-DE" dirty="0"/>
+              <a:t>Kanalströmung</a:t>
+            </a:r>
+          </a:p>
+          <a:p>
+            <a:r>
+              <a:rPr lang="de-DE" dirty="0"/>
+              <a:t>Auswertungstool für Gitterstudien</a:t>
+            </a:r>
+          </a:p>
+          <a:p>
+            <a:r>
+              <a:rPr lang="de-DE" dirty="0"/>
+              <a:t>Fazit</a:t>
+            </a:r>
+          </a:p>
+          <a:p>
+            <a:pPr lvl="1"/>
+            <a:endParaRPr lang="de-DE" dirty="0"/>
+          </a:p>
+        </p:txBody>
+      </p:sp>
+    </p:spTree>
+    <p:extLst>
+      <p:ext uri="{BB962C8B-B14F-4D97-AF65-F5344CB8AC3E}">
+        <p14:creationId xmlns:p14="http://schemas.microsoft.com/office/powerpoint/2010/main" val="3165109670"/>
+      </p:ext>
+    </p:extLst>
+  </p:cSld>
+  <p:clrMapOvr>
+    <a:masterClrMapping/>
+  </p:clrMapOvr>
+  <p:timing>
+    <p:tnLst>
+      <p:par>
+        <p:cTn id="1" dur="indefinite" restart="never" nodeType="tmRoot"/>
+      </p:par>
+    </p:tnLst>
+  </p:timing>
+</p:sld>
+</file>
+
+<file path=ppt/slides/slide20.xml><?xml version="1.0" encoding="utf-8"?>
 <p:sld xmlns:a="http://schemas.openxmlformats.org/drawingml/2006/main" xmlns:r="http://schemas.openxmlformats.org/officeDocument/2006/relationships" xmlns:p="http://schemas.openxmlformats.org/presentationml/2006/main">
   <p:cSld>
     <p:spTree>
@@ -7775,7 +8778,7 @@
 </p:sld>
 </file>
 
-<file path=ppt/slides/slide18.xml><?xml version="1.0" encoding="utf-8"?>
+<file path=ppt/slides/slide21.xml><?xml version="1.0" encoding="utf-8"?>
 <p:sld xmlns:a="http://schemas.openxmlformats.org/drawingml/2006/main" xmlns:r="http://schemas.openxmlformats.org/officeDocument/2006/relationships" xmlns:p="http://schemas.openxmlformats.org/presentationml/2006/main">
   <p:cSld>
     <p:spTree>
@@ -8452,132 +9455,6 @@
   <p:clrMapOvr>
     <a:masterClrMapping/>
   </p:clrMapOvr>
-</p:sld>
-</file>
-
-<file path=ppt/slides/slide2.xml><?xml version="1.0" encoding="utf-8"?>
-<p:sld xmlns:a="http://schemas.openxmlformats.org/drawingml/2006/main" xmlns:r="http://schemas.openxmlformats.org/officeDocument/2006/relationships" xmlns:p="http://schemas.openxmlformats.org/presentationml/2006/main">
-  <p:cSld>
-    <p:spTree>
-      <p:nvGrpSpPr>
-        <p:cNvPr id="1" name=""/>
-        <p:cNvGrpSpPr/>
-        <p:nvPr/>
-      </p:nvGrpSpPr>
-      <p:grpSpPr>
-        <a:xfrm>
-          <a:off x="0" y="0"/>
-          <a:ext cx="0" cy="0"/>
-          <a:chOff x="0" y="0"/>
-          <a:chExt cx="0" cy="0"/>
-        </a:xfrm>
-      </p:grpSpPr>
-      <p:sp>
-        <p:nvSpPr>
-          <p:cNvPr id="2" name="Titel 1">
-            <a:extLst>
-              <a:ext uri="{FF2B5EF4-FFF2-40B4-BE49-F238E27FC236}">
-                <a16:creationId xmlns="" xmlns:a16="http://schemas.microsoft.com/office/drawing/2014/main" id="{D27A44A1-7D5C-4ED1-B1CC-16A1827DE5CE}"/>
-              </a:ext>
-            </a:extLst>
-          </p:cNvPr>
-          <p:cNvSpPr>
-            <a:spLocks noGrp="1"/>
-          </p:cNvSpPr>
-          <p:nvPr>
-            <p:ph type="title"/>
-          </p:nvPr>
-        </p:nvSpPr>
-        <p:spPr/>
-        <p:txBody>
-          <a:bodyPr/>
-          <a:lstStyle/>
-          <a:p>
-            <a:r>
-              <a:rPr lang="de-DE" dirty="0"/>
-              <a:t>Gliederung</a:t>
-            </a:r>
-          </a:p>
-        </p:txBody>
-      </p:sp>
-      <p:sp>
-        <p:nvSpPr>
-          <p:cNvPr id="3" name="Inhaltsplatzhalter 2">
-            <a:extLst>
-              <a:ext uri="{FF2B5EF4-FFF2-40B4-BE49-F238E27FC236}">
-                <a16:creationId xmlns="" xmlns:a16="http://schemas.microsoft.com/office/drawing/2014/main" id="{0A11E94A-080C-4F4A-B9ED-FC1B878B8CE0}"/>
-              </a:ext>
-            </a:extLst>
-          </p:cNvPr>
-          <p:cNvSpPr>
-            <a:spLocks noGrp="1"/>
-          </p:cNvSpPr>
-          <p:nvPr>
-            <p:ph idx="1"/>
-          </p:nvPr>
-        </p:nvSpPr>
-        <p:spPr>
-          <a:xfrm>
-            <a:off x="360000" y="1620000"/>
-            <a:ext cx="7164328" cy="4479943"/>
-          </a:xfrm>
-        </p:spPr>
-        <p:txBody>
-          <a:bodyPr/>
-          <a:lstStyle/>
-          <a:p>
-            <a:r>
-              <a:rPr lang="de-DE" dirty="0"/>
-              <a:t>Grundlagen der Thermodynamik und von Wirkungsgraden</a:t>
-            </a:r>
-          </a:p>
-          <a:p>
-            <a:r>
-              <a:rPr lang="de-DE" dirty="0"/>
-              <a:t>Aachen-Turbine</a:t>
-            </a:r>
-          </a:p>
-          <a:p>
-            <a:r>
-              <a:rPr lang="de-DE" dirty="0"/>
-              <a:t>Kanalströmung</a:t>
-            </a:r>
-          </a:p>
-          <a:p>
-            <a:r>
-              <a:rPr lang="de-DE" dirty="0"/>
-              <a:t>Auswertungstool für Gitterstudien</a:t>
-            </a:r>
-          </a:p>
-          <a:p>
-            <a:r>
-              <a:rPr lang="de-DE" dirty="0"/>
-              <a:t>Fazit</a:t>
-            </a:r>
-          </a:p>
-          <a:p>
-            <a:pPr lvl="1"/>
-            <a:endParaRPr lang="de-DE" dirty="0"/>
-          </a:p>
-        </p:txBody>
-      </p:sp>
-    </p:spTree>
-    <p:extLst>
-      <p:ext uri="{BB962C8B-B14F-4D97-AF65-F5344CB8AC3E}">
-        <p14:creationId xmlns:p14="http://schemas.microsoft.com/office/powerpoint/2010/main" val="3165109670"/>
-      </p:ext>
-    </p:extLst>
-  </p:cSld>
-  <p:clrMapOvr>
-    <a:masterClrMapping/>
-  </p:clrMapOvr>
-  <p:timing>
-    <p:tnLst>
-      <p:par>
-        <p:cTn id="1" dur="indefinite" restart="never" nodeType="tmRoot"/>
-      </p:par>
-    </p:tnLst>
-  </p:timing>
 </p:sld>
 </file>
 
@@ -10248,8 +11125,13 @@
           <a:p>
             <a:r>
               <a:rPr lang="de-DE" dirty="0"/>
-              <a:t>Aachen-Turbine: Vorgehen</a:t>
-            </a:r>
+              <a:t>Aachen-Turbine: </a:t>
+            </a:r>
+            <a:r>
+              <a:rPr lang="de-DE" dirty="0" smtClean="0"/>
+              <a:t>Vorgehen (1)</a:t>
+            </a:r>
+            <a:endParaRPr lang="de-DE" dirty="0"/>
           </a:p>
         </p:txBody>
       </p:sp>
@@ -10269,41 +11151,83 @@
             <p:ph idx="1"/>
           </p:nvPr>
         </p:nvSpPr>
-        <p:spPr/>
-        <p:txBody>
-          <a:bodyPr/>
-          <a:lstStyle/>
-          <a:p>
-            <a:r>
-              <a:rPr lang="de-DE" dirty="0"/>
-              <a:t>Spaltverfeinerungen</a:t>
-            </a:r>
-          </a:p>
-          <a:p>
-            <a:r>
-              <a:rPr lang="de-DE" dirty="0"/>
-              <a:t>Y+</a:t>
-            </a:r>
-          </a:p>
-          <a:p>
-            <a:r>
-              <a:rPr lang="de-DE" dirty="0"/>
-              <a:t>Gitterstudie + </a:t>
-            </a:r>
-            <a:r>
-              <a:rPr lang="de-DE" dirty="0" err="1"/>
-              <a:t>abbildung</a:t>
-            </a:r>
-            <a:endParaRPr lang="de-DE" dirty="0"/>
-          </a:p>
-          <a:p>
-            <a:r>
-              <a:rPr lang="de-DE" dirty="0"/>
-              <a:t>Ziel: netzunabhängige </a:t>
-            </a:r>
-            <a:r>
-              <a:rPr lang="de-DE" dirty="0" err="1"/>
-              <a:t>ergebnisse</a:t>
+        <p:spPr>
+          <a:xfrm>
+            <a:off x="360000" y="1620001"/>
+            <a:ext cx="6823569" cy="4329280"/>
+          </a:xfrm>
+        </p:spPr>
+        <p:txBody>
+          <a:bodyPr/>
+          <a:lstStyle/>
+          <a:p>
+            <a:r>
+              <a:rPr lang="de-DE" dirty="0" smtClean="0"/>
+              <a:t>Erstellung eines Referenzgitters mit AutoGrid</a:t>
+            </a:r>
+            <a:r>
+              <a:rPr lang="de-DE" dirty="0" smtClean="0"/>
+              <a:t>5</a:t>
+            </a:r>
+          </a:p>
+          <a:p>
+            <a:r>
+              <a:rPr lang="de-DE" dirty="0" smtClean="0"/>
+              <a:t>Manuelle Optimierung für ausreichend gute Netzqualität:</a:t>
+            </a:r>
+          </a:p>
+          <a:p>
+            <a:pPr lvl="2"/>
+            <a:r>
+              <a:rPr lang="de-DE" dirty="0" smtClean="0"/>
+              <a:t>Keine negativen Kontrollvolumen</a:t>
+            </a:r>
+          </a:p>
+          <a:p>
+            <a:pPr lvl="2"/>
+            <a:r>
+              <a:rPr lang="de-DE" dirty="0" smtClean="0"/>
+              <a:t>Kleinster Winkel einer Zelle &gt; 20°</a:t>
+            </a:r>
+          </a:p>
+          <a:p>
+            <a:pPr lvl="2"/>
+            <a:r>
+              <a:rPr lang="de-DE" dirty="0" smtClean="0"/>
+              <a:t>Expansion </a:t>
+            </a:r>
+            <a:r>
+              <a:rPr lang="de-DE" dirty="0" err="1" smtClean="0"/>
+              <a:t>ratio</a:t>
+            </a:r>
+            <a:r>
+              <a:rPr lang="de-DE" dirty="0" smtClean="0"/>
+              <a:t> &lt; 3</a:t>
+            </a:r>
+          </a:p>
+          <a:p>
+            <a:pPr lvl="2"/>
+            <a:r>
+              <a:rPr lang="de-DE" dirty="0" err="1" smtClean="0"/>
+              <a:t>Aspect</a:t>
+            </a:r>
+            <a:r>
+              <a:rPr lang="de-DE" dirty="0" smtClean="0"/>
+              <a:t> </a:t>
+            </a:r>
+            <a:r>
+              <a:rPr lang="de-DE" dirty="0" err="1" smtClean="0"/>
+              <a:t>ratio</a:t>
+            </a:r>
+            <a:r>
+              <a:rPr lang="de-DE" dirty="0" smtClean="0"/>
+              <a:t> &lt; 1500</a:t>
+            </a:r>
+          </a:p>
+          <a:p>
+            <a:r>
+              <a:rPr lang="de-DE" dirty="0" smtClean="0"/>
+              <a:t>Spaltverfeinerung</a:t>
             </a:r>
             <a:endParaRPr lang="de-DE" dirty="0"/>
           </a:p>
@@ -10344,7 +11268,7 @@
           <p:cNvPr id="2" name="Titel 1">
             <a:extLst>
               <a:ext uri="{FF2B5EF4-FFF2-40B4-BE49-F238E27FC236}">
-                <a16:creationId xmlns="" xmlns:a16="http://schemas.microsoft.com/office/drawing/2014/main" id="{E94AB448-E08C-4FC1-AAC0-98431019A5B8}"/>
+                <a16:creationId xmlns="" xmlns:a16="http://schemas.microsoft.com/office/drawing/2014/main" id="{094F379C-23F4-4D35-86D6-1D1C29CAB88B}"/>
               </a:ext>
             </a:extLst>
           </p:cNvPr>
@@ -10362,108 +11286,303 @@
           <a:p>
             <a:r>
               <a:rPr lang="de-DE" dirty="0"/>
-              <a:t>Aachen-Turbine: Wirkungsgrade -</a:t>
-            </a:r>
-            <a:r>
-              <a:rPr lang="de-DE" dirty="0" err="1"/>
-              <a:t>vllt</a:t>
+              <a:t>Aachen-Turbine: </a:t>
+            </a:r>
+            <a:r>
+              <a:rPr lang="de-DE" dirty="0" smtClean="0"/>
+              <a:t>Vorgehen (2)</a:t>
             </a:r>
             <a:endParaRPr lang="de-DE" dirty="0"/>
           </a:p>
         </p:txBody>
       </p:sp>
-      <p:sp>
-        <p:nvSpPr>
-          <p:cNvPr id="3" name="Inhaltsplatzhalter 2">
-            <a:extLst>
-              <a:ext uri="{FF2B5EF4-FFF2-40B4-BE49-F238E27FC236}">
-                <a16:creationId xmlns="" xmlns:a16="http://schemas.microsoft.com/office/drawing/2014/main" id="{EE905004-B708-4F44-A14B-50934B89FAB0}"/>
-              </a:ext>
-            </a:extLst>
-          </p:cNvPr>
-          <p:cNvSpPr>
-            <a:spLocks noGrp="1"/>
-          </p:cNvSpPr>
-          <p:nvPr>
-            <p:ph idx="1"/>
-          </p:nvPr>
-        </p:nvSpPr>
-        <p:spPr/>
-        <p:txBody>
-          <a:bodyPr/>
-          <a:lstStyle/>
-          <a:p>
-            <a:r>
-              <a:rPr lang="de-DE" dirty="0"/>
-              <a:t>Tabelle strukturiert, unstrukturiert</a:t>
-            </a:r>
-          </a:p>
-          <a:p>
-            <a:r>
-              <a:rPr lang="de-DE" dirty="0"/>
-              <a:t>Hinweis auf Oberflächennetz</a:t>
-            </a:r>
-          </a:p>
-          <a:p>
-            <a:r>
-              <a:rPr lang="de-DE" dirty="0"/>
-              <a:t>Überleitung zu Kanal mit Sprung in der </a:t>
-            </a:r>
-            <a:r>
-              <a:rPr lang="de-DE" dirty="0" err="1"/>
-              <a:t>cfx</a:t>
-            </a:r>
-            <a:r>
-              <a:rPr lang="de-DE" dirty="0"/>
-              <a:t> </a:t>
-            </a:r>
-            <a:r>
-              <a:rPr lang="de-DE" dirty="0" err="1"/>
-              <a:t>cp</a:t>
-            </a:r>
-            <a:r>
-              <a:rPr lang="de-DE" dirty="0"/>
-              <a:t> </a:t>
-            </a:r>
-            <a:r>
-              <a:rPr lang="de-DE" dirty="0" err="1"/>
-              <a:t>tt</a:t>
-            </a:r>
-            <a:r>
-              <a:rPr lang="de-DE" dirty="0"/>
-              <a:t> </a:t>
-            </a:r>
-            <a:r>
-              <a:rPr lang="de-DE" dirty="0" err="1"/>
-              <a:t>wirkunsgrad</a:t>
-            </a:r>
-            <a:r>
-              <a:rPr lang="de-DE" dirty="0"/>
-              <a:t> -&gt; </a:t>
-            </a:r>
-            <a:r>
-              <a:rPr lang="de-DE" dirty="0" err="1"/>
-              <a:t>einfluss</a:t>
-            </a:r>
-            <a:r>
-              <a:rPr lang="de-DE" dirty="0"/>
-              <a:t> </a:t>
-            </a:r>
-            <a:r>
-              <a:rPr lang="de-DE" dirty="0" err="1"/>
-              <a:t>mixing</a:t>
-            </a:r>
-            <a:r>
-              <a:rPr lang="de-DE" dirty="0"/>
-              <a:t> plane</a:t>
-            </a:r>
-          </a:p>
-        </p:txBody>
-      </p:sp>
+      <mc:AlternateContent xmlns:mc="http://schemas.openxmlformats.org/markup-compatibility/2006">
+        <mc:Choice xmlns:a14="http://schemas.microsoft.com/office/drawing/2010/main" Requires="a14">
+          <p:sp>
+            <p:nvSpPr>
+              <p:cNvPr id="3" name="Inhaltsplatzhalter 2">
+                <a:extLst>
+                  <a:ext uri="{FF2B5EF4-FFF2-40B4-BE49-F238E27FC236}">
+                    <a16:creationId xmlns="" xmlns:a16="http://schemas.microsoft.com/office/drawing/2014/main" id="{1C3E671A-136E-4360-89A9-AD9DB1ED1606}"/>
+                  </a:ext>
+                </a:extLst>
+              </p:cNvPr>
+              <p:cNvSpPr>
+                <a:spLocks noGrp="1"/>
+              </p:cNvSpPr>
+              <p:nvPr>
+                <p:ph idx="1"/>
+              </p:nvPr>
+            </p:nvSpPr>
+            <p:spPr>
+              <a:xfrm>
+                <a:off x="360000" y="1620001"/>
+                <a:ext cx="8244448" cy="4329280"/>
+              </a:xfrm>
+            </p:spPr>
+            <p:txBody>
+              <a:bodyPr/>
+              <a:lstStyle/>
+              <a:p>
+                <a:r>
+                  <a:rPr lang="de-DE" dirty="0" smtClean="0"/>
+                  <a:t>Einstellen der Grenzschichtdicke</a:t>
+                </a:r>
+              </a:p>
+              <a:p>
+                <a:pPr lvl="2"/>
+                <a:r>
+                  <a:rPr lang="de-DE" dirty="0" smtClean="0"/>
+                  <a:t>Bestimmung von </a:t>
+                </a:r>
+                <a14:m>
+                  <m:oMath xmlns:m="http://schemas.openxmlformats.org/officeDocument/2006/math">
+                    <m:sSup>
+                      <m:sSupPr>
+                        <m:ctrlPr>
+                          <a:rPr lang="de-DE" i="1" smtClean="0">
+                            <a:latin typeface="Cambria Math" charset="0"/>
+                          </a:rPr>
+                        </m:ctrlPr>
+                      </m:sSupPr>
+                      <m:e>
+                        <m:r>
+                          <a:rPr lang="de-DE" b="0" i="1" smtClean="0">
+                            <a:latin typeface="Cambria Math" charset="0"/>
+                          </a:rPr>
+                          <m:t>𝑦</m:t>
+                        </m:r>
+                      </m:e>
+                      <m:sup>
+                        <m:r>
+                          <a:rPr lang="de-DE" b="0" i="1" smtClean="0">
+                            <a:latin typeface="Cambria Math" charset="0"/>
+                          </a:rPr>
+                          <m:t>+</m:t>
+                        </m:r>
+                      </m:sup>
+                    </m:sSup>
+                  </m:oMath>
+                </a14:m>
+                <a:r>
+                  <a:rPr lang="de-DE" dirty="0" smtClean="0"/>
+                  <a:t>durch iteratives Ausprobieren</a:t>
+                </a:r>
+              </a:p>
+              <a:p>
+                <a:pPr lvl="2"/>
+                <a:r>
+                  <a:rPr lang="de-DE" dirty="0" smtClean="0"/>
+                  <a:t>Ergebnis: im kompletten Simulationsgebiet </a:t>
+                </a:r>
+                <a14:m>
+                  <m:oMath xmlns:m="http://schemas.openxmlformats.org/officeDocument/2006/math">
+                    <m:r>
+                      <a:rPr lang="de-DE" b="0" i="1" smtClean="0">
+                        <a:latin typeface="Cambria Math" charset="0"/>
+                      </a:rPr>
+                      <m:t>0.3 </m:t>
+                    </m:r>
+                    <m:r>
+                      <a:rPr lang="de-DE" b="0" i="1" smtClean="0">
+                        <a:latin typeface="Cambria Math" charset="0"/>
+                        <a:ea typeface="Cambria Math" charset="0"/>
+                        <a:cs typeface="Cambria Math" charset="0"/>
+                      </a:rPr>
+                      <m:t>≤</m:t>
+                    </m:r>
+                    <m:sSup>
+                      <m:sSupPr>
+                        <m:ctrlPr>
+                          <a:rPr lang="de-DE" i="1">
+                            <a:latin typeface="Cambria Math" charset="0"/>
+                          </a:rPr>
+                        </m:ctrlPr>
+                      </m:sSupPr>
+                      <m:e>
+                        <m:r>
+                          <a:rPr lang="de-DE" i="1">
+                            <a:latin typeface="Cambria Math" charset="0"/>
+                          </a:rPr>
+                          <m:t>𝑦</m:t>
+                        </m:r>
+                      </m:e>
+                      <m:sup>
+                        <m:r>
+                          <a:rPr lang="de-DE" i="1">
+                            <a:latin typeface="Cambria Math" charset="0"/>
+                          </a:rPr>
+                          <m:t>+</m:t>
+                        </m:r>
+                      </m:sup>
+                    </m:sSup>
+                    <m:r>
+                      <a:rPr lang="de-DE" b="0" i="1" smtClean="0">
+                        <a:latin typeface="Cambria Math" charset="0"/>
+                      </a:rPr>
+                      <m:t> </m:t>
+                    </m:r>
+                    <m:r>
+                      <a:rPr lang="de-DE" b="0" i="1" smtClean="0">
+                        <a:latin typeface="Cambria Math" charset="0"/>
+                        <a:ea typeface="Cambria Math" charset="0"/>
+                        <a:cs typeface="Cambria Math" charset="0"/>
+                      </a:rPr>
+                      <m:t>≤3.0</m:t>
+                    </m:r>
+                    <m:r>
+                      <a:rPr lang="de-DE" b="0" i="0" smtClean="0">
+                        <a:latin typeface="Cambria Math" charset="0"/>
+                        <a:ea typeface="Cambria Math" charset="0"/>
+                        <a:cs typeface="Cambria Math" charset="0"/>
+                      </a:rPr>
+                      <m:t> </m:t>
+                    </m:r>
+                  </m:oMath>
+                </a14:m>
+                <a:r>
+                  <a:rPr lang="de-DE" dirty="0" smtClean="0"/>
+                  <a:t>und in großen Teilen des Simulationsgebiets </a:t>
+                </a:r>
+                <a14:m>
+                  <m:oMath xmlns:m="http://schemas.openxmlformats.org/officeDocument/2006/math">
+                    <m:r>
+                      <a:rPr lang="de-DE" i="1">
+                        <a:latin typeface="Cambria Math" charset="0"/>
+                      </a:rPr>
+                      <m:t>0.</m:t>
+                    </m:r>
+                    <m:r>
+                      <a:rPr lang="de-DE" b="0" i="1" smtClean="0">
+                        <a:latin typeface="Cambria Math" charset="0"/>
+                      </a:rPr>
+                      <m:t>7</m:t>
+                    </m:r>
+                    <m:r>
+                      <a:rPr lang="de-DE" i="1">
+                        <a:latin typeface="Cambria Math" charset="0"/>
+                      </a:rPr>
+                      <m:t> </m:t>
+                    </m:r>
+                    <m:r>
+                      <a:rPr lang="de-DE" i="1">
+                        <a:latin typeface="Cambria Math" charset="0"/>
+                        <a:ea typeface="Cambria Math" charset="0"/>
+                        <a:cs typeface="Cambria Math" charset="0"/>
+                      </a:rPr>
+                      <m:t>≤</m:t>
+                    </m:r>
+                    <m:sSup>
+                      <m:sSupPr>
+                        <m:ctrlPr>
+                          <a:rPr lang="de-DE" i="1">
+                            <a:latin typeface="Cambria Math" charset="0"/>
+                          </a:rPr>
+                        </m:ctrlPr>
+                      </m:sSupPr>
+                      <m:e>
+                        <m:r>
+                          <a:rPr lang="de-DE" i="1">
+                            <a:latin typeface="Cambria Math" charset="0"/>
+                          </a:rPr>
+                          <m:t>𝑦</m:t>
+                        </m:r>
+                      </m:e>
+                      <m:sup>
+                        <m:r>
+                          <a:rPr lang="de-DE" i="1">
+                            <a:latin typeface="Cambria Math" charset="0"/>
+                          </a:rPr>
+                          <m:t>+</m:t>
+                        </m:r>
+                      </m:sup>
+                    </m:sSup>
+                    <m:r>
+                      <a:rPr lang="de-DE" i="1">
+                        <a:latin typeface="Cambria Math" charset="0"/>
+                      </a:rPr>
+                      <m:t> </m:t>
+                    </m:r>
+                    <m:r>
+                      <a:rPr lang="de-DE" i="1">
+                        <a:latin typeface="Cambria Math" charset="0"/>
+                        <a:ea typeface="Cambria Math" charset="0"/>
+                        <a:cs typeface="Cambria Math" charset="0"/>
+                      </a:rPr>
+                      <m:t>≤</m:t>
+                    </m:r>
+                    <m:r>
+                      <a:rPr lang="de-DE" b="0" i="1" smtClean="0">
+                        <a:latin typeface="Cambria Math" charset="0"/>
+                        <a:ea typeface="Cambria Math" charset="0"/>
+                        <a:cs typeface="Cambria Math" charset="0"/>
+                      </a:rPr>
+                      <m:t>1.2</m:t>
+                    </m:r>
+                  </m:oMath>
+                </a14:m>
+                <a:endParaRPr lang="de-DE" dirty="0"/>
+              </a:p>
+              <a:p>
+                <a:r>
+                  <a:rPr lang="de-DE" dirty="0" smtClean="0">
+                    <a:sym typeface="Wingdings"/>
+                  </a:rPr>
+                  <a:t> Referenzgitter mit guter Gitterqualität und korrekter Grenzschichtdicke vorhanden</a:t>
+                </a:r>
+                <a:endParaRPr lang="de-DE" dirty="0" smtClean="0"/>
+              </a:p>
+            </p:txBody>
+          </p:sp>
+        </mc:Choice>
+        <mc:Fallback>
+          <p:sp>
+            <p:nvSpPr>
+              <p:cNvPr id="3" name="Inhaltsplatzhalter 2">
+                <a:extLst>
+                  <a:ext uri="{FF2B5EF4-FFF2-40B4-BE49-F238E27FC236}">
+                    <a16:creationId xmlns="" xmlns:a16="http://schemas.microsoft.com/office/drawing/2014/main" id="{1C3E671A-136E-4360-89A9-AD9DB1ED1606}"/>
+                  </a:ext>
+                </a:extLst>
+              </p:cNvPr>
+              <p:cNvSpPr>
+                <a:spLocks noGrp="1" noRot="1" noChangeAspect="1" noMove="1" noResize="1" noEditPoints="1" noAdjustHandles="1" noChangeArrowheads="1" noChangeShapeType="1" noTextEdit="1"/>
+              </p:cNvSpPr>
+              <p:nvPr>
+                <p:ph idx="1"/>
+              </p:nvPr>
+            </p:nvSpPr>
+            <p:spPr>
+              <a:xfrm>
+                <a:off x="360000" y="1620001"/>
+                <a:ext cx="8244448" cy="4329280"/>
+              </a:xfrm>
+              <a:blipFill rotWithShape="0">
+                <a:blip r:embed="rId3"/>
+                <a:stretch>
+                  <a:fillRect l="-1775"/>
+                </a:stretch>
+              </a:blipFill>
+            </p:spPr>
+            <p:txBody>
+              <a:bodyPr/>
+              <a:lstStyle/>
+              <a:p>
+                <a:r>
+                  <a:rPr lang="de-DE">
+                    <a:noFill/>
+                  </a:rPr>
+                  <a:t> </a:t>
+                </a:r>
+              </a:p>
+            </p:txBody>
+          </p:sp>
+        </mc:Fallback>
+      </mc:AlternateContent>
     </p:spTree>
     <p:extLst>
       <p:ext uri="{BB962C8B-B14F-4D97-AF65-F5344CB8AC3E}">
-        <p14:creationId xmlns:p14="http://schemas.microsoft.com/office/powerpoint/2010/main" val="4152841154"/>
+        <p14:creationId xmlns:p14="http://schemas.microsoft.com/office/powerpoint/2010/main" val="1039776186"/>
       </p:ext>
     </p:extLst>
   </p:cSld>

--- a/Präsentation/Abschluss_Präsentation_Markus.pptx
+++ b/Präsentation/Abschluss_Präsentation_Markus.pptx
@@ -303,7 +303,7 @@
             <a:fld id="{A32DC80D-291A-4ABB-A78B-0417274A267C}" type="datetime4">
               <a:rPr lang="de-DE"/>
               <a:pPr/>
-              <a:t>6. Juli 2017</a:t>
+              <a:t>7. Juli 2017</a:t>
             </a:fld>
             <a:endParaRPr lang="de-DE"/>
           </a:p>
@@ -686,7 +686,7 @@
             <a:fld id="{065B079B-E513-489A-8A1B-D7C78493EA86}" type="datetime4">
               <a:rPr lang="de-DE"/>
               <a:pPr/>
-              <a:t>6. Juli 2017</a:t>
+              <a:t>7. Juli 2017</a:t>
             </a:fld>
             <a:endParaRPr lang="de-DE"/>
           </a:p>
@@ -1324,7 +1324,7 @@
             <a:fld id="{065B079B-E513-489A-8A1B-D7C78493EA86}" type="datetime4">
               <a:rPr lang="de-DE" smtClean="0"/>
               <a:pPr/>
-              <a:t>6. Juli 2017</a:t>
+              <a:t>7. Juli 2017</a:t>
             </a:fld>
             <a:endParaRPr lang="de-DE"/>
           </a:p>
@@ -1467,7 +1467,7 @@
             <a:fld id="{065B079B-E513-489A-8A1B-D7C78493EA86}" type="datetime4">
               <a:rPr lang="de-DE" smtClean="0"/>
               <a:pPr/>
-              <a:t>6. Juli 2017</a:t>
+              <a:t>7. Juli 2017</a:t>
             </a:fld>
             <a:endParaRPr lang="de-DE"/>
           </a:p>
@@ -1610,7 +1610,7 @@
             <a:fld id="{065B079B-E513-489A-8A1B-D7C78493EA86}" type="datetime4">
               <a:rPr lang="de-DE" smtClean="0"/>
               <a:pPr/>
-              <a:t>6. Juli 2017</a:t>
+              <a:t>7. Juli 2017</a:t>
             </a:fld>
             <a:endParaRPr lang="de-DE"/>
           </a:p>
@@ -1750,7 +1750,7 @@
             <a:fld id="{065B079B-E513-489A-8A1B-D7C78493EA86}" type="datetime4">
               <a:rPr lang="de-DE" smtClean="0"/>
               <a:pPr/>
-              <a:t>6. Juli 2017</a:t>
+              <a:t>7. Juli 2017</a:t>
             </a:fld>
             <a:endParaRPr lang="de-DE"/>
           </a:p>
@@ -1894,7 +1894,7 @@
             <a:fld id="{065B079B-E513-489A-8A1B-D7C78493EA86}" type="datetime4">
               <a:rPr lang="de-DE" smtClean="0"/>
               <a:pPr/>
-              <a:t>6. Juli 2017</a:t>
+              <a:t>7. Juli 2017</a:t>
             </a:fld>
             <a:endParaRPr lang="de-DE"/>
           </a:p>
@@ -2038,7 +2038,7 @@
             <a:fld id="{065B079B-E513-489A-8A1B-D7C78493EA86}" type="datetime4">
               <a:rPr lang="de-DE" smtClean="0"/>
               <a:pPr/>
-              <a:t>6. Juli 2017</a:t>
+              <a:t>7. Juli 2017</a:t>
             </a:fld>
             <a:endParaRPr lang="de-DE"/>
           </a:p>
@@ -2182,7 +2182,7 @@
             <a:fld id="{065B079B-E513-489A-8A1B-D7C78493EA86}" type="datetime4">
               <a:rPr lang="de-DE" smtClean="0"/>
               <a:pPr/>
-              <a:t>6. Juli 2017</a:t>
+              <a:t>7. Juli 2017</a:t>
             </a:fld>
             <a:endParaRPr lang="de-DE"/>
           </a:p>
@@ -2325,7 +2325,7 @@
             <a:fld id="{065B079B-E513-489A-8A1B-D7C78493EA86}" type="datetime4">
               <a:rPr lang="de-DE" smtClean="0"/>
               <a:pPr/>
-              <a:t>6. Juli 2017</a:t>
+              <a:t>7. Juli 2017</a:t>
             </a:fld>
             <a:endParaRPr lang="de-DE"/>
           </a:p>
@@ -2468,7 +2468,7 @@
             <a:fld id="{065B079B-E513-489A-8A1B-D7C78493EA86}" type="datetime4">
               <a:rPr lang="de-DE" smtClean="0"/>
               <a:pPr/>
-              <a:t>6. Juli 2017</a:t>
+              <a:t>7. Juli 2017</a:t>
             </a:fld>
             <a:endParaRPr lang="de-DE"/>
           </a:p>
@@ -2611,7 +2611,7 @@
             <a:fld id="{065B079B-E513-489A-8A1B-D7C78493EA86}" type="datetime4">
               <a:rPr lang="de-DE" smtClean="0"/>
               <a:pPr/>
-              <a:t>6. Juli 2017</a:t>
+              <a:t>7. Juli 2017</a:t>
             </a:fld>
             <a:endParaRPr lang="de-DE"/>
           </a:p>
@@ -2760,7 +2760,7 @@
             <a:fld id="{065B079B-E513-489A-8A1B-D7C78493EA86}" type="datetime4">
               <a:rPr lang="de-DE" smtClean="0"/>
               <a:pPr/>
-              <a:t>6. Juli 2017</a:t>
+              <a:t>7. Juli 2017</a:t>
             </a:fld>
             <a:endParaRPr lang="de-DE"/>
           </a:p>
@@ -2903,7 +2903,7 @@
             <a:fld id="{065B079B-E513-489A-8A1B-D7C78493EA86}" type="datetime4">
               <a:rPr lang="de-DE" smtClean="0"/>
               <a:pPr/>
-              <a:t>6. Juli 2017</a:t>
+              <a:t>7. Juli 2017</a:t>
             </a:fld>
             <a:endParaRPr lang="de-DE"/>
           </a:p>
@@ -3134,7 +3134,7 @@
             <a:fld id="{065B079B-E513-489A-8A1B-D7C78493EA86}" type="datetime4">
               <a:rPr lang="de-DE" smtClean="0"/>
               <a:pPr/>
-              <a:t>6. Juli 2017</a:t>
+              <a:t>7. Juli 2017</a:t>
             </a:fld>
             <a:endParaRPr lang="de-DE"/>
           </a:p>
@@ -3278,7 +3278,7 @@
             <a:fld id="{065B079B-E513-489A-8A1B-D7C78493EA86}" type="datetime4">
               <a:rPr lang="de-DE" smtClean="0"/>
               <a:pPr/>
-              <a:t>6. Juli 2017</a:t>
+              <a:t>7. Juli 2017</a:t>
             </a:fld>
             <a:endParaRPr lang="de-DE"/>
           </a:p>
@@ -3422,7 +3422,7 @@
             <a:fld id="{065B079B-E513-489A-8A1B-D7C78493EA86}" type="datetime4">
               <a:rPr lang="de-DE" smtClean="0"/>
               <a:pPr/>
-              <a:t>6. Juli 2017</a:t>
+              <a:t>7. Juli 2017</a:t>
             </a:fld>
             <a:endParaRPr lang="de-DE"/>
           </a:p>
@@ -3565,7 +3565,7 @@
             <a:fld id="{065B079B-E513-489A-8A1B-D7C78493EA86}" type="datetime4">
               <a:rPr lang="de-DE" smtClean="0"/>
               <a:pPr/>
-              <a:t>6. Juli 2017</a:t>
+              <a:t>7. Juli 2017</a:t>
             </a:fld>
             <a:endParaRPr lang="de-DE"/>
           </a:p>
@@ -3708,7 +3708,7 @@
             <a:fld id="{065B079B-E513-489A-8A1B-D7C78493EA86}" type="datetime4">
               <a:rPr lang="de-DE" smtClean="0"/>
               <a:pPr/>
-              <a:t>6. Juli 2017</a:t>
+              <a:t>7. Juli 2017</a:t>
             </a:fld>
             <a:endParaRPr lang="de-DE"/>
           </a:p>
@@ -3851,7 +3851,7 @@
             <a:fld id="{065B079B-E513-489A-8A1B-D7C78493EA86}" type="datetime4">
               <a:rPr lang="de-DE" smtClean="0"/>
               <a:pPr/>
-              <a:t>6. Juli 2017</a:t>
+              <a:t>7. Juli 2017</a:t>
             </a:fld>
             <a:endParaRPr lang="de-DE"/>
           </a:p>
@@ -3994,7 +3994,7 @@
             <a:fld id="{065B079B-E513-489A-8A1B-D7C78493EA86}" type="datetime4">
               <a:rPr lang="de-DE" smtClean="0"/>
               <a:pPr/>
-              <a:t>6. Juli 2017</a:t>
+              <a:t>7. Juli 2017</a:t>
             </a:fld>
             <a:endParaRPr lang="de-DE"/>
           </a:p>
@@ -4430,7 +4430,7 @@
                 <a:tabLst/>
                 <a:defRPr/>
               </a:pPr>
-              <a:t>06.07.17</a:t>
+              <a:t>07.07.17</a:t>
             </a:fld>
             <a:r>
               <a:rPr kumimoji="0" lang="de-DE" sz="1000" b="0" i="0" u="none" strike="noStrike" kern="1200" cap="none" spc="0" normalizeH="0" baseline="0" noProof="0" dirty="0">
@@ -4876,7 +4876,7 @@
                 <a:tabLst/>
                 <a:defRPr/>
               </a:pPr>
-              <a:t>06.07.17</a:t>
+              <a:t>07.07.17</a:t>
             </a:fld>
             <a:r>
               <a:rPr kumimoji="0" lang="de-DE" sz="1000" b="0" i="0" u="none" strike="noStrike" kern="1200" cap="none" spc="0" normalizeH="0" baseline="0" noProof="0" dirty="0">
@@ -6579,7 +6579,7 @@
                 <a:tabLst/>
                 <a:defRPr/>
               </a:pPr>
-              <a:t>06.07.17</a:t>
+              <a:t>07.07.17</a:t>
             </a:fld>
             <a:r>
               <a:rPr kumimoji="0" lang="de-DE" sz="1000" b="0" i="0" u="none" strike="noStrike" kern="1200" cap="none" spc="0" normalizeH="0" baseline="0" noProof="0" dirty="0">
@@ -7298,7 +7298,7 @@
           <p:cNvPr id="4" name="Grafik 3">
             <a:extLst>
               <a:ext uri="{FF2B5EF4-FFF2-40B4-BE49-F238E27FC236}">
-                <a16:creationId xmlns="" xmlns:a16="http://schemas.microsoft.com/office/drawing/2014/main" id="{18A4F8C9-BC47-4597-A341-7BD061B63621}"/>
+                <a16:creationId xmlns:a16="http://schemas.microsoft.com/office/drawing/2014/main" xmlns="" id="{18A4F8C9-BC47-4597-A341-7BD061B63621}"/>
               </a:ext>
             </a:extLst>
           </p:cNvPr>
@@ -7328,7 +7328,7 @@
           <p:cNvPr id="8" name="Gerade Verbindung mit Pfeil 7">
             <a:extLst>
               <a:ext uri="{FF2B5EF4-FFF2-40B4-BE49-F238E27FC236}">
-                <a16:creationId xmlns="" xmlns:a16="http://schemas.microsoft.com/office/drawing/2014/main" id="{6AEE5332-9F2B-40A4-B03C-0CA4C32B5711}"/>
+                <a16:creationId xmlns:a16="http://schemas.microsoft.com/office/drawing/2014/main" xmlns="" id="{6AEE5332-9F2B-40A4-B03C-0CA4C32B5711}"/>
               </a:ext>
             </a:extLst>
           </p:cNvPr>
@@ -7372,7 +7372,7 @@
           <p:cNvPr id="9" name="Rechteck 8">
             <a:extLst>
               <a:ext uri="{FF2B5EF4-FFF2-40B4-BE49-F238E27FC236}">
-                <a16:creationId xmlns="" xmlns:a16="http://schemas.microsoft.com/office/drawing/2014/main" id="{3778A54C-BCC7-4667-8D22-D645A2858F58}"/>
+                <a16:creationId xmlns:a16="http://schemas.microsoft.com/office/drawing/2014/main" xmlns="" id="{3778A54C-BCC7-4667-8D22-D645A2858F58}"/>
               </a:ext>
             </a:extLst>
           </p:cNvPr>
@@ -7461,7 +7461,7 @@
           <p:cNvPr id="2" name="Titel 1">
             <a:extLst>
               <a:ext uri="{FF2B5EF4-FFF2-40B4-BE49-F238E27FC236}">
-                <a16:creationId xmlns="" xmlns:a16="http://schemas.microsoft.com/office/drawing/2014/main" id="{094F379C-23F4-4D35-86D6-1D1C29CAB88B}"/>
+                <a16:creationId xmlns:a16="http://schemas.microsoft.com/office/drawing/2014/main" xmlns="" id="{094F379C-23F4-4D35-86D6-1D1C29CAB88B}"/>
               </a:ext>
             </a:extLst>
           </p:cNvPr>
@@ -7494,7 +7494,7 @@
           <p:cNvPr id="3" name="Inhaltsplatzhalter 2">
             <a:extLst>
               <a:ext uri="{FF2B5EF4-FFF2-40B4-BE49-F238E27FC236}">
-                <a16:creationId xmlns="" xmlns:a16="http://schemas.microsoft.com/office/drawing/2014/main" id="{1C3E671A-136E-4360-89A9-AD9DB1ED1606}"/>
+                <a16:creationId xmlns:a16="http://schemas.microsoft.com/office/drawing/2014/main" xmlns="" id="{1C3E671A-136E-4360-89A9-AD9DB1ED1606}"/>
               </a:ext>
             </a:extLst>
           </p:cNvPr>
@@ -7568,36 +7568,368 @@
           </a:p>
         </p:txBody>
       </p:sp>
-      <p:pic>
-        <p:nvPicPr>
-          <p:cNvPr id="4" name="Bild 3"/>
-          <p:cNvPicPr>
-            <a:picLocks noChangeAspect="1"/>
-          </p:cNvPicPr>
-          <p:nvPr/>
-        </p:nvPicPr>
-        <p:blipFill>
-          <a:blip r:embed="rId3">
+      <p:graphicFrame>
+        <p:nvGraphicFramePr>
+          <p:cNvPr id="5" name="Inhaltsplatzhalter 3">
             <a:extLst>
-              <a:ext uri="{28A0092B-C50C-407E-A947-70E740481C1C}">
-                <a14:useLocalDpi xmlns:a14="http://schemas.microsoft.com/office/drawing/2010/main" val="0"/>
+              <a:ext uri="{FF2B5EF4-FFF2-40B4-BE49-F238E27FC236}">
+                <a16:creationId xmlns:a16="http://schemas.microsoft.com/office/drawing/2014/main" xmlns="" id="{9BE0C4F1-2D7A-4179-9985-55CFEF4AB9EA}"/>
               </a:ext>
             </a:extLst>
-          </a:blip>
-          <a:stretch>
-            <a:fillRect/>
-          </a:stretch>
-        </p:blipFill>
-        <p:spPr>
-          <a:xfrm>
-            <a:off x="2158700" y="4213738"/>
-            <a:ext cx="4647048" cy="1728193"/>
-          </a:xfrm>
-          <a:prstGeom prst="rect">
-            <a:avLst/>
-          </a:prstGeom>
-        </p:spPr>
-      </p:pic>
+          </p:cNvPr>
+          <p:cNvGraphicFramePr>
+            <a:graphicFrameLocks/>
+          </p:cNvGraphicFramePr>
+          <p:nvPr>
+            <p:extLst>
+              <p:ext uri="{D42A27DB-BD31-4B8C-83A1-F6EECF244321}">
+                <p14:modId xmlns:p14="http://schemas.microsoft.com/office/powerpoint/2010/main" val="2099743581"/>
+              </p:ext>
+            </p:extLst>
+          </p:nvPr>
+        </p:nvGraphicFramePr>
+        <p:xfrm>
+          <a:off x="1061843" y="4353665"/>
+          <a:ext cx="6840761" cy="1523608"/>
+        </p:xfrm>
+        <a:graphic>
+          <a:graphicData uri="http://schemas.openxmlformats.org/drawingml/2006/table">
+            <a:tbl>
+              <a:tblPr firstRow="1" bandRow="1">
+                <a:tableStyleId>{93296810-A885-4BE3-A3E7-6D5BEEA58F35}</a:tableStyleId>
+              </a:tblPr>
+              <a:tblGrid>
+                <a:gridCol w="2470654">
+                  <a:extLst>
+                    <a:ext uri="{9D8B030D-6E8A-4147-A177-3AD203B41FA5}">
+                      <a16:colId xmlns:a16="http://schemas.microsoft.com/office/drawing/2014/main" xmlns="" val="20000"/>
+                    </a:ext>
+                  </a:extLst>
+                </a:gridCol>
+                <a:gridCol w="1417779">
+                  <a:extLst>
+                    <a:ext uri="{9D8B030D-6E8A-4147-A177-3AD203B41FA5}">
+                      <a16:colId xmlns:a16="http://schemas.microsoft.com/office/drawing/2014/main" xmlns="" val="20001"/>
+                    </a:ext>
+                  </a:extLst>
+                </a:gridCol>
+                <a:gridCol w="1512168">
+                  <a:extLst>
+                    <a:ext uri="{9D8B030D-6E8A-4147-A177-3AD203B41FA5}">
+                      <a16:colId xmlns:a16="http://schemas.microsoft.com/office/drawing/2014/main" xmlns="" val="2974703479"/>
+                    </a:ext>
+                  </a:extLst>
+                </a:gridCol>
+                <a:gridCol w="1440160"/>
+              </a:tblGrid>
+              <a:tr h="383496">
+                <a:tc>
+                  <a:txBody>
+                    <a:bodyPr/>
+                    <a:lstStyle/>
+                    <a:p>
+                      <a:r>
+                        <a:rPr lang="de-DE" dirty="0" smtClean="0"/>
+                        <a:t>Kenngröße</a:t>
+                      </a:r>
+                      <a:endParaRPr lang="de-DE" dirty="0"/>
+                    </a:p>
+                  </a:txBody>
+                  <a:tcPr>
+                    <a:solidFill>
+                      <a:srgbClr val="064E8A"/>
+                    </a:solidFill>
+                  </a:tcPr>
+                </a:tc>
+                <a:tc>
+                  <a:txBody>
+                    <a:bodyPr/>
+                    <a:lstStyle/>
+                    <a:p>
+                      <a:r>
+                        <a:rPr lang="de-DE" dirty="0" smtClean="0"/>
+                        <a:t>Stator1</a:t>
+                      </a:r>
+                      <a:endParaRPr lang="de-DE" dirty="0"/>
+                    </a:p>
+                  </a:txBody>
+                  <a:tcPr>
+                    <a:solidFill>
+                      <a:srgbClr val="064E8A"/>
+                    </a:solidFill>
+                  </a:tcPr>
+                </a:tc>
+                <a:tc>
+                  <a:txBody>
+                    <a:bodyPr/>
+                    <a:lstStyle/>
+                    <a:p>
+                      <a:r>
+                        <a:rPr lang="de-DE" dirty="0" smtClean="0"/>
+                        <a:t>Rotor</a:t>
+                      </a:r>
+                      <a:endParaRPr lang="de-DE" dirty="0"/>
+                    </a:p>
+                  </a:txBody>
+                  <a:tcPr>
+                    <a:solidFill>
+                      <a:srgbClr val="064E8A"/>
+                    </a:solidFill>
+                  </a:tcPr>
+                </a:tc>
+                <a:tc>
+                  <a:txBody>
+                    <a:bodyPr/>
+                    <a:lstStyle/>
+                    <a:p>
+                      <a:r>
+                        <a:rPr lang="de-DE" dirty="0" smtClean="0"/>
+                        <a:t>Stator2</a:t>
+                      </a:r>
+                      <a:endParaRPr lang="de-DE" dirty="0"/>
+                    </a:p>
+                  </a:txBody>
+                  <a:tcPr>
+                    <a:solidFill>
+                      <a:srgbClr val="064E8A"/>
+                    </a:solidFill>
+                  </a:tcPr>
+                </a:tc>
+                <a:extLst>
+                  <a:ext uri="{0D108BD9-81ED-4DB2-BD59-A6C34878D82A}">
+                    <a16:rowId xmlns:a16="http://schemas.microsoft.com/office/drawing/2014/main" xmlns="" val="10000"/>
+                  </a:ext>
+                </a:extLst>
+              </a:tr>
+              <a:tr h="408592">
+                <a:tc>
+                  <a:txBody>
+                    <a:bodyPr/>
+                    <a:lstStyle/>
+                    <a:p>
+                      <a:r>
+                        <a:rPr lang="de-DE" dirty="0" smtClean="0"/>
+                        <a:t>Min. Winkel [°]</a:t>
+                      </a:r>
+                      <a:endParaRPr lang="de-DE" dirty="0"/>
+                    </a:p>
+                  </a:txBody>
+                  <a:tcPr/>
+                </a:tc>
+                <a:tc>
+                  <a:txBody>
+                    <a:bodyPr/>
+                    <a:lstStyle/>
+                    <a:p>
+                      <a:pPr algn="ctr"/>
+                      <a:r>
+                        <a:rPr lang="de-DE" dirty="0" smtClean="0"/>
+                        <a:t>29.25</a:t>
+                      </a:r>
+                      <a:endParaRPr lang="de-DE" dirty="0"/>
+                    </a:p>
+                  </a:txBody>
+                  <a:tcPr/>
+                </a:tc>
+                <a:tc>
+                  <a:txBody>
+                    <a:bodyPr/>
+                    <a:lstStyle/>
+                    <a:p>
+                      <a:pPr algn="ctr"/>
+                      <a:r>
+                        <a:rPr lang="de-DE" dirty="0" smtClean="0"/>
+                        <a:t>25.75</a:t>
+                      </a:r>
+                      <a:endParaRPr lang="de-DE" dirty="0"/>
+                    </a:p>
+                  </a:txBody>
+                  <a:tcPr/>
+                </a:tc>
+                <a:tc>
+                  <a:txBody>
+                    <a:bodyPr/>
+                    <a:lstStyle/>
+                    <a:p>
+                      <a:pPr algn="ctr"/>
+                      <a:r>
+                        <a:rPr lang="de-DE" dirty="0" smtClean="0"/>
+                        <a:t>36.10</a:t>
+                      </a:r>
+                    </a:p>
+                  </a:txBody>
+                  <a:tcPr/>
+                </a:tc>
+                <a:extLst>
+                  <a:ext uri="{0D108BD9-81ED-4DB2-BD59-A6C34878D82A}">
+                    <a16:rowId xmlns:a16="http://schemas.microsoft.com/office/drawing/2014/main" xmlns="" val="10001"/>
+                  </a:ext>
+                </a:extLst>
+              </a:tr>
+              <a:tr h="360040">
+                <a:tc>
+                  <a:txBody>
+                    <a:bodyPr/>
+                    <a:lstStyle/>
+                    <a:p>
+                      <a:r>
+                        <a:rPr lang="de-DE" dirty="0" smtClean="0"/>
+                        <a:t>Max. </a:t>
+                      </a:r>
+                      <a:r>
+                        <a:rPr lang="de-DE" dirty="0" err="1" smtClean="0"/>
+                        <a:t>Aspect</a:t>
+                      </a:r>
+                      <a:r>
+                        <a:rPr lang="de-DE" dirty="0" smtClean="0"/>
+                        <a:t> Ratio</a:t>
+                      </a:r>
+                      <a:endParaRPr lang="de-DE" dirty="0"/>
+                    </a:p>
+                  </a:txBody>
+                  <a:tcPr/>
+                </a:tc>
+                <a:tc>
+                  <a:txBody>
+                    <a:bodyPr/>
+                    <a:lstStyle/>
+                    <a:p>
+                      <a:pPr algn="ctr"/>
+                      <a:r>
+                        <a:rPr lang="de-DE" sz="1800" kern="1200" dirty="0" smtClean="0">
+                          <a:solidFill>
+                            <a:schemeClr val="dk1"/>
+                          </a:solidFill>
+                          <a:effectLst/>
+                          <a:latin typeface="+mn-lt"/>
+                          <a:ea typeface="+mn-ea"/>
+                          <a:cs typeface="+mn-cs"/>
+                        </a:rPr>
+                        <a:t>714.51</a:t>
+                      </a:r>
+                      <a:endParaRPr lang="de-DE" dirty="0"/>
+                    </a:p>
+                  </a:txBody>
+                  <a:tcPr/>
+                </a:tc>
+                <a:tc>
+                  <a:txBody>
+                    <a:bodyPr/>
+                    <a:lstStyle/>
+                    <a:p>
+                      <a:pPr algn="ctr"/>
+                      <a:r>
+                        <a:rPr lang="de-DE" dirty="0" smtClean="0"/>
+                        <a:t>888.64</a:t>
+                      </a:r>
+                      <a:endParaRPr lang="de-DE" dirty="0"/>
+                    </a:p>
+                  </a:txBody>
+                  <a:tcPr/>
+                </a:tc>
+                <a:tc>
+                  <a:txBody>
+                    <a:bodyPr/>
+                    <a:lstStyle/>
+                    <a:p>
+                      <a:pPr algn="ctr"/>
+                      <a:r>
+                        <a:rPr lang="de-DE" dirty="0" smtClean="0"/>
+                        <a:t>933.67</a:t>
+                      </a:r>
+                      <a:endParaRPr lang="de-DE" dirty="0"/>
+                    </a:p>
+                  </a:txBody>
+                  <a:tcPr/>
+                </a:tc>
+                <a:extLst>
+                  <a:ext uri="{0D108BD9-81ED-4DB2-BD59-A6C34878D82A}">
+                    <a16:rowId xmlns:a16="http://schemas.microsoft.com/office/drawing/2014/main" xmlns="" val="10002"/>
+                  </a:ext>
+                </a:extLst>
+              </a:tr>
+              <a:tr h="354320">
+                <a:tc>
+                  <a:txBody>
+                    <a:bodyPr/>
+                    <a:lstStyle/>
+                    <a:p>
+                      <a:r>
+                        <a:rPr lang="de-DE" dirty="0" smtClean="0"/>
+                        <a:t>Max. Expansion</a:t>
+                      </a:r>
+                      <a:r>
+                        <a:rPr lang="de-DE" baseline="0" dirty="0" smtClean="0"/>
+                        <a:t> Ratio</a:t>
+                      </a:r>
+                      <a:endParaRPr lang="de-DE" dirty="0"/>
+                    </a:p>
+                  </a:txBody>
+                  <a:tcPr/>
+                </a:tc>
+                <a:tc>
+                  <a:txBody>
+                    <a:bodyPr/>
+                    <a:lstStyle/>
+                    <a:p>
+                      <a:pPr algn="ctr"/>
+                      <a:r>
+                        <a:rPr lang="de-DE" sz="1800" kern="1200" dirty="0" smtClean="0">
+                          <a:solidFill>
+                            <a:schemeClr val="dk1"/>
+                          </a:solidFill>
+                          <a:effectLst/>
+                          <a:latin typeface="+mn-lt"/>
+                          <a:ea typeface="+mn-ea"/>
+                          <a:cs typeface="+mn-cs"/>
+                        </a:rPr>
+                        <a:t>1.61</a:t>
+                      </a:r>
+                      <a:endParaRPr lang="de-DE" dirty="0"/>
+                    </a:p>
+                  </a:txBody>
+                  <a:tcPr/>
+                </a:tc>
+                <a:tc>
+                  <a:txBody>
+                    <a:bodyPr/>
+                    <a:lstStyle/>
+                    <a:p>
+                      <a:pPr algn="ctr"/>
+                      <a:r>
+                        <a:rPr lang="de-DE" dirty="0" smtClean="0"/>
+                        <a:t>3.00</a:t>
+                      </a:r>
+                      <a:endParaRPr lang="de-DE" dirty="0"/>
+                    </a:p>
+                  </a:txBody>
+                  <a:tcPr/>
+                </a:tc>
+                <a:tc>
+                  <a:txBody>
+                    <a:bodyPr/>
+                    <a:lstStyle/>
+                    <a:p>
+                      <a:pPr algn="ctr"/>
+                      <a:r>
+                        <a:rPr lang="de-DE" dirty="0" smtClean="0"/>
+                        <a:t>1.80</a:t>
+                      </a:r>
+                      <a:endParaRPr lang="de-DE" dirty="0"/>
+                    </a:p>
+                  </a:txBody>
+                  <a:tcPr/>
+                </a:tc>
+                <a:extLst>
+                  <a:ext uri="{0D108BD9-81ED-4DB2-BD59-A6C34878D82A}">
+                    <a16:rowId xmlns:a16="http://schemas.microsoft.com/office/drawing/2014/main" xmlns="" val="10003"/>
+                  </a:ext>
+                </a:extLst>
+              </a:tr>
+            </a:tbl>
+          </a:graphicData>
+        </a:graphic>
+      </p:graphicFrame>
     </p:spTree>
     <p:extLst>
       <p:ext uri="{BB962C8B-B14F-4D97-AF65-F5344CB8AC3E}">
@@ -7633,7 +7965,7 @@
           <p:cNvPr id="2" name="Titel 1">
             <a:extLst>
               <a:ext uri="{FF2B5EF4-FFF2-40B4-BE49-F238E27FC236}">
-                <a16:creationId xmlns="" xmlns:a16="http://schemas.microsoft.com/office/drawing/2014/main" id="{094F379C-23F4-4D35-86D6-1D1C29CAB88B}"/>
+                <a16:creationId xmlns:a16="http://schemas.microsoft.com/office/drawing/2014/main" xmlns="" id="{094F379C-23F4-4D35-86D6-1D1C29CAB88B}"/>
               </a:ext>
             </a:extLst>
           </p:cNvPr>
@@ -7755,7 +8087,7 @@
           <p:cNvPr id="2" name="Titel 1">
             <a:extLst>
               <a:ext uri="{FF2B5EF4-FFF2-40B4-BE49-F238E27FC236}">
-                <a16:creationId xmlns="" xmlns:a16="http://schemas.microsoft.com/office/drawing/2014/main" id="{E94AB448-E08C-4FC1-AAC0-98431019A5B8}"/>
+                <a16:creationId xmlns:a16="http://schemas.microsoft.com/office/drawing/2014/main" xmlns="" id="{E94AB448-E08C-4FC1-AAC0-98431019A5B8}"/>
               </a:ext>
             </a:extLst>
           </p:cNvPr>
@@ -7788,7 +8120,7 @@
           <p:cNvPr id="3" name="Inhaltsplatzhalter 2">
             <a:extLst>
               <a:ext uri="{FF2B5EF4-FFF2-40B4-BE49-F238E27FC236}">
-                <a16:creationId xmlns="" xmlns:a16="http://schemas.microsoft.com/office/drawing/2014/main" id="{EE905004-B708-4F44-A14B-50934B89FAB0}"/>
+                <a16:creationId xmlns:a16="http://schemas.microsoft.com/office/drawing/2014/main" xmlns="" id="{EE905004-B708-4F44-A14B-50934B89FAB0}"/>
               </a:ext>
             </a:extLst>
           </p:cNvPr>
@@ -7906,7 +8238,7 @@
           <p:cNvPr id="2" name="Titel 1">
             <a:extLst>
               <a:ext uri="{FF2B5EF4-FFF2-40B4-BE49-F238E27FC236}">
-                <a16:creationId xmlns="" xmlns:a16="http://schemas.microsoft.com/office/drawing/2014/main" id="{98E30EB0-62A0-4D55-AF97-782AB848AE3B}"/>
+                <a16:creationId xmlns:a16="http://schemas.microsoft.com/office/drawing/2014/main" xmlns="" id="{98E30EB0-62A0-4D55-AF97-782AB848AE3B}"/>
               </a:ext>
             </a:extLst>
           </p:cNvPr>
@@ -7934,7 +8266,7 @@
           <p:cNvPr id="3" name="Inhaltsplatzhalter 2">
             <a:extLst>
               <a:ext uri="{FF2B5EF4-FFF2-40B4-BE49-F238E27FC236}">
-                <a16:creationId xmlns="" xmlns:a16="http://schemas.microsoft.com/office/drawing/2014/main" id="{5CE73134-BC2B-467B-B2FE-58257A89BDB4}"/>
+                <a16:creationId xmlns:a16="http://schemas.microsoft.com/office/drawing/2014/main" xmlns="" id="{5CE73134-BC2B-467B-B2FE-58257A89BDB4}"/>
               </a:ext>
             </a:extLst>
           </p:cNvPr>
@@ -7989,7 +8321,7 @@
           <p:cNvPr id="2" name="Titel 1">
             <a:extLst>
               <a:ext uri="{FF2B5EF4-FFF2-40B4-BE49-F238E27FC236}">
-                <a16:creationId xmlns="" xmlns:a16="http://schemas.microsoft.com/office/drawing/2014/main" id="{92BC8844-D44E-4A34-A3E9-BBC46793D01F}"/>
+                <a16:creationId xmlns:a16="http://schemas.microsoft.com/office/drawing/2014/main" xmlns="" id="{92BC8844-D44E-4A34-A3E9-BBC46793D01F}"/>
               </a:ext>
             </a:extLst>
           </p:cNvPr>
@@ -8017,7 +8349,7 @@
           <p:cNvPr id="3" name="Inhaltsplatzhalter 2">
             <a:extLst>
               <a:ext uri="{FF2B5EF4-FFF2-40B4-BE49-F238E27FC236}">
-                <a16:creationId xmlns="" xmlns:a16="http://schemas.microsoft.com/office/drawing/2014/main" id="{226BDF4D-EA65-4EB5-9166-5B6F009BEDE8}"/>
+                <a16:creationId xmlns:a16="http://schemas.microsoft.com/office/drawing/2014/main" xmlns="" id="{226BDF4D-EA65-4EB5-9166-5B6F009BEDE8}"/>
               </a:ext>
             </a:extLst>
           </p:cNvPr>
@@ -8075,7 +8407,7 @@
           <p:cNvPr id="2" name="Titel 1">
             <a:extLst>
               <a:ext uri="{FF2B5EF4-FFF2-40B4-BE49-F238E27FC236}">
-                <a16:creationId xmlns="" xmlns:a16="http://schemas.microsoft.com/office/drawing/2014/main" id="{B021C1F3-433C-41E3-8587-65D5BDA4F317}"/>
+                <a16:creationId xmlns:a16="http://schemas.microsoft.com/office/drawing/2014/main" xmlns="" id="{B021C1F3-433C-41E3-8587-65D5BDA4F317}"/>
               </a:ext>
             </a:extLst>
           </p:cNvPr>
@@ -8103,7 +8435,7 @@
           <p:cNvPr id="3" name="Inhaltsplatzhalter 2">
             <a:extLst>
               <a:ext uri="{FF2B5EF4-FFF2-40B4-BE49-F238E27FC236}">
-                <a16:creationId xmlns="" xmlns:a16="http://schemas.microsoft.com/office/drawing/2014/main" id="{CF5061C2-25E2-4A53-BCDE-093C837A0F45}"/>
+                <a16:creationId xmlns:a16="http://schemas.microsoft.com/office/drawing/2014/main" xmlns="" id="{CF5061C2-25E2-4A53-BCDE-093C837A0F45}"/>
               </a:ext>
             </a:extLst>
           </p:cNvPr>
@@ -8161,7 +8493,7 @@
           <p:cNvPr id="2" name="Titel 1">
             <a:extLst>
               <a:ext uri="{FF2B5EF4-FFF2-40B4-BE49-F238E27FC236}">
-                <a16:creationId xmlns="" xmlns:a16="http://schemas.microsoft.com/office/drawing/2014/main" id="{D329A526-CE1D-48AD-8C37-10B31DD1A94A}"/>
+                <a16:creationId xmlns:a16="http://schemas.microsoft.com/office/drawing/2014/main" xmlns="" id="{D329A526-CE1D-48AD-8C37-10B31DD1A94A}"/>
               </a:ext>
             </a:extLst>
           </p:cNvPr>
@@ -8189,7 +8521,7 @@
           <p:cNvPr id="3" name="Inhaltsplatzhalter 2">
             <a:extLst>
               <a:ext uri="{FF2B5EF4-FFF2-40B4-BE49-F238E27FC236}">
-                <a16:creationId xmlns="" xmlns:a16="http://schemas.microsoft.com/office/drawing/2014/main" id="{BA4C428F-6F17-477B-9503-2C9FE4D7286D}"/>
+                <a16:creationId xmlns:a16="http://schemas.microsoft.com/office/drawing/2014/main" xmlns="" id="{BA4C428F-6F17-477B-9503-2C9FE4D7286D}"/>
               </a:ext>
             </a:extLst>
           </p:cNvPr>
@@ -8261,7 +8593,7 @@
           <p:cNvPr id="2" name="Titel 1">
             <a:extLst>
               <a:ext uri="{FF2B5EF4-FFF2-40B4-BE49-F238E27FC236}">
-                <a16:creationId xmlns="" xmlns:a16="http://schemas.microsoft.com/office/drawing/2014/main" id="{8643BECD-9FC8-4139-AF9D-AAB9BD9ABF1F}"/>
+                <a16:creationId xmlns:a16="http://schemas.microsoft.com/office/drawing/2014/main" xmlns="" id="{8643BECD-9FC8-4139-AF9D-AAB9BD9ABF1F}"/>
               </a:ext>
             </a:extLst>
           </p:cNvPr>
@@ -8289,7 +8621,7 @@
           <p:cNvPr id="3" name="Inhaltsplatzhalter 2">
             <a:extLst>
               <a:ext uri="{FF2B5EF4-FFF2-40B4-BE49-F238E27FC236}">
-                <a16:creationId xmlns="" xmlns:a16="http://schemas.microsoft.com/office/drawing/2014/main" id="{E42A3100-1EC4-4CA1-8073-DBF9AE2DE022}"/>
+                <a16:creationId xmlns:a16="http://schemas.microsoft.com/office/drawing/2014/main" xmlns="" id="{E42A3100-1EC4-4CA1-8073-DBF9AE2DE022}"/>
               </a:ext>
             </a:extLst>
           </p:cNvPr>
@@ -8347,7 +8679,7 @@
           <p:cNvPr id="2" name="Titel 1">
             <a:extLst>
               <a:ext uri="{FF2B5EF4-FFF2-40B4-BE49-F238E27FC236}">
-                <a16:creationId xmlns="" xmlns:a16="http://schemas.microsoft.com/office/drawing/2014/main" id="{A6803A1C-048A-4BD5-BB5C-6AD0F129ECC9}"/>
+                <a16:creationId xmlns:a16="http://schemas.microsoft.com/office/drawing/2014/main" xmlns="" id="{A6803A1C-048A-4BD5-BB5C-6AD0F129ECC9}"/>
               </a:ext>
             </a:extLst>
           </p:cNvPr>
@@ -8375,7 +8707,7 @@
           <p:cNvPr id="3" name="Inhaltsplatzhalter 2">
             <a:extLst>
               <a:ext uri="{FF2B5EF4-FFF2-40B4-BE49-F238E27FC236}">
-                <a16:creationId xmlns="" xmlns:a16="http://schemas.microsoft.com/office/drawing/2014/main" id="{13708A06-7247-4796-B127-BA1268EFB4F0}"/>
+                <a16:creationId xmlns:a16="http://schemas.microsoft.com/office/drawing/2014/main" xmlns="" id="{13708A06-7247-4796-B127-BA1268EFB4F0}"/>
               </a:ext>
             </a:extLst>
           </p:cNvPr>
@@ -8469,7 +8801,7 @@
           <p:cNvPr id="2" name="Titel 1">
             <a:extLst>
               <a:ext uri="{FF2B5EF4-FFF2-40B4-BE49-F238E27FC236}">
-                <a16:creationId xmlns="" xmlns:a16="http://schemas.microsoft.com/office/drawing/2014/main" id="{D27A44A1-7D5C-4ED1-B1CC-16A1827DE5CE}"/>
+                <a16:creationId xmlns:a16="http://schemas.microsoft.com/office/drawing/2014/main" xmlns="" id="{D27A44A1-7D5C-4ED1-B1CC-16A1827DE5CE}"/>
               </a:ext>
             </a:extLst>
           </p:cNvPr>
@@ -8497,7 +8829,7 @@
           <p:cNvPr id="3" name="Inhaltsplatzhalter 2">
             <a:extLst>
               <a:ext uri="{FF2B5EF4-FFF2-40B4-BE49-F238E27FC236}">
-                <a16:creationId xmlns="" xmlns:a16="http://schemas.microsoft.com/office/drawing/2014/main" id="{0A11E94A-080C-4F4A-B9ED-FC1B878B8CE0}"/>
+                <a16:creationId xmlns:a16="http://schemas.microsoft.com/office/drawing/2014/main" xmlns="" id="{0A11E94A-080C-4F4A-B9ED-FC1B878B8CE0}"/>
               </a:ext>
             </a:extLst>
           </p:cNvPr>
@@ -8846,14 +9178,14 @@
                 <a:gridCol w="3411538">
                   <a:extLst>
                     <a:ext uri="{9D8B030D-6E8A-4147-A177-3AD203B41FA5}">
-                      <a16:colId xmlns="" xmlns:a16="http://schemas.microsoft.com/office/drawing/2014/main" val="20000"/>
+                      <a16:colId xmlns:a16="http://schemas.microsoft.com/office/drawing/2014/main" xmlns="" val="20000"/>
                     </a:ext>
                   </a:extLst>
                 </a:gridCol>
                 <a:gridCol w="3411538">
                   <a:extLst>
                     <a:ext uri="{9D8B030D-6E8A-4147-A177-3AD203B41FA5}">
-                      <a16:colId xmlns="" xmlns:a16="http://schemas.microsoft.com/office/drawing/2014/main" val="20001"/>
+                      <a16:colId xmlns:a16="http://schemas.microsoft.com/office/drawing/2014/main" xmlns="" val="20001"/>
                     </a:ext>
                   </a:extLst>
                 </a:gridCol>
@@ -8895,7 +9227,7 @@
                 </a:tc>
                 <a:extLst>
                   <a:ext uri="{0D108BD9-81ED-4DB2-BD59-A6C34878D82A}">
-                    <a16:rowId xmlns="" xmlns:a16="http://schemas.microsoft.com/office/drawing/2014/main" val="10000"/>
+                    <a16:rowId xmlns:a16="http://schemas.microsoft.com/office/drawing/2014/main" xmlns="" val="10000"/>
                   </a:ext>
                 </a:extLst>
               </a:tr>
@@ -8933,7 +9265,7 @@
                 </a:tc>
                 <a:extLst>
                   <a:ext uri="{0D108BD9-81ED-4DB2-BD59-A6C34878D82A}">
-                    <a16:rowId xmlns="" xmlns:a16="http://schemas.microsoft.com/office/drawing/2014/main" val="10001"/>
+                    <a16:rowId xmlns:a16="http://schemas.microsoft.com/office/drawing/2014/main" xmlns="" val="10001"/>
                   </a:ext>
                 </a:extLst>
               </a:tr>
@@ -8987,7 +9319,7 @@
                 </a:tc>
                 <a:extLst>
                   <a:ext uri="{0D108BD9-81ED-4DB2-BD59-A6C34878D82A}">
-                    <a16:rowId xmlns="" xmlns:a16="http://schemas.microsoft.com/office/drawing/2014/main" val="10002"/>
+                    <a16:rowId xmlns:a16="http://schemas.microsoft.com/office/drawing/2014/main" xmlns="" val="10002"/>
                   </a:ext>
                 </a:extLst>
               </a:tr>
@@ -9041,7 +9373,7 @@
                 </a:tc>
                 <a:extLst>
                   <a:ext uri="{0D108BD9-81ED-4DB2-BD59-A6C34878D82A}">
-                    <a16:rowId xmlns="" xmlns:a16="http://schemas.microsoft.com/office/drawing/2014/main" val="10003"/>
+                    <a16:rowId xmlns:a16="http://schemas.microsoft.com/office/drawing/2014/main" xmlns="" val="10003"/>
                   </a:ext>
                 </a:extLst>
               </a:tr>
@@ -9095,7 +9427,7 @@
                 </a:tc>
                 <a:extLst>
                   <a:ext uri="{0D108BD9-81ED-4DB2-BD59-A6C34878D82A}">
-                    <a16:rowId xmlns="" xmlns:a16="http://schemas.microsoft.com/office/drawing/2014/main" val="10004"/>
+                    <a16:rowId xmlns:a16="http://schemas.microsoft.com/office/drawing/2014/main" xmlns="" val="10004"/>
                   </a:ext>
                 </a:extLst>
               </a:tr>
@@ -9149,7 +9481,7 @@
                 </a:tc>
                 <a:extLst>
                   <a:ext uri="{0D108BD9-81ED-4DB2-BD59-A6C34878D82A}">
-                    <a16:rowId xmlns="" xmlns:a16="http://schemas.microsoft.com/office/drawing/2014/main" val="10005"/>
+                    <a16:rowId xmlns:a16="http://schemas.microsoft.com/office/drawing/2014/main" xmlns="" val="10005"/>
                   </a:ext>
                 </a:extLst>
               </a:tr>
@@ -9203,7 +9535,7 @@
                 </a:tc>
                 <a:extLst>
                   <a:ext uri="{0D108BD9-81ED-4DB2-BD59-A6C34878D82A}">
-                    <a16:rowId xmlns="" xmlns:a16="http://schemas.microsoft.com/office/drawing/2014/main" val="10006"/>
+                    <a16:rowId xmlns:a16="http://schemas.microsoft.com/office/drawing/2014/main" xmlns="" val="10006"/>
                   </a:ext>
                 </a:extLst>
               </a:tr>
@@ -9257,7 +9589,7 @@
                 </a:tc>
                 <a:extLst>
                   <a:ext uri="{0D108BD9-81ED-4DB2-BD59-A6C34878D82A}">
-                    <a16:rowId xmlns="" xmlns:a16="http://schemas.microsoft.com/office/drawing/2014/main" val="10007"/>
+                    <a16:rowId xmlns:a16="http://schemas.microsoft.com/office/drawing/2014/main" xmlns="" val="10007"/>
                   </a:ext>
                 </a:extLst>
               </a:tr>
@@ -9480,7 +9812,7 @@
           <p:cNvPr id="2" name="Titel 1">
             <a:extLst>
               <a:ext uri="{FF2B5EF4-FFF2-40B4-BE49-F238E27FC236}">
-                <a16:creationId xmlns="" xmlns:a16="http://schemas.microsoft.com/office/drawing/2014/main" id="{097E6A6D-464E-4766-AAF3-C4FECB9FA991}"/>
+                <a16:creationId xmlns:a16="http://schemas.microsoft.com/office/drawing/2014/main" xmlns="" id="{097E6A6D-464E-4766-AAF3-C4FECB9FA991}"/>
               </a:ext>
             </a:extLst>
           </p:cNvPr>
@@ -9503,14 +9835,14 @@
           </a:p>
         </p:txBody>
       </p:sp>
-      <mc:AlternateContent xmlns:mc="http://schemas.openxmlformats.org/markup-compatibility/2006">
-        <mc:Choice xmlns:a14="http://schemas.microsoft.com/office/drawing/2010/main" Requires="a14">
+      <mc:AlternateContent xmlns:mc="http://schemas.openxmlformats.org/markup-compatibility/2006" xmlns:a14="http://schemas.microsoft.com/office/drawing/2010/main">
+        <mc:Choice Requires="a14">
           <p:sp>
             <p:nvSpPr>
               <p:cNvPr id="3" name="Inhaltsplatzhalter 2">
                 <a:extLst>
                   <a:ext uri="{FF2B5EF4-FFF2-40B4-BE49-F238E27FC236}">
-                    <a16:creationId xmlns="" xmlns:a16="http://schemas.microsoft.com/office/drawing/2014/main" id="{0E9598F0-1E7C-41F5-AC85-FE84123CF1DA}"/>
+                    <a16:creationId xmlns:a16="http://schemas.microsoft.com/office/drawing/2014/main" xmlns="" id="{0E9598F0-1E7C-41F5-AC85-FE84123CF1DA}"/>
                   </a:ext>
                 </a:extLst>
               </p:cNvPr>
@@ -10060,15 +10392,7 @@
               <a:p>
                 <a:r>
                   <a:rPr lang="de-DE" dirty="0" smtClean="0"/>
-                  <a:t>Mit der isentropen </a:t>
-                </a:r>
-                <a:r>
-                  <a:rPr lang="de-DE" dirty="0" err="1" smtClean="0"/>
-                  <a:t>Totalenthalpiedifferenz</a:t>
-                </a:r>
-                <a:r>
-                  <a:rPr lang="de-DE" dirty="0" smtClean="0"/>
-                  <a:t>:</a:t>
+                  <a:t>Mit der isentropen Totalenthalpiedifferenz:</a:t>
                 </a:r>
               </a:p>
               <a:p>
@@ -10608,7 +10932,7 @@
             </p:txBody>
           </p:sp>
         </mc:Choice>
-        <mc:Fallback>
+        <mc:Fallback xmlns="">
           <p:sp>
             <p:nvSpPr>
               <p:cNvPr id="3" name="Inhaltsplatzhalter 2">
@@ -10724,7 +11048,7 @@
           <p:cNvPr id="2" name="Titel 1">
             <a:extLst>
               <a:ext uri="{FF2B5EF4-FFF2-40B4-BE49-F238E27FC236}">
-                <a16:creationId xmlns="" xmlns:a16="http://schemas.microsoft.com/office/drawing/2014/main" id="{2466B14E-2CAE-450A-835B-07642C6772FC}"/>
+                <a16:creationId xmlns:a16="http://schemas.microsoft.com/office/drawing/2014/main" xmlns="" id="{2466B14E-2CAE-450A-835B-07642C6772FC}"/>
               </a:ext>
             </a:extLst>
           </p:cNvPr>
@@ -10752,7 +11076,7 @@
           <p:cNvPr id="3" name="Inhaltsplatzhalter 2">
             <a:extLst>
               <a:ext uri="{FF2B5EF4-FFF2-40B4-BE49-F238E27FC236}">
-                <a16:creationId xmlns="" xmlns:a16="http://schemas.microsoft.com/office/drawing/2014/main" id="{CCE11E07-3335-434C-8B03-5B1BAEAEC7C5}"/>
+                <a16:creationId xmlns:a16="http://schemas.microsoft.com/office/drawing/2014/main" xmlns="" id="{CCE11E07-3335-434C-8B03-5B1BAEAEC7C5}"/>
               </a:ext>
             </a:extLst>
           </p:cNvPr>
@@ -10826,7 +11150,7 @@
           <p:cNvPr id="2" name="Titel 1">
             <a:extLst>
               <a:ext uri="{FF2B5EF4-FFF2-40B4-BE49-F238E27FC236}">
-                <a16:creationId xmlns="" xmlns:a16="http://schemas.microsoft.com/office/drawing/2014/main" id="{B0EB02CB-0053-457A-BB5F-5D64278141CC}"/>
+                <a16:creationId xmlns:a16="http://schemas.microsoft.com/office/drawing/2014/main" xmlns="" id="{B0EB02CB-0053-457A-BB5F-5D64278141CC}"/>
               </a:ext>
             </a:extLst>
           </p:cNvPr>
@@ -10854,7 +11178,7 @@
           <p:cNvPr id="3" name="Inhaltsplatzhalter 2">
             <a:extLst>
               <a:ext uri="{FF2B5EF4-FFF2-40B4-BE49-F238E27FC236}">
-                <a16:creationId xmlns="" xmlns:a16="http://schemas.microsoft.com/office/drawing/2014/main" id="{756355A6-13F9-40C1-8AD3-1534717E7B09}"/>
+                <a16:creationId xmlns:a16="http://schemas.microsoft.com/office/drawing/2014/main" xmlns="" id="{756355A6-13F9-40C1-8AD3-1534717E7B09}"/>
               </a:ext>
             </a:extLst>
           </p:cNvPr>
@@ -10916,7 +11240,7 @@
           <p:cNvPr id="2" name="Titel 1">
             <a:extLst>
               <a:ext uri="{FF2B5EF4-FFF2-40B4-BE49-F238E27FC236}">
-                <a16:creationId xmlns="" xmlns:a16="http://schemas.microsoft.com/office/drawing/2014/main" id="{8DE61EE4-0A2E-4DFD-BE73-F3D4D2210025}"/>
+                <a16:creationId xmlns:a16="http://schemas.microsoft.com/office/drawing/2014/main" xmlns="" id="{8DE61EE4-0A2E-4DFD-BE73-F3D4D2210025}"/>
               </a:ext>
             </a:extLst>
           </p:cNvPr>
@@ -10944,7 +11268,7 @@
           <p:cNvPr id="3" name="Inhaltsplatzhalter 2">
             <a:extLst>
               <a:ext uri="{FF2B5EF4-FFF2-40B4-BE49-F238E27FC236}">
-                <a16:creationId xmlns="" xmlns:a16="http://schemas.microsoft.com/office/drawing/2014/main" id="{D3AA39F9-9931-48BD-9CE6-A9A42797156C}"/>
+                <a16:creationId xmlns:a16="http://schemas.microsoft.com/office/drawing/2014/main" xmlns="" id="{D3AA39F9-9931-48BD-9CE6-A9A42797156C}"/>
               </a:ext>
             </a:extLst>
           </p:cNvPr>
@@ -10999,7 +11323,7 @@
           <p:cNvPr id="2" name="Titel 1">
             <a:extLst>
               <a:ext uri="{FF2B5EF4-FFF2-40B4-BE49-F238E27FC236}">
-                <a16:creationId xmlns="" xmlns:a16="http://schemas.microsoft.com/office/drawing/2014/main" id="{5468A21C-5F1B-49A9-9615-E49303F1DFD8}"/>
+                <a16:creationId xmlns:a16="http://schemas.microsoft.com/office/drawing/2014/main" xmlns="" id="{5468A21C-5F1B-49A9-9615-E49303F1DFD8}"/>
               </a:ext>
             </a:extLst>
           </p:cNvPr>
@@ -11027,7 +11351,7 @@
           <p:cNvPr id="3" name="Inhaltsplatzhalter 2">
             <a:extLst>
               <a:ext uri="{FF2B5EF4-FFF2-40B4-BE49-F238E27FC236}">
-                <a16:creationId xmlns="" xmlns:a16="http://schemas.microsoft.com/office/drawing/2014/main" id="{71D6F8BC-B1F4-4464-B16C-BE0C1ED3F521}"/>
+                <a16:creationId xmlns:a16="http://schemas.microsoft.com/office/drawing/2014/main" xmlns="" id="{71D6F8BC-B1F4-4464-B16C-BE0C1ED3F521}"/>
               </a:ext>
             </a:extLst>
           </p:cNvPr>
@@ -11107,7 +11431,7 @@
           <p:cNvPr id="2" name="Titel 1">
             <a:extLst>
               <a:ext uri="{FF2B5EF4-FFF2-40B4-BE49-F238E27FC236}">
-                <a16:creationId xmlns="" xmlns:a16="http://schemas.microsoft.com/office/drawing/2014/main" id="{094F379C-23F4-4D35-86D6-1D1C29CAB88B}"/>
+                <a16:creationId xmlns:a16="http://schemas.microsoft.com/office/drawing/2014/main" xmlns="" id="{094F379C-23F4-4D35-86D6-1D1C29CAB88B}"/>
               </a:ext>
             </a:extLst>
           </p:cNvPr>
@@ -11140,7 +11464,7 @@
           <p:cNvPr id="3" name="Inhaltsplatzhalter 2">
             <a:extLst>
               <a:ext uri="{FF2B5EF4-FFF2-40B4-BE49-F238E27FC236}">
-                <a16:creationId xmlns="" xmlns:a16="http://schemas.microsoft.com/office/drawing/2014/main" id="{1C3E671A-136E-4360-89A9-AD9DB1ED1606}"/>
+                <a16:creationId xmlns:a16="http://schemas.microsoft.com/office/drawing/2014/main" xmlns="" id="{1C3E671A-136E-4360-89A9-AD9DB1ED1606}"/>
               </a:ext>
             </a:extLst>
           </p:cNvPr>
@@ -11163,11 +11487,7 @@
           <a:p>
             <a:r>
               <a:rPr lang="de-DE" dirty="0" smtClean="0"/>
-              <a:t>Erstellung eines Referenzgitters mit AutoGrid</a:t>
-            </a:r>
-            <a:r>
-              <a:rPr lang="de-DE" dirty="0" smtClean="0"/>
-              <a:t>5</a:t>
+              <a:t>Erstellung eines Referenzgitters mit AutoGrid5</a:t>
             </a:r>
           </a:p>
           <a:p>
@@ -11268,7 +11588,7 @@
           <p:cNvPr id="2" name="Titel 1">
             <a:extLst>
               <a:ext uri="{FF2B5EF4-FFF2-40B4-BE49-F238E27FC236}">
-                <a16:creationId xmlns="" xmlns:a16="http://schemas.microsoft.com/office/drawing/2014/main" id="{094F379C-23F4-4D35-86D6-1D1C29CAB88B}"/>
+                <a16:creationId xmlns:a16="http://schemas.microsoft.com/office/drawing/2014/main" xmlns="" id="{094F379C-23F4-4D35-86D6-1D1C29CAB88B}"/>
               </a:ext>
             </a:extLst>
           </p:cNvPr>
@@ -11296,14 +11616,14 @@
           </a:p>
         </p:txBody>
       </p:sp>
-      <mc:AlternateContent xmlns:mc="http://schemas.openxmlformats.org/markup-compatibility/2006">
-        <mc:Choice xmlns:a14="http://schemas.microsoft.com/office/drawing/2010/main" Requires="a14">
+      <mc:AlternateContent xmlns:mc="http://schemas.openxmlformats.org/markup-compatibility/2006" xmlns:a14="http://schemas.microsoft.com/office/drawing/2010/main">
+        <mc:Choice Requires="a14">
           <p:sp>
             <p:nvSpPr>
               <p:cNvPr id="3" name="Inhaltsplatzhalter 2">
                 <a:extLst>
                   <a:ext uri="{FF2B5EF4-FFF2-40B4-BE49-F238E27FC236}">
-                    <a16:creationId xmlns="" xmlns:a16="http://schemas.microsoft.com/office/drawing/2014/main" id="{1C3E671A-136E-4360-89A9-AD9DB1ED1606}"/>
+                    <a16:creationId xmlns:a16="http://schemas.microsoft.com/office/drawing/2014/main" xmlns="" id="{1C3E671A-136E-4360-89A9-AD9DB1ED1606}"/>
                   </a:ext>
                 </a:extLst>
               </p:cNvPr>
@@ -11535,7 +11855,7 @@
             </p:txBody>
           </p:sp>
         </mc:Choice>
-        <mc:Fallback>
+        <mc:Fallback xmlns="">
           <p:sp>
             <p:nvSpPr>
               <p:cNvPr id="3" name="Inhaltsplatzhalter 2">

--- a/Präsentation/Abschluss_Präsentation_Markus.pptx
+++ b/Präsentation/Abschluss_Präsentation_Markus.pptx
@@ -18,7 +18,7 @@
     <p:sldId id="269" r:id="rId7"/>
     <p:sldId id="270" r:id="rId8"/>
     <p:sldId id="271" r:id="rId9"/>
-    <p:sldId id="272" r:id="rId10"/>
+    <p:sldId id="286" r:id="rId10"/>
     <p:sldId id="283" r:id="rId11"/>
     <p:sldId id="284" r:id="rId12"/>
     <p:sldId id="285" r:id="rId13"/>
@@ -3910,7 +3910,7 @@
     </p:spTree>
     <p:extLst>
       <p:ext uri="{BB962C8B-B14F-4D97-AF65-F5344CB8AC3E}">
-        <p14:creationId xmlns:p14="http://schemas.microsoft.com/office/powerpoint/2010/main" val="3915813997"/>
+        <p14:creationId xmlns:p14="http://schemas.microsoft.com/office/powerpoint/2010/main" val="1408466406"/>
       </p:ext>
     </p:extLst>
   </p:cSld>
@@ -7298,7 +7298,7 @@
           <p:cNvPr id="4" name="Grafik 3">
             <a:extLst>
               <a:ext uri="{FF2B5EF4-FFF2-40B4-BE49-F238E27FC236}">
-                <a16:creationId xmlns:a16="http://schemas.microsoft.com/office/drawing/2014/main" xmlns="" id="{18A4F8C9-BC47-4597-A341-7BD061B63621}"/>
+                <a16:creationId xmlns="" xmlns:a16="http://schemas.microsoft.com/office/drawing/2014/main" id="{18A4F8C9-BC47-4597-A341-7BD061B63621}"/>
               </a:ext>
             </a:extLst>
           </p:cNvPr>
@@ -7328,7 +7328,7 @@
           <p:cNvPr id="8" name="Gerade Verbindung mit Pfeil 7">
             <a:extLst>
               <a:ext uri="{FF2B5EF4-FFF2-40B4-BE49-F238E27FC236}">
-                <a16:creationId xmlns:a16="http://schemas.microsoft.com/office/drawing/2014/main" xmlns="" id="{6AEE5332-9F2B-40A4-B03C-0CA4C32B5711}"/>
+                <a16:creationId xmlns="" xmlns:a16="http://schemas.microsoft.com/office/drawing/2014/main" id="{6AEE5332-9F2B-40A4-B03C-0CA4C32B5711}"/>
               </a:ext>
             </a:extLst>
           </p:cNvPr>
@@ -7372,7 +7372,7 @@
           <p:cNvPr id="9" name="Rechteck 8">
             <a:extLst>
               <a:ext uri="{FF2B5EF4-FFF2-40B4-BE49-F238E27FC236}">
-                <a16:creationId xmlns:a16="http://schemas.microsoft.com/office/drawing/2014/main" xmlns="" id="{3778A54C-BCC7-4667-8D22-D645A2858F58}"/>
+                <a16:creationId xmlns="" xmlns:a16="http://schemas.microsoft.com/office/drawing/2014/main" id="{3778A54C-BCC7-4667-8D22-D645A2858F58}"/>
               </a:ext>
             </a:extLst>
           </p:cNvPr>
@@ -7461,7 +7461,7 @@
           <p:cNvPr id="2" name="Titel 1">
             <a:extLst>
               <a:ext uri="{FF2B5EF4-FFF2-40B4-BE49-F238E27FC236}">
-                <a16:creationId xmlns:a16="http://schemas.microsoft.com/office/drawing/2014/main" xmlns="" id="{094F379C-23F4-4D35-86D6-1D1C29CAB88B}"/>
+                <a16:creationId xmlns="" xmlns:a16="http://schemas.microsoft.com/office/drawing/2014/main" id="{094F379C-23F4-4D35-86D6-1D1C29CAB88B}"/>
               </a:ext>
             </a:extLst>
           </p:cNvPr>
@@ -7494,7 +7494,7 @@
           <p:cNvPr id="3" name="Inhaltsplatzhalter 2">
             <a:extLst>
               <a:ext uri="{FF2B5EF4-FFF2-40B4-BE49-F238E27FC236}">
-                <a16:creationId xmlns:a16="http://schemas.microsoft.com/office/drawing/2014/main" xmlns="" id="{1C3E671A-136E-4360-89A9-AD9DB1ED1606}"/>
+                <a16:creationId xmlns="" xmlns:a16="http://schemas.microsoft.com/office/drawing/2014/main" id="{1C3E671A-136E-4360-89A9-AD9DB1ED1606}"/>
               </a:ext>
             </a:extLst>
           </p:cNvPr>
@@ -7573,7 +7573,7 @@
           <p:cNvPr id="5" name="Inhaltsplatzhalter 3">
             <a:extLst>
               <a:ext uri="{FF2B5EF4-FFF2-40B4-BE49-F238E27FC236}">
-                <a16:creationId xmlns:a16="http://schemas.microsoft.com/office/drawing/2014/main" xmlns="" id="{9BE0C4F1-2D7A-4179-9985-55CFEF4AB9EA}"/>
+                <a16:creationId xmlns="" xmlns:a16="http://schemas.microsoft.com/office/drawing/2014/main" id="{9BE0C4F1-2D7A-4179-9985-55CFEF4AB9EA}"/>
               </a:ext>
             </a:extLst>
           </p:cNvPr>
@@ -7602,21 +7602,21 @@
                 <a:gridCol w="2470654">
                   <a:extLst>
                     <a:ext uri="{9D8B030D-6E8A-4147-A177-3AD203B41FA5}">
-                      <a16:colId xmlns:a16="http://schemas.microsoft.com/office/drawing/2014/main" xmlns="" val="20000"/>
+                      <a16:colId xmlns="" xmlns:a16="http://schemas.microsoft.com/office/drawing/2014/main" val="20000"/>
                     </a:ext>
                   </a:extLst>
                 </a:gridCol>
                 <a:gridCol w="1417779">
                   <a:extLst>
                     <a:ext uri="{9D8B030D-6E8A-4147-A177-3AD203B41FA5}">
-                      <a16:colId xmlns:a16="http://schemas.microsoft.com/office/drawing/2014/main" xmlns="" val="20001"/>
+                      <a16:colId xmlns="" xmlns:a16="http://schemas.microsoft.com/office/drawing/2014/main" val="20001"/>
                     </a:ext>
                   </a:extLst>
                 </a:gridCol>
                 <a:gridCol w="1512168">
                   <a:extLst>
                     <a:ext uri="{9D8B030D-6E8A-4147-A177-3AD203B41FA5}">
-                      <a16:colId xmlns:a16="http://schemas.microsoft.com/office/drawing/2014/main" xmlns="" val="2974703479"/>
+                      <a16:colId xmlns="" xmlns:a16="http://schemas.microsoft.com/office/drawing/2014/main" val="2974703479"/>
                     </a:ext>
                   </a:extLst>
                 </a:gridCol>
@@ -7697,7 +7697,7 @@
                 </a:tc>
                 <a:extLst>
                   <a:ext uri="{0D108BD9-81ED-4DB2-BD59-A6C34878D82A}">
-                    <a16:rowId xmlns:a16="http://schemas.microsoft.com/office/drawing/2014/main" xmlns="" val="10000"/>
+                    <a16:rowId xmlns="" xmlns:a16="http://schemas.microsoft.com/office/drawing/2014/main" val="10000"/>
                   </a:ext>
                 </a:extLst>
               </a:tr>
@@ -7762,7 +7762,7 @@
                 </a:tc>
                 <a:extLst>
                   <a:ext uri="{0D108BD9-81ED-4DB2-BD59-A6C34878D82A}">
-                    <a16:rowId xmlns:a16="http://schemas.microsoft.com/office/drawing/2014/main" xmlns="" val="10001"/>
+                    <a16:rowId xmlns="" xmlns:a16="http://schemas.microsoft.com/office/drawing/2014/main" val="10001"/>
                   </a:ext>
                 </a:extLst>
               </a:tr>
@@ -7844,7 +7844,7 @@
                 </a:tc>
                 <a:extLst>
                   <a:ext uri="{0D108BD9-81ED-4DB2-BD59-A6C34878D82A}">
-                    <a16:rowId xmlns:a16="http://schemas.microsoft.com/office/drawing/2014/main" xmlns="" val="10002"/>
+                    <a16:rowId xmlns="" xmlns:a16="http://schemas.microsoft.com/office/drawing/2014/main" val="10002"/>
                   </a:ext>
                 </a:extLst>
               </a:tr>
@@ -7922,7 +7922,7 @@
                 </a:tc>
                 <a:extLst>
                   <a:ext uri="{0D108BD9-81ED-4DB2-BD59-A6C34878D82A}">
-                    <a16:rowId xmlns:a16="http://schemas.microsoft.com/office/drawing/2014/main" xmlns="" val="10003"/>
+                    <a16:rowId xmlns="" xmlns:a16="http://schemas.microsoft.com/office/drawing/2014/main" val="10003"/>
                   </a:ext>
                 </a:extLst>
               </a:tr>
@@ -7965,7 +7965,7 @@
           <p:cNvPr id="2" name="Titel 1">
             <a:extLst>
               <a:ext uri="{FF2B5EF4-FFF2-40B4-BE49-F238E27FC236}">
-                <a16:creationId xmlns:a16="http://schemas.microsoft.com/office/drawing/2014/main" xmlns="" id="{094F379C-23F4-4D35-86D6-1D1C29CAB88B}"/>
+                <a16:creationId xmlns="" xmlns:a16="http://schemas.microsoft.com/office/drawing/2014/main" id="{094F379C-23F4-4D35-86D6-1D1C29CAB88B}"/>
               </a:ext>
             </a:extLst>
           </p:cNvPr>
@@ -8087,7 +8087,7 @@
           <p:cNvPr id="2" name="Titel 1">
             <a:extLst>
               <a:ext uri="{FF2B5EF4-FFF2-40B4-BE49-F238E27FC236}">
-                <a16:creationId xmlns:a16="http://schemas.microsoft.com/office/drawing/2014/main" xmlns="" id="{E94AB448-E08C-4FC1-AAC0-98431019A5B8}"/>
+                <a16:creationId xmlns="" xmlns:a16="http://schemas.microsoft.com/office/drawing/2014/main" id="{E94AB448-E08C-4FC1-AAC0-98431019A5B8}"/>
               </a:ext>
             </a:extLst>
           </p:cNvPr>
@@ -8120,7 +8120,7 @@
           <p:cNvPr id="3" name="Inhaltsplatzhalter 2">
             <a:extLst>
               <a:ext uri="{FF2B5EF4-FFF2-40B4-BE49-F238E27FC236}">
-                <a16:creationId xmlns:a16="http://schemas.microsoft.com/office/drawing/2014/main" xmlns="" id="{EE905004-B708-4F44-A14B-50934B89FAB0}"/>
+                <a16:creationId xmlns="" xmlns:a16="http://schemas.microsoft.com/office/drawing/2014/main" id="{EE905004-B708-4F44-A14B-50934B89FAB0}"/>
               </a:ext>
             </a:extLst>
           </p:cNvPr>
@@ -8238,7 +8238,7 @@
           <p:cNvPr id="2" name="Titel 1">
             <a:extLst>
               <a:ext uri="{FF2B5EF4-FFF2-40B4-BE49-F238E27FC236}">
-                <a16:creationId xmlns:a16="http://schemas.microsoft.com/office/drawing/2014/main" xmlns="" id="{98E30EB0-62A0-4D55-AF97-782AB848AE3B}"/>
+                <a16:creationId xmlns="" xmlns:a16="http://schemas.microsoft.com/office/drawing/2014/main" id="{98E30EB0-62A0-4D55-AF97-782AB848AE3B}"/>
               </a:ext>
             </a:extLst>
           </p:cNvPr>
@@ -8266,7 +8266,7 @@
           <p:cNvPr id="3" name="Inhaltsplatzhalter 2">
             <a:extLst>
               <a:ext uri="{FF2B5EF4-FFF2-40B4-BE49-F238E27FC236}">
-                <a16:creationId xmlns:a16="http://schemas.microsoft.com/office/drawing/2014/main" xmlns="" id="{5CE73134-BC2B-467B-B2FE-58257A89BDB4}"/>
+                <a16:creationId xmlns="" xmlns:a16="http://schemas.microsoft.com/office/drawing/2014/main" id="{5CE73134-BC2B-467B-B2FE-58257A89BDB4}"/>
               </a:ext>
             </a:extLst>
           </p:cNvPr>
@@ -8321,7 +8321,7 @@
           <p:cNvPr id="2" name="Titel 1">
             <a:extLst>
               <a:ext uri="{FF2B5EF4-FFF2-40B4-BE49-F238E27FC236}">
-                <a16:creationId xmlns:a16="http://schemas.microsoft.com/office/drawing/2014/main" xmlns="" id="{92BC8844-D44E-4A34-A3E9-BBC46793D01F}"/>
+                <a16:creationId xmlns="" xmlns:a16="http://schemas.microsoft.com/office/drawing/2014/main" id="{92BC8844-D44E-4A34-A3E9-BBC46793D01F}"/>
               </a:ext>
             </a:extLst>
           </p:cNvPr>
@@ -8349,7 +8349,7 @@
           <p:cNvPr id="3" name="Inhaltsplatzhalter 2">
             <a:extLst>
               <a:ext uri="{FF2B5EF4-FFF2-40B4-BE49-F238E27FC236}">
-                <a16:creationId xmlns:a16="http://schemas.microsoft.com/office/drawing/2014/main" xmlns="" id="{226BDF4D-EA65-4EB5-9166-5B6F009BEDE8}"/>
+                <a16:creationId xmlns="" xmlns:a16="http://schemas.microsoft.com/office/drawing/2014/main" id="{226BDF4D-EA65-4EB5-9166-5B6F009BEDE8}"/>
               </a:ext>
             </a:extLst>
           </p:cNvPr>
@@ -8407,7 +8407,7 @@
           <p:cNvPr id="2" name="Titel 1">
             <a:extLst>
               <a:ext uri="{FF2B5EF4-FFF2-40B4-BE49-F238E27FC236}">
-                <a16:creationId xmlns:a16="http://schemas.microsoft.com/office/drawing/2014/main" xmlns="" id="{B021C1F3-433C-41E3-8587-65D5BDA4F317}"/>
+                <a16:creationId xmlns="" xmlns:a16="http://schemas.microsoft.com/office/drawing/2014/main" id="{B021C1F3-433C-41E3-8587-65D5BDA4F317}"/>
               </a:ext>
             </a:extLst>
           </p:cNvPr>
@@ -8435,7 +8435,7 @@
           <p:cNvPr id="3" name="Inhaltsplatzhalter 2">
             <a:extLst>
               <a:ext uri="{FF2B5EF4-FFF2-40B4-BE49-F238E27FC236}">
-                <a16:creationId xmlns:a16="http://schemas.microsoft.com/office/drawing/2014/main" xmlns="" id="{CF5061C2-25E2-4A53-BCDE-093C837A0F45}"/>
+                <a16:creationId xmlns="" xmlns:a16="http://schemas.microsoft.com/office/drawing/2014/main" id="{CF5061C2-25E2-4A53-BCDE-093C837A0F45}"/>
               </a:ext>
             </a:extLst>
           </p:cNvPr>
@@ -8493,7 +8493,7 @@
           <p:cNvPr id="2" name="Titel 1">
             <a:extLst>
               <a:ext uri="{FF2B5EF4-FFF2-40B4-BE49-F238E27FC236}">
-                <a16:creationId xmlns:a16="http://schemas.microsoft.com/office/drawing/2014/main" xmlns="" id="{D329A526-CE1D-48AD-8C37-10B31DD1A94A}"/>
+                <a16:creationId xmlns="" xmlns:a16="http://schemas.microsoft.com/office/drawing/2014/main" id="{D329A526-CE1D-48AD-8C37-10B31DD1A94A}"/>
               </a:ext>
             </a:extLst>
           </p:cNvPr>
@@ -8521,7 +8521,7 @@
           <p:cNvPr id="3" name="Inhaltsplatzhalter 2">
             <a:extLst>
               <a:ext uri="{FF2B5EF4-FFF2-40B4-BE49-F238E27FC236}">
-                <a16:creationId xmlns:a16="http://schemas.microsoft.com/office/drawing/2014/main" xmlns="" id="{BA4C428F-6F17-477B-9503-2C9FE4D7286D}"/>
+                <a16:creationId xmlns="" xmlns:a16="http://schemas.microsoft.com/office/drawing/2014/main" id="{BA4C428F-6F17-477B-9503-2C9FE4D7286D}"/>
               </a:ext>
             </a:extLst>
           </p:cNvPr>
@@ -8593,7 +8593,7 @@
           <p:cNvPr id="2" name="Titel 1">
             <a:extLst>
               <a:ext uri="{FF2B5EF4-FFF2-40B4-BE49-F238E27FC236}">
-                <a16:creationId xmlns:a16="http://schemas.microsoft.com/office/drawing/2014/main" xmlns="" id="{8643BECD-9FC8-4139-AF9D-AAB9BD9ABF1F}"/>
+                <a16:creationId xmlns="" xmlns:a16="http://schemas.microsoft.com/office/drawing/2014/main" id="{8643BECD-9FC8-4139-AF9D-AAB9BD9ABF1F}"/>
               </a:ext>
             </a:extLst>
           </p:cNvPr>
@@ -8621,7 +8621,7 @@
           <p:cNvPr id="3" name="Inhaltsplatzhalter 2">
             <a:extLst>
               <a:ext uri="{FF2B5EF4-FFF2-40B4-BE49-F238E27FC236}">
-                <a16:creationId xmlns:a16="http://schemas.microsoft.com/office/drawing/2014/main" xmlns="" id="{E42A3100-1EC4-4CA1-8073-DBF9AE2DE022}"/>
+                <a16:creationId xmlns="" xmlns:a16="http://schemas.microsoft.com/office/drawing/2014/main" id="{E42A3100-1EC4-4CA1-8073-DBF9AE2DE022}"/>
               </a:ext>
             </a:extLst>
           </p:cNvPr>
@@ -8679,7 +8679,7 @@
           <p:cNvPr id="2" name="Titel 1">
             <a:extLst>
               <a:ext uri="{FF2B5EF4-FFF2-40B4-BE49-F238E27FC236}">
-                <a16:creationId xmlns:a16="http://schemas.microsoft.com/office/drawing/2014/main" xmlns="" id="{A6803A1C-048A-4BD5-BB5C-6AD0F129ECC9}"/>
+                <a16:creationId xmlns="" xmlns:a16="http://schemas.microsoft.com/office/drawing/2014/main" id="{A6803A1C-048A-4BD5-BB5C-6AD0F129ECC9}"/>
               </a:ext>
             </a:extLst>
           </p:cNvPr>
@@ -8707,7 +8707,7 @@
           <p:cNvPr id="3" name="Inhaltsplatzhalter 2">
             <a:extLst>
               <a:ext uri="{FF2B5EF4-FFF2-40B4-BE49-F238E27FC236}">
-                <a16:creationId xmlns:a16="http://schemas.microsoft.com/office/drawing/2014/main" xmlns="" id="{13708A06-7247-4796-B127-BA1268EFB4F0}"/>
+                <a16:creationId xmlns="" xmlns:a16="http://schemas.microsoft.com/office/drawing/2014/main" id="{13708A06-7247-4796-B127-BA1268EFB4F0}"/>
               </a:ext>
             </a:extLst>
           </p:cNvPr>
@@ -8801,7 +8801,7 @@
           <p:cNvPr id="2" name="Titel 1">
             <a:extLst>
               <a:ext uri="{FF2B5EF4-FFF2-40B4-BE49-F238E27FC236}">
-                <a16:creationId xmlns:a16="http://schemas.microsoft.com/office/drawing/2014/main" xmlns="" id="{D27A44A1-7D5C-4ED1-B1CC-16A1827DE5CE}"/>
+                <a16:creationId xmlns="" xmlns:a16="http://schemas.microsoft.com/office/drawing/2014/main" id="{D27A44A1-7D5C-4ED1-B1CC-16A1827DE5CE}"/>
               </a:ext>
             </a:extLst>
           </p:cNvPr>
@@ -8829,7 +8829,7 @@
           <p:cNvPr id="3" name="Inhaltsplatzhalter 2">
             <a:extLst>
               <a:ext uri="{FF2B5EF4-FFF2-40B4-BE49-F238E27FC236}">
-                <a16:creationId xmlns:a16="http://schemas.microsoft.com/office/drawing/2014/main" xmlns="" id="{0A11E94A-080C-4F4A-B9ED-FC1B878B8CE0}"/>
+                <a16:creationId xmlns="" xmlns:a16="http://schemas.microsoft.com/office/drawing/2014/main" id="{0A11E94A-080C-4F4A-B9ED-FC1B878B8CE0}"/>
               </a:ext>
             </a:extLst>
           </p:cNvPr>
@@ -9178,14 +9178,14 @@
                 <a:gridCol w="3411538">
                   <a:extLst>
                     <a:ext uri="{9D8B030D-6E8A-4147-A177-3AD203B41FA5}">
-                      <a16:colId xmlns:a16="http://schemas.microsoft.com/office/drawing/2014/main" xmlns="" val="20000"/>
+                      <a16:colId xmlns="" xmlns:a16="http://schemas.microsoft.com/office/drawing/2014/main" val="20000"/>
                     </a:ext>
                   </a:extLst>
                 </a:gridCol>
                 <a:gridCol w="3411538">
                   <a:extLst>
                     <a:ext uri="{9D8B030D-6E8A-4147-A177-3AD203B41FA5}">
-                      <a16:colId xmlns:a16="http://schemas.microsoft.com/office/drawing/2014/main" xmlns="" val="20001"/>
+                      <a16:colId xmlns="" xmlns:a16="http://schemas.microsoft.com/office/drawing/2014/main" val="20001"/>
                     </a:ext>
                   </a:extLst>
                 </a:gridCol>
@@ -9227,7 +9227,7 @@
                 </a:tc>
                 <a:extLst>
                   <a:ext uri="{0D108BD9-81ED-4DB2-BD59-A6C34878D82A}">
-                    <a16:rowId xmlns:a16="http://schemas.microsoft.com/office/drawing/2014/main" xmlns="" val="10000"/>
+                    <a16:rowId xmlns="" xmlns:a16="http://schemas.microsoft.com/office/drawing/2014/main" val="10000"/>
                   </a:ext>
                 </a:extLst>
               </a:tr>
@@ -9265,7 +9265,7 @@
                 </a:tc>
                 <a:extLst>
                   <a:ext uri="{0D108BD9-81ED-4DB2-BD59-A6C34878D82A}">
-                    <a16:rowId xmlns:a16="http://schemas.microsoft.com/office/drawing/2014/main" xmlns="" val="10001"/>
+                    <a16:rowId xmlns="" xmlns:a16="http://schemas.microsoft.com/office/drawing/2014/main" val="10001"/>
                   </a:ext>
                 </a:extLst>
               </a:tr>
@@ -9319,7 +9319,7 @@
                 </a:tc>
                 <a:extLst>
                   <a:ext uri="{0D108BD9-81ED-4DB2-BD59-A6C34878D82A}">
-                    <a16:rowId xmlns:a16="http://schemas.microsoft.com/office/drawing/2014/main" xmlns="" val="10002"/>
+                    <a16:rowId xmlns="" xmlns:a16="http://schemas.microsoft.com/office/drawing/2014/main" val="10002"/>
                   </a:ext>
                 </a:extLst>
               </a:tr>
@@ -9373,7 +9373,7 @@
                 </a:tc>
                 <a:extLst>
                   <a:ext uri="{0D108BD9-81ED-4DB2-BD59-A6C34878D82A}">
-                    <a16:rowId xmlns:a16="http://schemas.microsoft.com/office/drawing/2014/main" xmlns="" val="10003"/>
+                    <a16:rowId xmlns="" xmlns:a16="http://schemas.microsoft.com/office/drawing/2014/main" val="10003"/>
                   </a:ext>
                 </a:extLst>
               </a:tr>
@@ -9427,7 +9427,7 @@
                 </a:tc>
                 <a:extLst>
                   <a:ext uri="{0D108BD9-81ED-4DB2-BD59-A6C34878D82A}">
-                    <a16:rowId xmlns:a16="http://schemas.microsoft.com/office/drawing/2014/main" xmlns="" val="10004"/>
+                    <a16:rowId xmlns="" xmlns:a16="http://schemas.microsoft.com/office/drawing/2014/main" val="10004"/>
                   </a:ext>
                 </a:extLst>
               </a:tr>
@@ -9481,7 +9481,7 @@
                 </a:tc>
                 <a:extLst>
                   <a:ext uri="{0D108BD9-81ED-4DB2-BD59-A6C34878D82A}">
-                    <a16:rowId xmlns:a16="http://schemas.microsoft.com/office/drawing/2014/main" xmlns="" val="10005"/>
+                    <a16:rowId xmlns="" xmlns:a16="http://schemas.microsoft.com/office/drawing/2014/main" val="10005"/>
                   </a:ext>
                 </a:extLst>
               </a:tr>
@@ -9535,7 +9535,7 @@
                 </a:tc>
                 <a:extLst>
                   <a:ext uri="{0D108BD9-81ED-4DB2-BD59-A6C34878D82A}">
-                    <a16:rowId xmlns:a16="http://schemas.microsoft.com/office/drawing/2014/main" xmlns="" val="10006"/>
+                    <a16:rowId xmlns="" xmlns:a16="http://schemas.microsoft.com/office/drawing/2014/main" val="10006"/>
                   </a:ext>
                 </a:extLst>
               </a:tr>
@@ -9589,7 +9589,7 @@
                 </a:tc>
                 <a:extLst>
                   <a:ext uri="{0D108BD9-81ED-4DB2-BD59-A6C34878D82A}">
-                    <a16:rowId xmlns:a16="http://schemas.microsoft.com/office/drawing/2014/main" xmlns="" val="10007"/>
+                    <a16:rowId xmlns="" xmlns:a16="http://schemas.microsoft.com/office/drawing/2014/main" val="10007"/>
                   </a:ext>
                 </a:extLst>
               </a:tr>
@@ -9812,7 +9812,7 @@
           <p:cNvPr id="2" name="Titel 1">
             <a:extLst>
               <a:ext uri="{FF2B5EF4-FFF2-40B4-BE49-F238E27FC236}">
-                <a16:creationId xmlns:a16="http://schemas.microsoft.com/office/drawing/2014/main" xmlns="" id="{097E6A6D-464E-4766-AAF3-C4FECB9FA991}"/>
+                <a16:creationId xmlns="" xmlns:a16="http://schemas.microsoft.com/office/drawing/2014/main" id="{097E6A6D-464E-4766-AAF3-C4FECB9FA991}"/>
               </a:ext>
             </a:extLst>
           </p:cNvPr>
@@ -9842,7 +9842,7 @@
               <p:cNvPr id="3" name="Inhaltsplatzhalter 2">
                 <a:extLst>
                   <a:ext uri="{FF2B5EF4-FFF2-40B4-BE49-F238E27FC236}">
-                    <a16:creationId xmlns:a16="http://schemas.microsoft.com/office/drawing/2014/main" xmlns="" id="{0E9598F0-1E7C-41F5-AC85-FE84123CF1DA}"/>
+                    <a16:creationId xmlns="" xmlns:a16="http://schemas.microsoft.com/office/drawing/2014/main" id="{0E9598F0-1E7C-41F5-AC85-FE84123CF1DA}"/>
                   </a:ext>
                 </a:extLst>
               </p:cNvPr>
@@ -11048,7 +11048,7 @@
           <p:cNvPr id="2" name="Titel 1">
             <a:extLst>
               <a:ext uri="{FF2B5EF4-FFF2-40B4-BE49-F238E27FC236}">
-                <a16:creationId xmlns:a16="http://schemas.microsoft.com/office/drawing/2014/main" xmlns="" id="{2466B14E-2CAE-450A-835B-07642C6772FC}"/>
+                <a16:creationId xmlns="" xmlns:a16="http://schemas.microsoft.com/office/drawing/2014/main" id="{2466B14E-2CAE-450A-835B-07642C6772FC}"/>
               </a:ext>
             </a:extLst>
           </p:cNvPr>
@@ -11076,7 +11076,7 @@
           <p:cNvPr id="3" name="Inhaltsplatzhalter 2">
             <a:extLst>
               <a:ext uri="{FF2B5EF4-FFF2-40B4-BE49-F238E27FC236}">
-                <a16:creationId xmlns:a16="http://schemas.microsoft.com/office/drawing/2014/main" xmlns="" id="{CCE11E07-3335-434C-8B03-5B1BAEAEC7C5}"/>
+                <a16:creationId xmlns="" xmlns:a16="http://schemas.microsoft.com/office/drawing/2014/main" id="{CCE11E07-3335-434C-8B03-5B1BAEAEC7C5}"/>
               </a:ext>
             </a:extLst>
           </p:cNvPr>
@@ -11150,7 +11150,7 @@
           <p:cNvPr id="2" name="Titel 1">
             <a:extLst>
               <a:ext uri="{FF2B5EF4-FFF2-40B4-BE49-F238E27FC236}">
-                <a16:creationId xmlns:a16="http://schemas.microsoft.com/office/drawing/2014/main" xmlns="" id="{B0EB02CB-0053-457A-BB5F-5D64278141CC}"/>
+                <a16:creationId xmlns="" xmlns:a16="http://schemas.microsoft.com/office/drawing/2014/main" id="{B0EB02CB-0053-457A-BB5F-5D64278141CC}"/>
               </a:ext>
             </a:extLst>
           </p:cNvPr>
@@ -11178,7 +11178,7 @@
           <p:cNvPr id="3" name="Inhaltsplatzhalter 2">
             <a:extLst>
               <a:ext uri="{FF2B5EF4-FFF2-40B4-BE49-F238E27FC236}">
-                <a16:creationId xmlns:a16="http://schemas.microsoft.com/office/drawing/2014/main" xmlns="" id="{756355A6-13F9-40C1-8AD3-1534717E7B09}"/>
+                <a16:creationId xmlns="" xmlns:a16="http://schemas.microsoft.com/office/drawing/2014/main" id="{756355A6-13F9-40C1-8AD3-1534717E7B09}"/>
               </a:ext>
             </a:extLst>
           </p:cNvPr>
@@ -11240,7 +11240,7 @@
           <p:cNvPr id="2" name="Titel 1">
             <a:extLst>
               <a:ext uri="{FF2B5EF4-FFF2-40B4-BE49-F238E27FC236}">
-                <a16:creationId xmlns:a16="http://schemas.microsoft.com/office/drawing/2014/main" xmlns="" id="{8DE61EE4-0A2E-4DFD-BE73-F3D4D2210025}"/>
+                <a16:creationId xmlns="" xmlns:a16="http://schemas.microsoft.com/office/drawing/2014/main" id="{8DE61EE4-0A2E-4DFD-BE73-F3D4D2210025}"/>
               </a:ext>
             </a:extLst>
           </p:cNvPr>
@@ -11268,7 +11268,7 @@
           <p:cNvPr id="3" name="Inhaltsplatzhalter 2">
             <a:extLst>
               <a:ext uri="{FF2B5EF4-FFF2-40B4-BE49-F238E27FC236}">
-                <a16:creationId xmlns:a16="http://schemas.microsoft.com/office/drawing/2014/main" xmlns="" id="{D3AA39F9-9931-48BD-9CE6-A9A42797156C}"/>
+                <a16:creationId xmlns="" xmlns:a16="http://schemas.microsoft.com/office/drawing/2014/main" id="{D3AA39F9-9931-48BD-9CE6-A9A42797156C}"/>
               </a:ext>
             </a:extLst>
           </p:cNvPr>
@@ -11323,7 +11323,7 @@
           <p:cNvPr id="2" name="Titel 1">
             <a:extLst>
               <a:ext uri="{FF2B5EF4-FFF2-40B4-BE49-F238E27FC236}">
-                <a16:creationId xmlns:a16="http://schemas.microsoft.com/office/drawing/2014/main" xmlns="" id="{5468A21C-5F1B-49A9-9615-E49303F1DFD8}"/>
+                <a16:creationId xmlns="" xmlns:a16="http://schemas.microsoft.com/office/drawing/2014/main" id="{5468A21C-5F1B-49A9-9615-E49303F1DFD8}"/>
               </a:ext>
             </a:extLst>
           </p:cNvPr>
@@ -11351,7 +11351,7 @@
           <p:cNvPr id="3" name="Inhaltsplatzhalter 2">
             <a:extLst>
               <a:ext uri="{FF2B5EF4-FFF2-40B4-BE49-F238E27FC236}">
-                <a16:creationId xmlns:a16="http://schemas.microsoft.com/office/drawing/2014/main" xmlns="" id="{71D6F8BC-B1F4-4464-B16C-BE0C1ED3F521}"/>
+                <a16:creationId xmlns="" xmlns:a16="http://schemas.microsoft.com/office/drawing/2014/main" id="{71D6F8BC-B1F4-4464-B16C-BE0C1ED3F521}"/>
               </a:ext>
             </a:extLst>
           </p:cNvPr>
@@ -11412,6 +11412,14 @@
 <file path=ppt/slides/slide8.xml><?xml version="1.0" encoding="utf-8"?>
 <p:sld xmlns:a="http://schemas.openxmlformats.org/drawingml/2006/main" xmlns:r="http://schemas.openxmlformats.org/officeDocument/2006/relationships" xmlns:p="http://schemas.openxmlformats.org/presentationml/2006/main">
   <p:cSld>
+    <p:bg>
+      <p:bgPr>
+        <a:solidFill>
+          <a:schemeClr val="bg1"/>
+        </a:solidFill>
+        <a:effectLst/>
+      </p:bgPr>
+    </p:bg>
     <p:spTree>
       <p:nvGrpSpPr>
         <p:cNvPr id="1" name=""/>
@@ -11449,13 +11457,8 @@
           <a:p>
             <a:r>
               <a:rPr lang="de-DE" dirty="0"/>
-              <a:t>Aachen-Turbine: </a:t>
-            </a:r>
-            <a:r>
-              <a:rPr lang="de-DE" dirty="0" smtClean="0"/>
-              <a:t>Vorgehen (1)</a:t>
-            </a:r>
-            <a:endParaRPr lang="de-DE" dirty="0"/>
+              <a:t>Aachen-Turbine: Vorgehen (1)</a:t>
+            </a:r>
           </a:p>
         </p:txBody>
       </p:sp>
@@ -11478,7 +11481,7 @@
         <p:spPr>
           <a:xfrm>
             <a:off x="360000" y="1620001"/>
-            <a:ext cx="6823569" cy="4329280"/>
+            <a:ext cx="6823569" cy="3107756"/>
           </a:xfrm>
         </p:spPr>
         <p:txBody>
@@ -11486,32 +11489,124 @@
           <a:lstStyle/>
           <a:p>
             <a:r>
-              <a:rPr lang="de-DE" dirty="0" smtClean="0"/>
+              <a:rPr lang="de-DE" dirty="0"/>
               <a:t>Erstellung eines Referenzgitters mit AutoGrid5</a:t>
             </a:r>
           </a:p>
           <a:p>
             <a:r>
-              <a:rPr lang="de-DE" dirty="0" smtClean="0"/>
+              <a:rPr lang="de-DE" dirty="0"/>
               <a:t>Manuelle Optimierung für ausreichend gute Netzqualität:</a:t>
             </a:r>
           </a:p>
           <a:p>
             <a:pPr lvl="2"/>
             <a:r>
-              <a:rPr lang="de-DE" dirty="0" smtClean="0"/>
+              <a:rPr lang="de-DE" dirty="0"/>
               <a:t>Keine negativen Kontrollvolumen</a:t>
             </a:r>
           </a:p>
           <a:p>
             <a:pPr lvl="2"/>
             <a:r>
-              <a:rPr lang="de-DE" dirty="0" smtClean="0"/>
+              <a:rPr lang="de-DE" dirty="0"/>
               <a:t>Kleinster Winkel einer Zelle &gt; 20°</a:t>
             </a:r>
           </a:p>
           <a:p>
             <a:pPr lvl="2"/>
+            <a:r>
+              <a:rPr lang="de-DE" dirty="0"/>
+              <a:t>Expansion </a:t>
+            </a:r>
+            <a:r>
+              <a:rPr lang="de-DE" dirty="0" err="1"/>
+              <a:t>ratio</a:t>
+            </a:r>
+            <a:r>
+              <a:rPr lang="de-DE" dirty="0"/>
+              <a:t> &lt; 3</a:t>
+            </a:r>
+          </a:p>
+          <a:p>
+            <a:pPr lvl="2"/>
+            <a:r>
+              <a:rPr lang="de-DE" dirty="0" err="1"/>
+              <a:t>Aspect</a:t>
+            </a:r>
+            <a:r>
+              <a:rPr lang="de-DE" dirty="0"/>
+              <a:t> </a:t>
+            </a:r>
+            <a:r>
+              <a:rPr lang="de-DE" dirty="0" err="1"/>
+              <a:t>ratio</a:t>
+            </a:r>
+            <a:r>
+              <a:rPr lang="de-DE" dirty="0"/>
+              <a:t> &lt; 1500</a:t>
+            </a:r>
+          </a:p>
+          <a:p>
+            <a:r>
+              <a:rPr lang="de-DE" dirty="0"/>
+              <a:t>Spaltverfeinerung</a:t>
+            </a:r>
+          </a:p>
+        </p:txBody>
+      </p:sp>
+      <p:sp>
+        <p:nvSpPr>
+          <p:cNvPr id="5" name="Rechteck 4">
+            <a:extLst>
+              <a:ext uri="{FF2B5EF4-FFF2-40B4-BE49-F238E27FC236}">
+                <a16:creationId xmlns:a16="http://schemas.microsoft.com/office/drawing/2014/main" xmlns="" id="{100A8661-918C-422A-9F12-1449593EB770}"/>
+              </a:ext>
+            </a:extLst>
+          </p:cNvPr>
+          <p:cNvSpPr/>
+          <p:nvPr/>
+        </p:nvSpPr>
+        <p:spPr>
+          <a:xfrm>
+            <a:off x="2159732" y="4753477"/>
+            <a:ext cx="2160240" cy="1228956"/>
+          </a:xfrm>
+          <a:prstGeom prst="rect">
+            <a:avLst/>
+          </a:prstGeom>
+          <a:solidFill>
+            <a:srgbClr val="064E8A"/>
+          </a:solidFill>
+          <a:ln>
+            <a:solidFill>
+              <a:srgbClr val="001C26">
+                <a:alpha val="75000"/>
+              </a:srgbClr>
+            </a:solidFill>
+          </a:ln>
+        </p:spPr>
+        <p:style>
+          <a:lnRef idx="2">
+            <a:schemeClr val="accent1">
+              <a:shade val="50000"/>
+            </a:schemeClr>
+          </a:lnRef>
+          <a:fillRef idx="1">
+            <a:schemeClr val="accent1"/>
+          </a:fillRef>
+          <a:effectRef idx="0">
+            <a:schemeClr val="accent1"/>
+          </a:effectRef>
+          <a:fontRef idx="minor">
+            <a:schemeClr val="lt1"/>
+          </a:fontRef>
+        </p:style>
+        <p:txBody>
+          <a:bodyPr rtlCol="0" anchor="ctr"/>
+          <a:lstStyle/>
+          <a:p>
+            <a:pPr algn="ctr"/>
             <a:r>
               <a:rPr lang="de-DE" dirty="0" smtClean="0"/>
               <a:t>Expansion </a:t>
@@ -11524,9 +11619,103 @@
               <a:rPr lang="de-DE" dirty="0" smtClean="0"/>
               <a:t> &lt; 3</a:t>
             </a:r>
-          </a:p>
-          <a:p>
-            <a:pPr lvl="2"/>
+            <a:endParaRPr lang="de-DE" dirty="0"/>
+          </a:p>
+        </p:txBody>
+      </p:sp>
+      <p:cxnSp>
+        <p:nvCxnSpPr>
+          <p:cNvPr id="7" name="Gerader Verbinder 6">
+            <a:extLst>
+              <a:ext uri="{FF2B5EF4-FFF2-40B4-BE49-F238E27FC236}">
+                <a16:creationId xmlns:a16="http://schemas.microsoft.com/office/drawing/2014/main" xmlns="" id="{99319621-456B-4F9C-8AE3-990417BC162B}"/>
+              </a:ext>
+            </a:extLst>
+          </p:cNvPr>
+          <p:cNvCxnSpPr/>
+          <p:nvPr/>
+        </p:nvCxnSpPr>
+        <p:spPr>
+          <a:xfrm>
+            <a:off x="2159732" y="5157192"/>
+            <a:ext cx="2160240" cy="0"/>
+          </a:xfrm>
+          <a:prstGeom prst="line">
+            <a:avLst/>
+          </a:prstGeom>
+          <a:ln w="25400">
+            <a:solidFill>
+              <a:srgbClr val="FF0000"/>
+            </a:solidFill>
+          </a:ln>
+        </p:spPr>
+        <p:style>
+          <a:lnRef idx="1">
+            <a:schemeClr val="accent1"/>
+          </a:lnRef>
+          <a:fillRef idx="0">
+            <a:schemeClr val="accent1"/>
+          </a:fillRef>
+          <a:effectRef idx="0">
+            <a:schemeClr val="accent1"/>
+          </a:effectRef>
+          <a:fontRef idx="minor">
+            <a:schemeClr val="tx1"/>
+          </a:fontRef>
+        </p:style>
+      </p:cxnSp>
+      <p:sp>
+        <p:nvSpPr>
+          <p:cNvPr id="8" name="Rechteck 7">
+            <a:extLst>
+              <a:ext uri="{FF2B5EF4-FFF2-40B4-BE49-F238E27FC236}">
+                <a16:creationId xmlns:a16="http://schemas.microsoft.com/office/drawing/2014/main" xmlns="" id="{8524B71A-AA14-47C0-A247-D8BE9E17ACA5}"/>
+              </a:ext>
+            </a:extLst>
+          </p:cNvPr>
+          <p:cNvSpPr/>
+          <p:nvPr/>
+        </p:nvSpPr>
+        <p:spPr>
+          <a:xfrm>
+            <a:off x="5220072" y="5373216"/>
+            <a:ext cx="3600400" cy="659484"/>
+          </a:xfrm>
+          <a:prstGeom prst="rect">
+            <a:avLst/>
+          </a:prstGeom>
+          <a:solidFill>
+            <a:srgbClr val="064E8A"/>
+          </a:solidFill>
+          <a:ln>
+            <a:solidFill>
+              <a:srgbClr val="001C26">
+                <a:alpha val="75000"/>
+              </a:srgbClr>
+            </a:solidFill>
+          </a:ln>
+        </p:spPr>
+        <p:style>
+          <a:lnRef idx="2">
+            <a:schemeClr val="accent1">
+              <a:shade val="50000"/>
+            </a:schemeClr>
+          </a:lnRef>
+          <a:fillRef idx="1">
+            <a:schemeClr val="accent1"/>
+          </a:fillRef>
+          <a:effectRef idx="0">
+            <a:schemeClr val="accent1"/>
+          </a:effectRef>
+          <a:fontRef idx="minor">
+            <a:schemeClr val="lt1"/>
+          </a:fontRef>
+        </p:style>
+        <p:txBody>
+          <a:bodyPr rtlCol="0" anchor="ctr"/>
+          <a:lstStyle/>
+          <a:p>
+            <a:pPr algn="ctr"/>
             <a:r>
               <a:rPr lang="de-DE" dirty="0" err="1" smtClean="0"/>
               <a:t>Aspect</a:t>
@@ -11541,22 +11730,192 @@
             </a:r>
             <a:r>
               <a:rPr lang="de-DE" dirty="0" smtClean="0"/>
-              <a:t> &lt; 1500</a:t>
-            </a:r>
-          </a:p>
-          <a:p>
+              <a:t> </a:t>
+            </a:r>
             <a:r>
               <a:rPr lang="de-DE" dirty="0" smtClean="0"/>
-              <a:t>Spaltverfeinerung</a:t>
+              <a:t>&lt; 1500</a:t>
             </a:r>
             <a:endParaRPr lang="de-DE" dirty="0"/>
+          </a:p>
+        </p:txBody>
+      </p:sp>
+      <p:sp>
+        <p:nvSpPr>
+          <p:cNvPr id="10" name="Parallelogramm 9">
+            <a:extLst>
+              <a:ext uri="{FF2B5EF4-FFF2-40B4-BE49-F238E27FC236}">
+                <a16:creationId xmlns:a16="http://schemas.microsoft.com/office/drawing/2014/main" xmlns="" id="{F6BBA9AE-BA91-4C42-9E5C-0256A3AD969E}"/>
+              </a:ext>
+            </a:extLst>
+          </p:cNvPr>
+          <p:cNvSpPr/>
+          <p:nvPr/>
+        </p:nvSpPr>
+        <p:spPr>
+          <a:xfrm>
+            <a:off x="4788024" y="2924944"/>
+            <a:ext cx="3729073" cy="1152128"/>
+          </a:xfrm>
+          <a:prstGeom prst="parallelogram">
+            <a:avLst>
+              <a:gd name="adj" fmla="val 214936"/>
+            </a:avLst>
+          </a:prstGeom>
+          <a:solidFill>
+            <a:srgbClr val="064E8A"/>
+          </a:solidFill>
+          <a:ln>
+            <a:solidFill>
+              <a:schemeClr val="tx1">
+                <a:alpha val="75000"/>
+              </a:schemeClr>
+            </a:solidFill>
+          </a:ln>
+        </p:spPr>
+        <p:style>
+          <a:lnRef idx="2">
+            <a:schemeClr val="accent1">
+              <a:shade val="50000"/>
+            </a:schemeClr>
+          </a:lnRef>
+          <a:fillRef idx="1">
+            <a:schemeClr val="accent1"/>
+          </a:fillRef>
+          <a:effectRef idx="0">
+            <a:schemeClr val="accent1"/>
+          </a:effectRef>
+          <a:fontRef idx="minor">
+            <a:schemeClr val="lt1"/>
+          </a:fontRef>
+        </p:style>
+        <p:txBody>
+          <a:bodyPr rtlCol="0" anchor="ctr"/>
+          <a:lstStyle/>
+          <a:p>
+            <a:pPr algn="ctr"/>
+            <a:endParaRPr lang="de-DE"/>
+          </a:p>
+        </p:txBody>
+      </p:sp>
+      <p:sp>
+        <p:nvSpPr>
+          <p:cNvPr id="6" name="Bogen 5"/>
+          <p:cNvSpPr/>
+          <p:nvPr/>
+        </p:nvSpPr>
+        <p:spPr>
+          <a:xfrm>
+            <a:off x="5364088" y="3715726"/>
+            <a:ext cx="432048" cy="576064"/>
+          </a:xfrm>
+          <a:prstGeom prst="arc">
+            <a:avLst>
+              <a:gd name="adj1" fmla="val 16200000"/>
+              <a:gd name="adj2" fmla="val 903131"/>
+            </a:avLst>
+          </a:prstGeom>
+          <a:ln w="25400">
+            <a:solidFill>
+              <a:srgbClr val="FF0000"/>
+            </a:solidFill>
+          </a:ln>
+        </p:spPr>
+        <p:style>
+          <a:lnRef idx="1">
+            <a:schemeClr val="accent1"/>
+          </a:lnRef>
+          <a:fillRef idx="0">
+            <a:schemeClr val="accent1"/>
+          </a:fillRef>
+          <a:effectRef idx="0">
+            <a:schemeClr val="accent1"/>
+          </a:effectRef>
+          <a:fontRef idx="minor">
+            <a:schemeClr val="tx1"/>
+          </a:fontRef>
+        </p:style>
+        <p:txBody>
+          <a:bodyPr rtlCol="0" anchor="ctr"/>
+          <a:lstStyle/>
+          <a:p>
+            <a:pPr algn="ctr"/>
+            <a:endParaRPr lang="de-DE"/>
+          </a:p>
+        </p:txBody>
+      </p:sp>
+      <p:cxnSp>
+        <p:nvCxnSpPr>
+          <p:cNvPr id="13" name="Gerade Verbindung mit Pfeil 12"/>
+          <p:cNvCxnSpPr>
+            <a:stCxn id="17" idx="1"/>
+          </p:cNvCxnSpPr>
+          <p:nvPr/>
+        </p:nvCxnSpPr>
+        <p:spPr>
+          <a:xfrm flipH="1" flipV="1">
+            <a:off x="5580112" y="3882029"/>
+            <a:ext cx="317382" cy="652761"/>
+          </a:xfrm>
+          <a:prstGeom prst="straightConnector1">
+            <a:avLst/>
+          </a:prstGeom>
+          <a:ln w="25400">
+            <a:solidFill>
+              <a:srgbClr val="FF0000"/>
+            </a:solidFill>
+            <a:tailEnd type="triangle"/>
+          </a:ln>
+        </p:spPr>
+        <p:style>
+          <a:lnRef idx="1">
+            <a:schemeClr val="accent1"/>
+          </a:lnRef>
+          <a:fillRef idx="0">
+            <a:schemeClr val="accent1"/>
+          </a:fillRef>
+          <a:effectRef idx="0">
+            <a:schemeClr val="accent1"/>
+          </a:effectRef>
+          <a:fontRef idx="minor">
+            <a:schemeClr val="tx1"/>
+          </a:fontRef>
+        </p:style>
+      </p:cxnSp>
+      <p:sp>
+        <p:nvSpPr>
+          <p:cNvPr id="17" name="Textfeld 16"/>
+          <p:cNvSpPr txBox="1"/>
+          <p:nvPr/>
+        </p:nvSpPr>
+        <p:spPr>
+          <a:xfrm>
+            <a:off x="5897494" y="4350124"/>
+            <a:ext cx="1489510" cy="369332"/>
+          </a:xfrm>
+          <a:prstGeom prst="rect">
+            <a:avLst/>
+          </a:prstGeom>
+          <a:noFill/>
+        </p:spPr>
+        <p:txBody>
+          <a:bodyPr wrap="none" rtlCol="0">
+            <a:spAutoFit/>
+          </a:bodyPr>
+          <a:lstStyle/>
+          <a:p>
+            <a:r>
+              <a:rPr lang="de-DE" smtClean="0"/>
+              <a:t>Winkel &gt; 20°</a:t>
+            </a:r>
+            <a:endParaRPr lang="de-DE"/>
           </a:p>
         </p:txBody>
       </p:sp>
     </p:spTree>
     <p:extLst>
       <p:ext uri="{BB962C8B-B14F-4D97-AF65-F5344CB8AC3E}">
-        <p14:creationId xmlns:p14="http://schemas.microsoft.com/office/powerpoint/2010/main" val="378787473"/>
+        <p14:creationId xmlns:p14="http://schemas.microsoft.com/office/powerpoint/2010/main" val="1847428276"/>
       </p:ext>
     </p:extLst>
   </p:cSld>
@@ -11588,7 +11947,7 @@
           <p:cNvPr id="2" name="Titel 1">
             <a:extLst>
               <a:ext uri="{FF2B5EF4-FFF2-40B4-BE49-F238E27FC236}">
-                <a16:creationId xmlns:a16="http://schemas.microsoft.com/office/drawing/2014/main" xmlns="" id="{094F379C-23F4-4D35-86D6-1D1C29CAB88B}"/>
+                <a16:creationId xmlns="" xmlns:a16="http://schemas.microsoft.com/office/drawing/2014/main" id="{094F379C-23F4-4D35-86D6-1D1C29CAB88B}"/>
               </a:ext>
             </a:extLst>
           </p:cNvPr>
@@ -11623,7 +11982,7 @@
               <p:cNvPr id="3" name="Inhaltsplatzhalter 2">
                 <a:extLst>
                   <a:ext uri="{FF2B5EF4-FFF2-40B4-BE49-F238E27FC236}">
-                    <a16:creationId xmlns:a16="http://schemas.microsoft.com/office/drawing/2014/main" xmlns="" id="{1C3E671A-136E-4360-89A9-AD9DB1ED1606}"/>
+                    <a16:creationId xmlns="" xmlns:a16="http://schemas.microsoft.com/office/drawing/2014/main" id="{1C3E671A-136E-4360-89A9-AD9DB1ED1606}"/>
                   </a:ext>
                 </a:extLst>
               </p:cNvPr>

--- a/Präsentation/Abschluss_Präsentation_Markus.pptx
+++ b/Präsentation/Abschluss_Präsentation_Markus.pptx
@@ -303,7 +303,7 @@
             <a:fld id="{A32DC80D-291A-4ABB-A78B-0417274A267C}" type="datetime4">
               <a:rPr lang="de-DE"/>
               <a:pPr/>
-              <a:t>7. Juli 2017</a:t>
+              <a:t>9. Juli 2017</a:t>
             </a:fld>
             <a:endParaRPr lang="de-DE"/>
           </a:p>
@@ -686,7 +686,7 @@
             <a:fld id="{065B079B-E513-489A-8A1B-D7C78493EA86}" type="datetime4">
               <a:rPr lang="de-DE"/>
               <a:pPr/>
-              <a:t>7. Juli 2017</a:t>
+              <a:t>9. Juli 2017</a:t>
             </a:fld>
             <a:endParaRPr lang="de-DE"/>
           </a:p>
@@ -1324,7 +1324,7 @@
             <a:fld id="{065B079B-E513-489A-8A1B-D7C78493EA86}" type="datetime4">
               <a:rPr lang="de-DE" smtClean="0"/>
               <a:pPr/>
-              <a:t>7. Juli 2017</a:t>
+              <a:t>9. Juli 2017</a:t>
             </a:fld>
             <a:endParaRPr lang="de-DE"/>
           </a:p>
@@ -1467,7 +1467,7 @@
             <a:fld id="{065B079B-E513-489A-8A1B-D7C78493EA86}" type="datetime4">
               <a:rPr lang="de-DE" smtClean="0"/>
               <a:pPr/>
-              <a:t>7. Juli 2017</a:t>
+              <a:t>9. Juli 2017</a:t>
             </a:fld>
             <a:endParaRPr lang="de-DE"/>
           </a:p>
@@ -1610,7 +1610,7 @@
             <a:fld id="{065B079B-E513-489A-8A1B-D7C78493EA86}" type="datetime4">
               <a:rPr lang="de-DE" smtClean="0"/>
               <a:pPr/>
-              <a:t>7. Juli 2017</a:t>
+              <a:t>9. Juli 2017</a:t>
             </a:fld>
             <a:endParaRPr lang="de-DE"/>
           </a:p>
@@ -1750,7 +1750,7 @@
             <a:fld id="{065B079B-E513-489A-8A1B-D7C78493EA86}" type="datetime4">
               <a:rPr lang="de-DE" smtClean="0"/>
               <a:pPr/>
-              <a:t>7. Juli 2017</a:t>
+              <a:t>9. Juli 2017</a:t>
             </a:fld>
             <a:endParaRPr lang="de-DE"/>
           </a:p>
@@ -1894,7 +1894,7 @@
             <a:fld id="{065B079B-E513-489A-8A1B-D7C78493EA86}" type="datetime4">
               <a:rPr lang="de-DE" smtClean="0"/>
               <a:pPr/>
-              <a:t>7. Juli 2017</a:t>
+              <a:t>9. Juli 2017</a:t>
             </a:fld>
             <a:endParaRPr lang="de-DE"/>
           </a:p>
@@ -2038,7 +2038,7 @@
             <a:fld id="{065B079B-E513-489A-8A1B-D7C78493EA86}" type="datetime4">
               <a:rPr lang="de-DE" smtClean="0"/>
               <a:pPr/>
-              <a:t>7. Juli 2017</a:t>
+              <a:t>9. Juli 2017</a:t>
             </a:fld>
             <a:endParaRPr lang="de-DE"/>
           </a:p>
@@ -2182,7 +2182,7 @@
             <a:fld id="{065B079B-E513-489A-8A1B-D7C78493EA86}" type="datetime4">
               <a:rPr lang="de-DE" smtClean="0"/>
               <a:pPr/>
-              <a:t>7. Juli 2017</a:t>
+              <a:t>9. Juli 2017</a:t>
             </a:fld>
             <a:endParaRPr lang="de-DE"/>
           </a:p>
@@ -2325,7 +2325,7 @@
             <a:fld id="{065B079B-E513-489A-8A1B-D7C78493EA86}" type="datetime4">
               <a:rPr lang="de-DE" smtClean="0"/>
               <a:pPr/>
-              <a:t>7. Juli 2017</a:t>
+              <a:t>9. Juli 2017</a:t>
             </a:fld>
             <a:endParaRPr lang="de-DE"/>
           </a:p>
@@ -2468,7 +2468,7 @@
             <a:fld id="{065B079B-E513-489A-8A1B-D7C78493EA86}" type="datetime4">
               <a:rPr lang="de-DE" smtClean="0"/>
               <a:pPr/>
-              <a:t>7. Juli 2017</a:t>
+              <a:t>9. Juli 2017</a:t>
             </a:fld>
             <a:endParaRPr lang="de-DE"/>
           </a:p>
@@ -2611,7 +2611,7 @@
             <a:fld id="{065B079B-E513-489A-8A1B-D7C78493EA86}" type="datetime4">
               <a:rPr lang="de-DE" smtClean="0"/>
               <a:pPr/>
-              <a:t>7. Juli 2017</a:t>
+              <a:t>9. Juli 2017</a:t>
             </a:fld>
             <a:endParaRPr lang="de-DE"/>
           </a:p>
@@ -2760,7 +2760,7 @@
             <a:fld id="{065B079B-E513-489A-8A1B-D7C78493EA86}" type="datetime4">
               <a:rPr lang="de-DE" smtClean="0"/>
               <a:pPr/>
-              <a:t>7. Juli 2017</a:t>
+              <a:t>9. Juli 2017</a:t>
             </a:fld>
             <a:endParaRPr lang="de-DE"/>
           </a:p>
@@ -2903,7 +2903,7 @@
             <a:fld id="{065B079B-E513-489A-8A1B-D7C78493EA86}" type="datetime4">
               <a:rPr lang="de-DE" smtClean="0"/>
               <a:pPr/>
-              <a:t>7. Juli 2017</a:t>
+              <a:t>9. Juli 2017</a:t>
             </a:fld>
             <a:endParaRPr lang="de-DE"/>
           </a:p>
@@ -3039,7 +3039,7 @@
               <a:defRPr/>
             </a:pPr>
             <a:r>
-              <a:rPr lang="de-DE" dirty="0" smtClean="0"/>
+              <a:rPr lang="de-DE" dirty="0"/>
               <a:t>Markus</a:t>
             </a:r>
           </a:p>
@@ -3062,14 +3062,14 @@
               <a:defRPr/>
             </a:pPr>
             <a:r>
-              <a:rPr lang="de-DE" dirty="0" smtClean="0"/>
+              <a:rPr lang="de-DE" dirty="0"/>
               <a:t>P_T: Leistung</a:t>
             </a:r>
             <a:r>
-              <a:rPr lang="de-DE" baseline="0" dirty="0" smtClean="0"/>
+              <a:rPr lang="de-DE" baseline="0" dirty="0"/>
               <a:t> von Strömung an Turbine abgegeben</a:t>
             </a:r>
-            <a:endParaRPr lang="de-DE" dirty="0" smtClean="0"/>
+            <a:endParaRPr lang="de-DE" dirty="0"/>
           </a:p>
           <a:p>
             <a:pPr marL="0" marR="0" indent="0" algn="l" defTabSz="914400" rtl="0" eaLnBrk="1" fontAlgn="base" latinLnBrk="0" hangingPunct="1">
@@ -3090,26 +3090,26 @@
               <a:defRPr/>
             </a:pPr>
             <a:r>
-              <a:rPr lang="de-DE" dirty="0" err="1" smtClean="0"/>
+              <a:rPr lang="de-DE" dirty="0" err="1"/>
               <a:t>todo</a:t>
             </a:r>
             <a:r>
-              <a:rPr lang="de-DE" dirty="0" smtClean="0"/>
+              <a:rPr lang="de-DE" dirty="0"/>
               <a:t> h-s </a:t>
             </a:r>
             <a:r>
-              <a:rPr lang="de-DE" dirty="0" err="1" smtClean="0"/>
+              <a:rPr lang="de-DE" dirty="0" err="1"/>
               <a:t>diagramm</a:t>
             </a:r>
             <a:r>
-              <a:rPr lang="de-DE" dirty="0" smtClean="0"/>
+              <a:rPr lang="de-DE" dirty="0"/>
               <a:t>, </a:t>
             </a:r>
             <a:r>
-              <a:rPr lang="de-DE" dirty="0" err="1" smtClean="0"/>
+              <a:rPr lang="de-DE" dirty="0" err="1"/>
               <a:t>turbine</a:t>
             </a:r>
-            <a:endParaRPr lang="de-DE" dirty="0" smtClean="0"/>
+            <a:endParaRPr lang="de-DE" dirty="0"/>
           </a:p>
           <a:p>
             <a:endParaRPr lang="de-DE" dirty="0"/>
@@ -3134,7 +3134,7 @@
             <a:fld id="{065B079B-E513-489A-8A1B-D7C78493EA86}" type="datetime4">
               <a:rPr lang="de-DE" smtClean="0"/>
               <a:pPr/>
-              <a:t>7. Juli 2017</a:t>
+              <a:t>9. Juli 2017</a:t>
             </a:fld>
             <a:endParaRPr lang="de-DE"/>
           </a:p>
@@ -3278,7 +3278,7 @@
             <a:fld id="{065B079B-E513-489A-8A1B-D7C78493EA86}" type="datetime4">
               <a:rPr lang="de-DE" smtClean="0"/>
               <a:pPr/>
-              <a:t>7. Juli 2017</a:t>
+              <a:t>9. Juli 2017</a:t>
             </a:fld>
             <a:endParaRPr lang="de-DE"/>
           </a:p>
@@ -3422,7 +3422,7 @@
             <a:fld id="{065B079B-E513-489A-8A1B-D7C78493EA86}" type="datetime4">
               <a:rPr lang="de-DE" smtClean="0"/>
               <a:pPr/>
-              <a:t>7. Juli 2017</a:t>
+              <a:t>9. Juli 2017</a:t>
             </a:fld>
             <a:endParaRPr lang="de-DE"/>
           </a:p>
@@ -3565,7 +3565,7 @@
             <a:fld id="{065B079B-E513-489A-8A1B-D7C78493EA86}" type="datetime4">
               <a:rPr lang="de-DE" smtClean="0"/>
               <a:pPr/>
-              <a:t>7. Juli 2017</a:t>
+              <a:t>9. Juli 2017</a:t>
             </a:fld>
             <a:endParaRPr lang="de-DE"/>
           </a:p>
@@ -3708,7 +3708,7 @@
             <a:fld id="{065B079B-E513-489A-8A1B-D7C78493EA86}" type="datetime4">
               <a:rPr lang="de-DE" smtClean="0"/>
               <a:pPr/>
-              <a:t>7. Juli 2017</a:t>
+              <a:t>9. Juli 2017</a:t>
             </a:fld>
             <a:endParaRPr lang="de-DE"/>
           </a:p>
@@ -3851,7 +3851,7 @@
             <a:fld id="{065B079B-E513-489A-8A1B-D7C78493EA86}" type="datetime4">
               <a:rPr lang="de-DE" smtClean="0"/>
               <a:pPr/>
-              <a:t>7. Juli 2017</a:t>
+              <a:t>9. Juli 2017</a:t>
             </a:fld>
             <a:endParaRPr lang="de-DE"/>
           </a:p>
@@ -3994,7 +3994,7 @@
             <a:fld id="{065B079B-E513-489A-8A1B-D7C78493EA86}" type="datetime4">
               <a:rPr lang="de-DE" smtClean="0"/>
               <a:pPr/>
-              <a:t>7. Juli 2017</a:t>
+              <a:t>9. Juli 2017</a:t>
             </a:fld>
             <a:endParaRPr lang="de-DE"/>
           </a:p>
@@ -4430,7 +4430,7 @@
                 <a:tabLst/>
                 <a:defRPr/>
               </a:pPr>
-              <a:t>07.07.17</a:t>
+              <a:t>09.07.2017</a:t>
             </a:fld>
             <a:r>
               <a:rPr kumimoji="0" lang="de-DE" sz="1000" b="0" i="0" u="none" strike="noStrike" kern="1200" cap="none" spc="0" normalizeH="0" baseline="0" noProof="0" dirty="0">
@@ -4876,7 +4876,7 @@
                 <a:tabLst/>
                 <a:defRPr/>
               </a:pPr>
-              <a:t>07.07.17</a:t>
+              <a:t>09.07.2017</a:t>
             </a:fld>
             <a:r>
               <a:rPr kumimoji="0" lang="de-DE" sz="1000" b="0" i="0" u="none" strike="noStrike" kern="1200" cap="none" spc="0" normalizeH="0" baseline="0" noProof="0" dirty="0">
@@ -6579,7 +6579,7 @@
                 <a:tabLst/>
                 <a:defRPr/>
               </a:pPr>
-              <a:t>07.07.17</a:t>
+              <a:t>09.07.2017</a:t>
             </a:fld>
             <a:r>
               <a:rPr kumimoji="0" lang="de-DE" sz="1000" b="0" i="0" u="none" strike="noStrike" kern="1200" cap="none" spc="0" normalizeH="0" baseline="0" noProof="0" dirty="0">
@@ -7298,7 +7298,7 @@
           <p:cNvPr id="4" name="Grafik 3">
             <a:extLst>
               <a:ext uri="{FF2B5EF4-FFF2-40B4-BE49-F238E27FC236}">
-                <a16:creationId xmlns="" xmlns:a16="http://schemas.microsoft.com/office/drawing/2014/main" id="{18A4F8C9-BC47-4597-A341-7BD061B63621}"/>
+                <a16:creationId xmlns:a16="http://schemas.microsoft.com/office/drawing/2014/main" id="{18A4F8C9-BC47-4597-A341-7BD061B63621}"/>
               </a:ext>
             </a:extLst>
           </p:cNvPr>
@@ -7328,7 +7328,7 @@
           <p:cNvPr id="8" name="Gerade Verbindung mit Pfeil 7">
             <a:extLst>
               <a:ext uri="{FF2B5EF4-FFF2-40B4-BE49-F238E27FC236}">
-                <a16:creationId xmlns="" xmlns:a16="http://schemas.microsoft.com/office/drawing/2014/main" id="{6AEE5332-9F2B-40A4-B03C-0CA4C32B5711}"/>
+                <a16:creationId xmlns:a16="http://schemas.microsoft.com/office/drawing/2014/main" id="{6AEE5332-9F2B-40A4-B03C-0CA4C32B5711}"/>
               </a:ext>
             </a:extLst>
           </p:cNvPr>
@@ -7372,7 +7372,7 @@
           <p:cNvPr id="9" name="Rechteck 8">
             <a:extLst>
               <a:ext uri="{FF2B5EF4-FFF2-40B4-BE49-F238E27FC236}">
-                <a16:creationId xmlns="" xmlns:a16="http://schemas.microsoft.com/office/drawing/2014/main" id="{3778A54C-BCC7-4667-8D22-D645A2858F58}"/>
+                <a16:creationId xmlns:a16="http://schemas.microsoft.com/office/drawing/2014/main" id="{3778A54C-BCC7-4667-8D22-D645A2858F58}"/>
               </a:ext>
             </a:extLst>
           </p:cNvPr>
@@ -7461,7 +7461,7 @@
           <p:cNvPr id="2" name="Titel 1">
             <a:extLst>
               <a:ext uri="{FF2B5EF4-FFF2-40B4-BE49-F238E27FC236}">
-                <a16:creationId xmlns="" xmlns:a16="http://schemas.microsoft.com/office/drawing/2014/main" id="{094F379C-23F4-4D35-86D6-1D1C29CAB88B}"/>
+                <a16:creationId xmlns:a16="http://schemas.microsoft.com/office/drawing/2014/main" id="{094F379C-23F4-4D35-86D6-1D1C29CAB88B}"/>
               </a:ext>
             </a:extLst>
           </p:cNvPr>
@@ -7479,13 +7479,8 @@
           <a:p>
             <a:r>
               <a:rPr lang="de-DE" dirty="0"/>
-              <a:t>Aachen-Turbine: </a:t>
-            </a:r>
-            <a:r>
-              <a:rPr lang="de-DE" dirty="0" smtClean="0"/>
-              <a:t>Vorgehen (3)</a:t>
-            </a:r>
-            <a:endParaRPr lang="de-DE" dirty="0"/>
+              <a:t>Aachen-Turbine: Vorgehen (3)</a:t>
+            </a:r>
           </a:p>
         </p:txBody>
       </p:sp>
@@ -7494,7 +7489,7 @@
           <p:cNvPr id="3" name="Inhaltsplatzhalter 2">
             <a:extLst>
               <a:ext uri="{FF2B5EF4-FFF2-40B4-BE49-F238E27FC236}">
-                <a16:creationId xmlns="" xmlns:a16="http://schemas.microsoft.com/office/drawing/2014/main" id="{1C3E671A-136E-4360-89A9-AD9DB1ED1606}"/>
+                <a16:creationId xmlns:a16="http://schemas.microsoft.com/office/drawing/2014/main" id="{1C3E671A-136E-4360-89A9-AD9DB1ED1606}"/>
               </a:ext>
             </a:extLst>
           </p:cNvPr>
@@ -7516,55 +7511,47 @@
           <a:lstStyle/>
           <a:p>
             <a:r>
-              <a:rPr lang="de-DE" dirty="0" smtClean="0"/>
-              <a:t>Gitterstudie (</a:t>
-            </a:r>
-            <a:r>
               <a:rPr lang="de-DE" dirty="0"/>
-              <a:t>Ziel: netzunabhängige E</a:t>
-            </a:r>
-            <a:r>
-              <a:rPr lang="de-DE" dirty="0" smtClean="0"/>
-              <a:t>rgebnisse)</a:t>
+              <a:t>Gitterstudie (Ziel: netzunabhängige Ergebnisse)</a:t>
             </a:r>
           </a:p>
           <a:p>
             <a:pPr lvl="2"/>
             <a:r>
-              <a:rPr lang="de-DE" dirty="0" smtClean="0"/>
+              <a:rPr lang="de-DE" dirty="0"/>
               <a:t>Variation der Verfeinerung des Gitters</a:t>
             </a:r>
           </a:p>
           <a:p>
             <a:pPr lvl="2"/>
             <a:r>
-              <a:rPr lang="de-DE" dirty="0" smtClean="0"/>
+              <a:rPr lang="de-DE" dirty="0"/>
               <a:t>Berechnung verschiedener Größen (z.B. Wirkungsgrade) auf den Gittern</a:t>
             </a:r>
           </a:p>
           <a:p>
             <a:pPr lvl="2"/>
             <a:r>
-              <a:rPr lang="de-DE" dirty="0" smtClean="0"/>
+              <a:rPr lang="de-DE" dirty="0"/>
               <a:t>Vergleich der Ergebnisse der verschiedenen Rechnungen</a:t>
             </a:r>
           </a:p>
           <a:p>
             <a:r>
-              <a:rPr lang="de-DE" dirty="0" smtClean="0"/>
+              <a:rPr lang="de-DE" dirty="0"/>
               <a:t>Resultat: unabhängiges Gitter mit den Kenngrößen:</a:t>
             </a:r>
           </a:p>
           <a:p>
             <a:pPr lvl="2"/>
             <a:r>
-              <a:rPr lang="de-DE" dirty="0" smtClean="0"/>
+              <a:rPr lang="de-DE" dirty="0"/>
               <a:t>Je ca. 2 Mio. Elemente in den Statoren und ca. 3 Mio. Elemente im Rotor</a:t>
             </a:r>
           </a:p>
           <a:p>
             <a:pPr lvl="2"/>
-            <a:endParaRPr lang="de-DE" dirty="0" smtClean="0"/>
+            <a:endParaRPr lang="de-DE" dirty="0"/>
           </a:p>
         </p:txBody>
       </p:sp>
@@ -7573,7 +7560,7 @@
           <p:cNvPr id="5" name="Inhaltsplatzhalter 3">
             <a:extLst>
               <a:ext uri="{FF2B5EF4-FFF2-40B4-BE49-F238E27FC236}">
-                <a16:creationId xmlns="" xmlns:a16="http://schemas.microsoft.com/office/drawing/2014/main" id="{9BE0C4F1-2D7A-4179-9985-55CFEF4AB9EA}"/>
+                <a16:creationId xmlns:a16="http://schemas.microsoft.com/office/drawing/2014/main" id="{9BE0C4F1-2D7A-4179-9985-55CFEF4AB9EA}"/>
               </a:ext>
             </a:extLst>
           </p:cNvPr>
@@ -7602,25 +7589,31 @@
                 <a:gridCol w="2470654">
                   <a:extLst>
                     <a:ext uri="{9D8B030D-6E8A-4147-A177-3AD203B41FA5}">
-                      <a16:colId xmlns="" xmlns:a16="http://schemas.microsoft.com/office/drawing/2014/main" val="20000"/>
+                      <a16:colId xmlns:a16="http://schemas.microsoft.com/office/drawing/2014/main" val="20000"/>
                     </a:ext>
                   </a:extLst>
                 </a:gridCol>
                 <a:gridCol w="1417779">
                   <a:extLst>
                     <a:ext uri="{9D8B030D-6E8A-4147-A177-3AD203B41FA5}">
-                      <a16:colId xmlns="" xmlns:a16="http://schemas.microsoft.com/office/drawing/2014/main" val="20001"/>
+                      <a16:colId xmlns:a16="http://schemas.microsoft.com/office/drawing/2014/main" val="20001"/>
                     </a:ext>
                   </a:extLst>
                 </a:gridCol>
                 <a:gridCol w="1512168">
                   <a:extLst>
                     <a:ext uri="{9D8B030D-6E8A-4147-A177-3AD203B41FA5}">
-                      <a16:colId xmlns="" xmlns:a16="http://schemas.microsoft.com/office/drawing/2014/main" val="2974703479"/>
+                      <a16:colId xmlns:a16="http://schemas.microsoft.com/office/drawing/2014/main" val="2974703479"/>
                     </a:ext>
                   </a:extLst>
                 </a:gridCol>
-                <a:gridCol w="1440160"/>
+                <a:gridCol w="1440160">
+                  <a:extLst>
+                    <a:ext uri="{9D8B030D-6E8A-4147-A177-3AD203B41FA5}">
+                      <a16:colId xmlns:a16="http://schemas.microsoft.com/office/drawing/2014/main" val="20003"/>
+                    </a:ext>
+                  </a:extLst>
+                </a:gridCol>
               </a:tblGrid>
               <a:tr h="383496">
                 <a:tc>
@@ -7629,10 +7622,9 @@
                     <a:lstStyle/>
                     <a:p>
                       <a:r>
-                        <a:rPr lang="de-DE" dirty="0" smtClean="0"/>
+                        <a:rPr lang="de-DE" dirty="0"/>
                         <a:t>Kenngröße</a:t>
                       </a:r>
-                      <a:endParaRPr lang="de-DE" dirty="0"/>
                     </a:p>
                   </a:txBody>
                   <a:tcPr>
@@ -7647,10 +7639,9 @@
                     <a:lstStyle/>
                     <a:p>
                       <a:r>
-                        <a:rPr lang="de-DE" dirty="0" smtClean="0"/>
+                        <a:rPr lang="de-DE" dirty="0"/>
                         <a:t>Stator1</a:t>
                       </a:r>
-                      <a:endParaRPr lang="de-DE" dirty="0"/>
                     </a:p>
                   </a:txBody>
                   <a:tcPr>
@@ -7665,10 +7656,9 @@
                     <a:lstStyle/>
                     <a:p>
                       <a:r>
-                        <a:rPr lang="de-DE" dirty="0" smtClean="0"/>
+                        <a:rPr lang="de-DE" dirty="0"/>
                         <a:t>Rotor</a:t>
                       </a:r>
-                      <a:endParaRPr lang="de-DE" dirty="0"/>
                     </a:p>
                   </a:txBody>
                   <a:tcPr>
@@ -7683,10 +7673,9 @@
                     <a:lstStyle/>
                     <a:p>
                       <a:r>
-                        <a:rPr lang="de-DE" dirty="0" smtClean="0"/>
+                        <a:rPr lang="de-DE" dirty="0"/>
                         <a:t>Stator2</a:t>
                       </a:r>
-                      <a:endParaRPr lang="de-DE" dirty="0"/>
                     </a:p>
                   </a:txBody>
                   <a:tcPr>
@@ -7697,7 +7686,7 @@
                 </a:tc>
                 <a:extLst>
                   <a:ext uri="{0D108BD9-81ED-4DB2-BD59-A6C34878D82A}">
-                    <a16:rowId xmlns="" xmlns:a16="http://schemas.microsoft.com/office/drawing/2014/main" val="10000"/>
+                    <a16:rowId xmlns:a16="http://schemas.microsoft.com/office/drawing/2014/main" val="10000"/>
                   </a:ext>
                 </a:extLst>
               </a:tr>
@@ -7708,10 +7697,9 @@
                     <a:lstStyle/>
                     <a:p>
                       <a:r>
-                        <a:rPr lang="de-DE" dirty="0" smtClean="0"/>
+                        <a:rPr lang="de-DE" dirty="0"/>
                         <a:t>Min. Winkel [°]</a:t>
                       </a:r>
-                      <a:endParaRPr lang="de-DE" dirty="0"/>
                     </a:p>
                   </a:txBody>
                   <a:tcPr/>
@@ -7723,10 +7711,9 @@
                     <a:p>
                       <a:pPr algn="ctr"/>
                       <a:r>
-                        <a:rPr lang="de-DE" dirty="0" smtClean="0"/>
+                        <a:rPr lang="de-DE" dirty="0"/>
                         <a:t>29.25</a:t>
                       </a:r>
-                      <a:endParaRPr lang="de-DE" dirty="0"/>
                     </a:p>
                   </a:txBody>
                   <a:tcPr/>
@@ -7738,10 +7725,9 @@
                     <a:p>
                       <a:pPr algn="ctr"/>
                       <a:r>
-                        <a:rPr lang="de-DE" dirty="0" smtClean="0"/>
+                        <a:rPr lang="de-DE" dirty="0"/>
                         <a:t>25.75</a:t>
                       </a:r>
-                      <a:endParaRPr lang="de-DE" dirty="0"/>
                     </a:p>
                   </a:txBody>
                   <a:tcPr/>
@@ -7753,7 +7739,7 @@
                     <a:p>
                       <a:pPr algn="ctr"/>
                       <a:r>
-                        <a:rPr lang="de-DE" dirty="0" smtClean="0"/>
+                        <a:rPr lang="de-DE" dirty="0"/>
                         <a:t>36.10</a:t>
                       </a:r>
                     </a:p>
@@ -7762,7 +7748,7 @@
                 </a:tc>
                 <a:extLst>
                   <a:ext uri="{0D108BD9-81ED-4DB2-BD59-A6C34878D82A}">
-                    <a16:rowId xmlns="" xmlns:a16="http://schemas.microsoft.com/office/drawing/2014/main" val="10001"/>
+                    <a16:rowId xmlns:a16="http://schemas.microsoft.com/office/drawing/2014/main" val="10001"/>
                   </a:ext>
                 </a:extLst>
               </a:tr>
@@ -7773,18 +7759,17 @@
                     <a:lstStyle/>
                     <a:p>
                       <a:r>
-                        <a:rPr lang="de-DE" dirty="0" smtClean="0"/>
+                        <a:rPr lang="de-DE" dirty="0"/>
                         <a:t>Max. </a:t>
                       </a:r>
                       <a:r>
-                        <a:rPr lang="de-DE" dirty="0" err="1" smtClean="0"/>
+                        <a:rPr lang="de-DE" dirty="0" err="1"/>
                         <a:t>Aspect</a:t>
                       </a:r>
                       <a:r>
-                        <a:rPr lang="de-DE" dirty="0" smtClean="0"/>
+                        <a:rPr lang="de-DE" dirty="0"/>
                         <a:t> Ratio</a:t>
                       </a:r>
-                      <a:endParaRPr lang="de-DE" dirty="0"/>
                     </a:p>
                   </a:txBody>
                   <a:tcPr/>
@@ -7796,7 +7781,7 @@
                     <a:p>
                       <a:pPr algn="ctr"/>
                       <a:r>
-                        <a:rPr lang="de-DE" sz="1800" kern="1200" dirty="0" smtClean="0">
+                        <a:rPr lang="de-DE" sz="1800" kern="1200" dirty="0">
                           <a:solidFill>
                             <a:schemeClr val="dk1"/>
                           </a:solidFill>
@@ -7819,10 +7804,9 @@
                     <a:p>
                       <a:pPr algn="ctr"/>
                       <a:r>
-                        <a:rPr lang="de-DE" dirty="0" smtClean="0"/>
+                        <a:rPr lang="de-DE" dirty="0"/>
                         <a:t>888.64</a:t>
                       </a:r>
-                      <a:endParaRPr lang="de-DE" dirty="0"/>
                     </a:p>
                   </a:txBody>
                   <a:tcPr/>
@@ -7834,17 +7818,16 @@
                     <a:p>
                       <a:pPr algn="ctr"/>
                       <a:r>
-                        <a:rPr lang="de-DE" dirty="0" smtClean="0"/>
+                        <a:rPr lang="de-DE" dirty="0"/>
                         <a:t>933.67</a:t>
                       </a:r>
-                      <a:endParaRPr lang="de-DE" dirty="0"/>
                     </a:p>
                   </a:txBody>
                   <a:tcPr/>
                 </a:tc>
                 <a:extLst>
                   <a:ext uri="{0D108BD9-81ED-4DB2-BD59-A6C34878D82A}">
-                    <a16:rowId xmlns="" xmlns:a16="http://schemas.microsoft.com/office/drawing/2014/main" val="10002"/>
+                    <a16:rowId xmlns:a16="http://schemas.microsoft.com/office/drawing/2014/main" val="10002"/>
                   </a:ext>
                 </a:extLst>
               </a:tr>
@@ -7855,11 +7838,11 @@
                     <a:lstStyle/>
                     <a:p>
                       <a:r>
-                        <a:rPr lang="de-DE" dirty="0" smtClean="0"/>
+                        <a:rPr lang="de-DE" dirty="0"/>
                         <a:t>Max. Expansion</a:t>
                       </a:r>
                       <a:r>
-                        <a:rPr lang="de-DE" baseline="0" dirty="0" smtClean="0"/>
+                        <a:rPr lang="de-DE" baseline="0" dirty="0"/>
                         <a:t> Ratio</a:t>
                       </a:r>
                       <a:endParaRPr lang="de-DE" dirty="0"/>
@@ -7874,7 +7857,7 @@
                     <a:p>
                       <a:pPr algn="ctr"/>
                       <a:r>
-                        <a:rPr lang="de-DE" sz="1800" kern="1200" dirty="0" smtClean="0">
+                        <a:rPr lang="de-DE" sz="1800" kern="1200" dirty="0">
                           <a:solidFill>
                             <a:schemeClr val="dk1"/>
                           </a:solidFill>
@@ -7897,10 +7880,9 @@
                     <a:p>
                       <a:pPr algn="ctr"/>
                       <a:r>
-                        <a:rPr lang="de-DE" dirty="0" smtClean="0"/>
+                        <a:rPr lang="de-DE" dirty="0"/>
                         <a:t>3.00</a:t>
                       </a:r>
-                      <a:endParaRPr lang="de-DE" dirty="0"/>
                     </a:p>
                   </a:txBody>
                   <a:tcPr/>
@@ -7912,17 +7894,16 @@
                     <a:p>
                       <a:pPr algn="ctr"/>
                       <a:r>
-                        <a:rPr lang="de-DE" dirty="0" smtClean="0"/>
+                        <a:rPr lang="de-DE" dirty="0"/>
                         <a:t>1.80</a:t>
                       </a:r>
-                      <a:endParaRPr lang="de-DE" dirty="0"/>
                     </a:p>
                   </a:txBody>
                   <a:tcPr/>
                 </a:tc>
                 <a:extLst>
                   <a:ext uri="{0D108BD9-81ED-4DB2-BD59-A6C34878D82A}">
-                    <a16:rowId xmlns="" xmlns:a16="http://schemas.microsoft.com/office/drawing/2014/main" val="10003"/>
+                    <a16:rowId xmlns:a16="http://schemas.microsoft.com/office/drawing/2014/main" val="10003"/>
                   </a:ext>
                 </a:extLst>
               </a:tr>
@@ -7965,7 +7946,7 @@
           <p:cNvPr id="2" name="Titel 1">
             <a:extLst>
               <a:ext uri="{FF2B5EF4-FFF2-40B4-BE49-F238E27FC236}">
-                <a16:creationId xmlns="" xmlns:a16="http://schemas.microsoft.com/office/drawing/2014/main" id="{094F379C-23F4-4D35-86D6-1D1C29CAB88B}"/>
+                <a16:creationId xmlns:a16="http://schemas.microsoft.com/office/drawing/2014/main" id="{094F379C-23F4-4D35-86D6-1D1C29CAB88B}"/>
               </a:ext>
             </a:extLst>
           </p:cNvPr>
@@ -7983,13 +7964,8 @@
           <a:p>
             <a:r>
               <a:rPr lang="de-DE" dirty="0"/>
-              <a:t>Aachen-Turbine: </a:t>
-            </a:r>
-            <a:r>
-              <a:rPr lang="de-DE" dirty="0" smtClean="0"/>
-              <a:t>Vorgehen (4)</a:t>
-            </a:r>
-            <a:endParaRPr lang="de-DE" dirty="0"/>
+              <a:t>Aachen-Turbine: Vorgehen (4)</a:t>
+            </a:r>
           </a:p>
         </p:txBody>
       </p:sp>
@@ -8004,7 +7980,7 @@
           </p:nvPr>
         </p:nvPicPr>
         <p:blipFill>
-          <a:blip r:embed="rId3">
+          <a:blip r:embed="rId3" cstate="print">
             <a:extLst>
               <a:ext uri="{28A0092B-C50C-407E-A947-70E740481C1C}">
                 <a14:useLocalDpi xmlns:a14="http://schemas.microsoft.com/office/drawing/2010/main" val="0"/>
@@ -8045,10 +8021,9 @@
           <a:lstStyle/>
           <a:p>
             <a:r>
-              <a:rPr lang="de-DE" dirty="0" smtClean="0"/>
+              <a:rPr lang="de-DE" dirty="0"/>
               <a:t>Wirkungsgrade auf verschiedenen Gittern</a:t>
             </a:r>
-            <a:endParaRPr lang="de-DE" dirty="0"/>
           </a:p>
         </p:txBody>
       </p:sp>
@@ -8087,7 +8062,7 @@
           <p:cNvPr id="2" name="Titel 1">
             <a:extLst>
               <a:ext uri="{FF2B5EF4-FFF2-40B4-BE49-F238E27FC236}">
-                <a16:creationId xmlns="" xmlns:a16="http://schemas.microsoft.com/office/drawing/2014/main" id="{E94AB448-E08C-4FC1-AAC0-98431019A5B8}"/>
+                <a16:creationId xmlns:a16="http://schemas.microsoft.com/office/drawing/2014/main" id="{E94AB448-E08C-4FC1-AAC0-98431019A5B8}"/>
               </a:ext>
             </a:extLst>
           </p:cNvPr>
@@ -8120,7 +8095,7 @@
           <p:cNvPr id="3" name="Inhaltsplatzhalter 2">
             <a:extLst>
               <a:ext uri="{FF2B5EF4-FFF2-40B4-BE49-F238E27FC236}">
-                <a16:creationId xmlns="" xmlns:a16="http://schemas.microsoft.com/office/drawing/2014/main" id="{EE905004-B708-4F44-A14B-50934B89FAB0}"/>
+                <a16:creationId xmlns:a16="http://schemas.microsoft.com/office/drawing/2014/main" id="{EE905004-B708-4F44-A14B-50934B89FAB0}"/>
               </a:ext>
             </a:extLst>
           </p:cNvPr>
@@ -8238,7 +8213,7 @@
           <p:cNvPr id="2" name="Titel 1">
             <a:extLst>
               <a:ext uri="{FF2B5EF4-FFF2-40B4-BE49-F238E27FC236}">
-                <a16:creationId xmlns="" xmlns:a16="http://schemas.microsoft.com/office/drawing/2014/main" id="{98E30EB0-62A0-4D55-AF97-782AB848AE3B}"/>
+                <a16:creationId xmlns:a16="http://schemas.microsoft.com/office/drawing/2014/main" id="{98E30EB0-62A0-4D55-AF97-782AB848AE3B}"/>
               </a:ext>
             </a:extLst>
           </p:cNvPr>
@@ -8266,7 +8241,7 @@
           <p:cNvPr id="3" name="Inhaltsplatzhalter 2">
             <a:extLst>
               <a:ext uri="{FF2B5EF4-FFF2-40B4-BE49-F238E27FC236}">
-                <a16:creationId xmlns="" xmlns:a16="http://schemas.microsoft.com/office/drawing/2014/main" id="{5CE73134-BC2B-467B-B2FE-58257A89BDB4}"/>
+                <a16:creationId xmlns:a16="http://schemas.microsoft.com/office/drawing/2014/main" id="{5CE73134-BC2B-467B-B2FE-58257A89BDB4}"/>
               </a:ext>
             </a:extLst>
           </p:cNvPr>
@@ -8321,7 +8296,7 @@
           <p:cNvPr id="2" name="Titel 1">
             <a:extLst>
               <a:ext uri="{FF2B5EF4-FFF2-40B4-BE49-F238E27FC236}">
-                <a16:creationId xmlns="" xmlns:a16="http://schemas.microsoft.com/office/drawing/2014/main" id="{92BC8844-D44E-4A34-A3E9-BBC46793D01F}"/>
+                <a16:creationId xmlns:a16="http://schemas.microsoft.com/office/drawing/2014/main" id="{92BC8844-D44E-4A34-A3E9-BBC46793D01F}"/>
               </a:ext>
             </a:extLst>
           </p:cNvPr>
@@ -8349,7 +8324,7 @@
           <p:cNvPr id="3" name="Inhaltsplatzhalter 2">
             <a:extLst>
               <a:ext uri="{FF2B5EF4-FFF2-40B4-BE49-F238E27FC236}">
-                <a16:creationId xmlns="" xmlns:a16="http://schemas.microsoft.com/office/drawing/2014/main" id="{226BDF4D-EA65-4EB5-9166-5B6F009BEDE8}"/>
+                <a16:creationId xmlns:a16="http://schemas.microsoft.com/office/drawing/2014/main" id="{226BDF4D-EA65-4EB5-9166-5B6F009BEDE8}"/>
               </a:ext>
             </a:extLst>
           </p:cNvPr>
@@ -8407,7 +8382,7 @@
           <p:cNvPr id="2" name="Titel 1">
             <a:extLst>
               <a:ext uri="{FF2B5EF4-FFF2-40B4-BE49-F238E27FC236}">
-                <a16:creationId xmlns="" xmlns:a16="http://schemas.microsoft.com/office/drawing/2014/main" id="{B021C1F3-433C-41E3-8587-65D5BDA4F317}"/>
+                <a16:creationId xmlns:a16="http://schemas.microsoft.com/office/drawing/2014/main" id="{B021C1F3-433C-41E3-8587-65D5BDA4F317}"/>
               </a:ext>
             </a:extLst>
           </p:cNvPr>
@@ -8435,7 +8410,7 @@
           <p:cNvPr id="3" name="Inhaltsplatzhalter 2">
             <a:extLst>
               <a:ext uri="{FF2B5EF4-FFF2-40B4-BE49-F238E27FC236}">
-                <a16:creationId xmlns="" xmlns:a16="http://schemas.microsoft.com/office/drawing/2014/main" id="{CF5061C2-25E2-4A53-BCDE-093C837A0F45}"/>
+                <a16:creationId xmlns:a16="http://schemas.microsoft.com/office/drawing/2014/main" id="{CF5061C2-25E2-4A53-BCDE-093C837A0F45}"/>
               </a:ext>
             </a:extLst>
           </p:cNvPr>
@@ -8493,7 +8468,7 @@
           <p:cNvPr id="2" name="Titel 1">
             <a:extLst>
               <a:ext uri="{FF2B5EF4-FFF2-40B4-BE49-F238E27FC236}">
-                <a16:creationId xmlns="" xmlns:a16="http://schemas.microsoft.com/office/drawing/2014/main" id="{D329A526-CE1D-48AD-8C37-10B31DD1A94A}"/>
+                <a16:creationId xmlns:a16="http://schemas.microsoft.com/office/drawing/2014/main" id="{D329A526-CE1D-48AD-8C37-10B31DD1A94A}"/>
               </a:ext>
             </a:extLst>
           </p:cNvPr>
@@ -8521,7 +8496,7 @@
           <p:cNvPr id="3" name="Inhaltsplatzhalter 2">
             <a:extLst>
               <a:ext uri="{FF2B5EF4-FFF2-40B4-BE49-F238E27FC236}">
-                <a16:creationId xmlns="" xmlns:a16="http://schemas.microsoft.com/office/drawing/2014/main" id="{BA4C428F-6F17-477B-9503-2C9FE4D7286D}"/>
+                <a16:creationId xmlns:a16="http://schemas.microsoft.com/office/drawing/2014/main" id="{BA4C428F-6F17-477B-9503-2C9FE4D7286D}"/>
               </a:ext>
             </a:extLst>
           </p:cNvPr>
@@ -8593,7 +8568,7 @@
           <p:cNvPr id="2" name="Titel 1">
             <a:extLst>
               <a:ext uri="{FF2B5EF4-FFF2-40B4-BE49-F238E27FC236}">
-                <a16:creationId xmlns="" xmlns:a16="http://schemas.microsoft.com/office/drawing/2014/main" id="{8643BECD-9FC8-4139-AF9D-AAB9BD9ABF1F}"/>
+                <a16:creationId xmlns:a16="http://schemas.microsoft.com/office/drawing/2014/main" id="{8643BECD-9FC8-4139-AF9D-AAB9BD9ABF1F}"/>
               </a:ext>
             </a:extLst>
           </p:cNvPr>
@@ -8621,7 +8596,7 @@
           <p:cNvPr id="3" name="Inhaltsplatzhalter 2">
             <a:extLst>
               <a:ext uri="{FF2B5EF4-FFF2-40B4-BE49-F238E27FC236}">
-                <a16:creationId xmlns="" xmlns:a16="http://schemas.microsoft.com/office/drawing/2014/main" id="{E42A3100-1EC4-4CA1-8073-DBF9AE2DE022}"/>
+                <a16:creationId xmlns:a16="http://schemas.microsoft.com/office/drawing/2014/main" id="{E42A3100-1EC4-4CA1-8073-DBF9AE2DE022}"/>
               </a:ext>
             </a:extLst>
           </p:cNvPr>
@@ -8679,7 +8654,7 @@
           <p:cNvPr id="2" name="Titel 1">
             <a:extLst>
               <a:ext uri="{FF2B5EF4-FFF2-40B4-BE49-F238E27FC236}">
-                <a16:creationId xmlns="" xmlns:a16="http://schemas.microsoft.com/office/drawing/2014/main" id="{A6803A1C-048A-4BD5-BB5C-6AD0F129ECC9}"/>
+                <a16:creationId xmlns:a16="http://schemas.microsoft.com/office/drawing/2014/main" id="{A6803A1C-048A-4BD5-BB5C-6AD0F129ECC9}"/>
               </a:ext>
             </a:extLst>
           </p:cNvPr>
@@ -8707,7 +8682,7 @@
           <p:cNvPr id="3" name="Inhaltsplatzhalter 2">
             <a:extLst>
               <a:ext uri="{FF2B5EF4-FFF2-40B4-BE49-F238E27FC236}">
-                <a16:creationId xmlns="" xmlns:a16="http://schemas.microsoft.com/office/drawing/2014/main" id="{13708A06-7247-4796-B127-BA1268EFB4F0}"/>
+                <a16:creationId xmlns:a16="http://schemas.microsoft.com/office/drawing/2014/main" id="{13708A06-7247-4796-B127-BA1268EFB4F0}"/>
               </a:ext>
             </a:extLst>
           </p:cNvPr>
@@ -8801,7 +8776,7 @@
           <p:cNvPr id="2" name="Titel 1">
             <a:extLst>
               <a:ext uri="{FF2B5EF4-FFF2-40B4-BE49-F238E27FC236}">
-                <a16:creationId xmlns="" xmlns:a16="http://schemas.microsoft.com/office/drawing/2014/main" id="{D27A44A1-7D5C-4ED1-B1CC-16A1827DE5CE}"/>
+                <a16:creationId xmlns:a16="http://schemas.microsoft.com/office/drawing/2014/main" id="{D27A44A1-7D5C-4ED1-B1CC-16A1827DE5CE}"/>
               </a:ext>
             </a:extLst>
           </p:cNvPr>
@@ -8829,7 +8804,7 @@
           <p:cNvPr id="3" name="Inhaltsplatzhalter 2">
             <a:extLst>
               <a:ext uri="{FF2B5EF4-FFF2-40B4-BE49-F238E27FC236}">
-                <a16:creationId xmlns="" xmlns:a16="http://schemas.microsoft.com/office/drawing/2014/main" id="{0A11E94A-080C-4F4A-B9ED-FC1B878B8CE0}"/>
+                <a16:creationId xmlns:a16="http://schemas.microsoft.com/office/drawing/2014/main" id="{0A11E94A-080C-4F4A-B9ED-FC1B878B8CE0}"/>
               </a:ext>
             </a:extLst>
           </p:cNvPr>
@@ -8895,13 +8870,6 @@
   <p:clrMapOvr>
     <a:masterClrMapping/>
   </p:clrMapOvr>
-  <p:timing>
-    <p:tnLst>
-      <p:par>
-        <p:cTn id="1" dur="indefinite" restart="never" nodeType="tmRoot"/>
-      </p:par>
-    </p:tnLst>
-  </p:timing>
 </p:sld>
 </file>
 
@@ -9178,14 +9146,14 @@
                 <a:gridCol w="3411538">
                   <a:extLst>
                     <a:ext uri="{9D8B030D-6E8A-4147-A177-3AD203B41FA5}">
-                      <a16:colId xmlns="" xmlns:a16="http://schemas.microsoft.com/office/drawing/2014/main" val="20000"/>
+                      <a16:colId xmlns:a16="http://schemas.microsoft.com/office/drawing/2014/main" val="20000"/>
                     </a:ext>
                   </a:extLst>
                 </a:gridCol>
                 <a:gridCol w="3411538">
                   <a:extLst>
                     <a:ext uri="{9D8B030D-6E8A-4147-A177-3AD203B41FA5}">
-                      <a16:colId xmlns="" xmlns:a16="http://schemas.microsoft.com/office/drawing/2014/main" val="20001"/>
+                      <a16:colId xmlns:a16="http://schemas.microsoft.com/office/drawing/2014/main" val="20001"/>
                     </a:ext>
                   </a:extLst>
                 </a:gridCol>
@@ -9227,7 +9195,7 @@
                 </a:tc>
                 <a:extLst>
                   <a:ext uri="{0D108BD9-81ED-4DB2-BD59-A6C34878D82A}">
-                    <a16:rowId xmlns="" xmlns:a16="http://schemas.microsoft.com/office/drawing/2014/main" val="10000"/>
+                    <a16:rowId xmlns:a16="http://schemas.microsoft.com/office/drawing/2014/main" val="10000"/>
                   </a:ext>
                 </a:extLst>
               </a:tr>
@@ -9265,7 +9233,7 @@
                 </a:tc>
                 <a:extLst>
                   <a:ext uri="{0D108BD9-81ED-4DB2-BD59-A6C34878D82A}">
-                    <a16:rowId xmlns="" xmlns:a16="http://schemas.microsoft.com/office/drawing/2014/main" val="10001"/>
+                    <a16:rowId xmlns:a16="http://schemas.microsoft.com/office/drawing/2014/main" val="10001"/>
                   </a:ext>
                 </a:extLst>
               </a:tr>
@@ -9319,7 +9287,7 @@
                 </a:tc>
                 <a:extLst>
                   <a:ext uri="{0D108BD9-81ED-4DB2-BD59-A6C34878D82A}">
-                    <a16:rowId xmlns="" xmlns:a16="http://schemas.microsoft.com/office/drawing/2014/main" val="10002"/>
+                    <a16:rowId xmlns:a16="http://schemas.microsoft.com/office/drawing/2014/main" val="10002"/>
                   </a:ext>
                 </a:extLst>
               </a:tr>
@@ -9373,7 +9341,7 @@
                 </a:tc>
                 <a:extLst>
                   <a:ext uri="{0D108BD9-81ED-4DB2-BD59-A6C34878D82A}">
-                    <a16:rowId xmlns="" xmlns:a16="http://schemas.microsoft.com/office/drawing/2014/main" val="10003"/>
+                    <a16:rowId xmlns:a16="http://schemas.microsoft.com/office/drawing/2014/main" val="10003"/>
                   </a:ext>
                 </a:extLst>
               </a:tr>
@@ -9427,7 +9395,7 @@
                 </a:tc>
                 <a:extLst>
                   <a:ext uri="{0D108BD9-81ED-4DB2-BD59-A6C34878D82A}">
-                    <a16:rowId xmlns="" xmlns:a16="http://schemas.microsoft.com/office/drawing/2014/main" val="10004"/>
+                    <a16:rowId xmlns:a16="http://schemas.microsoft.com/office/drawing/2014/main" val="10004"/>
                   </a:ext>
                 </a:extLst>
               </a:tr>
@@ -9481,7 +9449,7 @@
                 </a:tc>
                 <a:extLst>
                   <a:ext uri="{0D108BD9-81ED-4DB2-BD59-A6C34878D82A}">
-                    <a16:rowId xmlns="" xmlns:a16="http://schemas.microsoft.com/office/drawing/2014/main" val="10005"/>
+                    <a16:rowId xmlns:a16="http://schemas.microsoft.com/office/drawing/2014/main" val="10005"/>
                   </a:ext>
                 </a:extLst>
               </a:tr>
@@ -9535,7 +9503,7 @@
                 </a:tc>
                 <a:extLst>
                   <a:ext uri="{0D108BD9-81ED-4DB2-BD59-A6C34878D82A}">
-                    <a16:rowId xmlns="" xmlns:a16="http://schemas.microsoft.com/office/drawing/2014/main" val="10006"/>
+                    <a16:rowId xmlns:a16="http://schemas.microsoft.com/office/drawing/2014/main" val="10006"/>
                   </a:ext>
                 </a:extLst>
               </a:tr>
@@ -9589,7 +9557,7 @@
                 </a:tc>
                 <a:extLst>
                   <a:ext uri="{0D108BD9-81ED-4DB2-BD59-A6C34878D82A}">
-                    <a16:rowId xmlns="" xmlns:a16="http://schemas.microsoft.com/office/drawing/2014/main" val="10007"/>
+                    <a16:rowId xmlns:a16="http://schemas.microsoft.com/office/drawing/2014/main" val="10007"/>
                   </a:ext>
                 </a:extLst>
               </a:tr>
@@ -9812,7 +9780,7 @@
           <p:cNvPr id="2" name="Titel 1">
             <a:extLst>
               <a:ext uri="{FF2B5EF4-FFF2-40B4-BE49-F238E27FC236}">
-                <a16:creationId xmlns="" xmlns:a16="http://schemas.microsoft.com/office/drawing/2014/main" id="{097E6A6D-464E-4766-AAF3-C4FECB9FA991}"/>
+                <a16:creationId xmlns:a16="http://schemas.microsoft.com/office/drawing/2014/main" id="{097E6A6D-464E-4766-AAF3-C4FECB9FA991}"/>
               </a:ext>
             </a:extLst>
           </p:cNvPr>
@@ -9842,7 +9810,7 @@
               <p:cNvPr id="3" name="Inhaltsplatzhalter 2">
                 <a:extLst>
                   <a:ext uri="{FF2B5EF4-FFF2-40B4-BE49-F238E27FC236}">
-                    <a16:creationId xmlns="" xmlns:a16="http://schemas.microsoft.com/office/drawing/2014/main" id="{0E9598F0-1E7C-41F5-AC85-FE84123CF1DA}"/>
+                    <a16:creationId xmlns:a16="http://schemas.microsoft.com/office/drawing/2014/main" id="{0E9598F0-1E7C-41F5-AC85-FE84123CF1DA}"/>
                   </a:ext>
                 </a:extLst>
               </p:cNvPr>
@@ -9864,13 +9832,13 @@
               <a:lstStyle/>
               <a:p>
                 <a:r>
-                  <a:rPr lang="de-DE" dirty="0" smtClean="0"/>
+                  <a:rPr lang="de-DE" dirty="0"/>
                   <a:t>Idealer Vergleichsprozess: Joule-Prozess</a:t>
                 </a:r>
               </a:p>
               <a:p>
                 <a:r>
-                  <a:rPr lang="de-DE" dirty="0" smtClean="0"/>
+                  <a:rPr lang="de-DE" dirty="0"/>
                   <a:t>Adiabate ZÄ (</a:t>
                 </a:r>
                 <a14:m>
@@ -9880,7 +9848,7 @@
                         <m:chr m:val="̇"/>
                         <m:ctrlPr>
                           <a:rPr lang="de-DE" i="1" dirty="0" smtClean="0">
-                            <a:latin typeface="Cambria Math" charset="0"/>
+                            <a:latin typeface="Cambria Math" panose="02040503050406030204" pitchFamily="18" charset="0"/>
                           </a:rPr>
                         </m:ctrlPr>
                       </m:accPr>
@@ -9896,7 +9864,7 @@
                   </m:oMath>
                 </a14:m>
                 <a:r>
-                  <a:rPr lang="de-DE" dirty="0" smtClean="0"/>
+                  <a:rPr lang="de-DE" dirty="0"/>
                   <a:t> = 0), KV Grenzen mit Gehäuse (</a:t>
                 </a:r>
                 <a14:m>
@@ -9905,7 +9873,7 @@
                       <m:sSubPr>
                         <m:ctrlPr>
                           <a:rPr lang="en-US" b="0" i="1" smtClean="0">
-                            <a:latin typeface="Cambria Math" charset="0"/>
+                            <a:latin typeface="Cambria Math" panose="02040503050406030204" pitchFamily="18" charset="0"/>
                           </a:rPr>
                         </m:ctrlPr>
                       </m:sSubPr>
@@ -9929,13 +9897,13 @@
                   </m:oMath>
                 </a14:m>
                 <a:r>
-                  <a:rPr lang="de-DE" dirty="0" smtClean="0"/>
+                  <a:rPr lang="de-DE" dirty="0"/>
                   <a:t>= 0): </a:t>
                 </a:r>
               </a:p>
               <a:p>
                 <a:r>
-                  <a:rPr lang="de-DE" dirty="0" smtClean="0"/>
+                  <a:rPr lang="de-DE" dirty="0"/>
                   <a:t>1.HS: </a:t>
                 </a:r>
                 <a14:m>
@@ -9944,7 +9912,7 @@
                       <m:sSubPr>
                         <m:ctrlPr>
                           <a:rPr lang="en-US" b="0" i="1" smtClean="0">
-                            <a:latin typeface="Cambria Math" charset="0"/>
+                            <a:latin typeface="Cambria Math" panose="02040503050406030204" pitchFamily="18" charset="0"/>
                           </a:rPr>
                         </m:ctrlPr>
                       </m:sSubPr>
@@ -9976,7 +9944,7 @@
                         <m:chr m:val="̇"/>
                         <m:ctrlPr>
                           <a:rPr lang="de-DE" b="0" i="1" smtClean="0">
-                            <a:latin typeface="Cambria Math" charset="0"/>
+                            <a:latin typeface="Cambria Math" panose="02040503050406030204" pitchFamily="18" charset="0"/>
                           </a:rPr>
                         </m:ctrlPr>
                       </m:accPr>
@@ -9999,7 +9967,7 @@
                       <m:sSubPr>
                         <m:ctrlPr>
                           <a:rPr lang="en-US" b="0" i="1" smtClean="0">
-                            <a:latin typeface="Cambria Math" charset="0"/>
+                            <a:latin typeface="Cambria Math" panose="02040503050406030204" pitchFamily="18" charset="0"/>
                           </a:rPr>
                         </m:ctrlPr>
                       </m:sSubPr>
@@ -10036,7 +10004,7 @@
                       <m:sSubPr>
                         <m:ctrlPr>
                           <a:rPr lang="en-US" b="0" i="1" smtClean="0">
-                            <a:latin typeface="Cambria Math" charset="0"/>
+                            <a:latin typeface="Cambria Math" panose="02040503050406030204" pitchFamily="18" charset="0"/>
                           </a:rPr>
                         </m:ctrlPr>
                       </m:sSubPr>
@@ -10071,11 +10039,11 @@
                     </m:r>
                   </m:oMath>
                 </a14:m>
-                <a:endParaRPr lang="de-DE" dirty="0" smtClean="0"/>
+                <a:endParaRPr lang="de-DE" dirty="0"/>
               </a:p>
               <a:p>
                 <a:r>
-                  <a:rPr lang="de-DE" dirty="0" smtClean="0"/>
+                  <a:rPr lang="de-DE" dirty="0"/>
                   <a:t>Mit isentroper ZÄ als Vergleichsprozess:</a:t>
                 </a:r>
               </a:p>
@@ -10086,7 +10054,7 @@
                       <m:sSubPr>
                         <m:ctrlPr>
                           <a:rPr lang="en-US" i="1">
-                            <a:latin typeface="Cambria Math" charset="0"/>
+                            <a:latin typeface="Cambria Math" panose="02040503050406030204" pitchFamily="18" charset="0"/>
                           </a:rPr>
                         </m:ctrlPr>
                       </m:sSubPr>
@@ -10096,7 +10064,7 @@
                             <m:pos m:val="top"/>
                             <m:ctrlPr>
                               <a:rPr lang="en-US" i="1" smtClean="0">
-                                <a:latin typeface="Cambria Math" charset="0"/>
+                                <a:latin typeface="Cambria Math" panose="02040503050406030204" pitchFamily="18" charset="0"/>
                                 <a:ea typeface="Cambria Math" charset="0"/>
                                 <a:cs typeface="Cambria Math" charset="0"/>
                               </a:rPr>
@@ -10133,7 +10101,7 @@
                       <m:fPr>
                         <m:ctrlPr>
                           <a:rPr lang="mr-IN" b="0" i="1" smtClean="0">
-                            <a:latin typeface="Cambria Math" charset="0"/>
+                            <a:latin typeface="Cambria Math" panose="02040503050406030204" pitchFamily="18" charset="0"/>
                           </a:rPr>
                         </m:ctrlPr>
                       </m:fPr>
@@ -10142,7 +10110,7 @@
                           <m:sSubPr>
                             <m:ctrlPr>
                               <a:rPr lang="en-US" b="0" i="1" smtClean="0">
-                                <a:latin typeface="Cambria Math" charset="0"/>
+                                <a:latin typeface="Cambria Math" panose="02040503050406030204" pitchFamily="18" charset="0"/>
                               </a:rPr>
                             </m:ctrlPr>
                           </m:sSubPr>
@@ -10169,7 +10137,7 @@
                           <m:sSubPr>
                             <m:ctrlPr>
                               <a:rPr lang="en-US" b="0" i="1" smtClean="0">
-                                <a:latin typeface="Cambria Math" charset="0"/>
+                                <a:latin typeface="Cambria Math" panose="02040503050406030204" pitchFamily="18" charset="0"/>
                               </a:rPr>
                             </m:ctrlPr>
                           </m:sSubPr>
@@ -10179,7 +10147,7 @@
                                 <m:pos m:val="top"/>
                                 <m:ctrlPr>
                                   <a:rPr lang="de-DE" b="0" i="1" smtClean="0">
-                                    <a:latin typeface="Cambria Math" charset="0"/>
+                                    <a:latin typeface="Cambria Math" panose="02040503050406030204" pitchFamily="18" charset="0"/>
                                   </a:rPr>
                                 </m:ctrlPr>
                               </m:barPr>
@@ -10214,7 +10182,7 @@
                       <m:fPr>
                         <m:ctrlPr>
                           <a:rPr lang="mr-IN" b="0" i="1" smtClean="0">
-                            <a:latin typeface="Cambria Math" charset="0"/>
+                            <a:latin typeface="Cambria Math" panose="02040503050406030204" pitchFamily="18" charset="0"/>
                           </a:rPr>
                         </m:ctrlPr>
                       </m:fPr>
@@ -10223,7 +10191,7 @@
                           <m:sSubPr>
                             <m:ctrlPr>
                               <a:rPr lang="en-US" i="1">
-                                <a:latin typeface="Cambria Math" charset="0"/>
+                                <a:latin typeface="Cambria Math" panose="02040503050406030204" pitchFamily="18" charset="0"/>
                               </a:rPr>
                             </m:ctrlPr>
                           </m:sSubPr>
@@ -10260,7 +10228,7 @@
                           <m:sSubPr>
                             <m:ctrlPr>
                               <a:rPr lang="en-US" i="1">
-                                <a:latin typeface="Cambria Math" charset="0"/>
+                                <a:latin typeface="Cambria Math" panose="02040503050406030204" pitchFamily="18" charset="0"/>
                               </a:rPr>
                             </m:ctrlPr>
                           </m:sSubPr>
@@ -10293,7 +10261,7 @@
                           <m:sSubPr>
                             <m:ctrlPr>
                               <a:rPr lang="en-US" i="1">
-                                <a:latin typeface="Cambria Math" charset="0"/>
+                                <a:latin typeface="Cambria Math" panose="02040503050406030204" pitchFamily="18" charset="0"/>
                               </a:rPr>
                             </m:ctrlPr>
                           </m:sSubPr>
@@ -10303,7 +10271,7 @@
                                 <m:pos m:val="top"/>
                                 <m:ctrlPr>
                                   <a:rPr lang="de-DE" i="1" smtClean="0">
-                                    <a:latin typeface="Cambria Math" charset="0"/>
+                                    <a:latin typeface="Cambria Math" panose="02040503050406030204" pitchFamily="18" charset="0"/>
                                   </a:rPr>
                                 </m:ctrlPr>
                               </m:barPr>
@@ -10342,7 +10310,7 @@
                           <m:sSubPr>
                             <m:ctrlPr>
                               <a:rPr lang="en-US" i="1">
-                                <a:latin typeface="Cambria Math" charset="0"/>
+                                <a:latin typeface="Cambria Math" panose="02040503050406030204" pitchFamily="18" charset="0"/>
                               </a:rPr>
                             </m:ctrlPr>
                           </m:sSubPr>
@@ -10387,11 +10355,11 @@
                     </m:r>
                   </m:oMath>
                 </a14:m>
-                <a:endParaRPr lang="de-DE" dirty="0" smtClean="0"/>
+                <a:endParaRPr lang="de-DE" dirty="0"/>
               </a:p>
               <a:p>
                 <a:r>
-                  <a:rPr lang="de-DE" dirty="0" smtClean="0"/>
+                  <a:rPr lang="de-DE" dirty="0"/>
                   <a:t>Mit der isentropen Totalenthalpiedifferenz:</a:t>
                 </a:r>
               </a:p>
@@ -10410,7 +10378,7 @@
                       <m:sSubPr>
                         <m:ctrlPr>
                           <a:rPr lang="en-US" i="1" smtClean="0">
-                            <a:latin typeface="Cambria Math" charset="0"/>
+                            <a:latin typeface="Cambria Math" panose="02040503050406030204" pitchFamily="18" charset="0"/>
                             <a:ea typeface="Cambria Math" charset="0"/>
                             <a:cs typeface="Cambria Math" charset="0"/>
                           </a:rPr>
@@ -10422,7 +10390,7 @@
                             <m:pos m:val="top"/>
                             <m:ctrlPr>
                               <a:rPr lang="en-US" i="1" smtClean="0">
-                                <a:latin typeface="Cambria Math" charset="0"/>
+                                <a:latin typeface="Cambria Math" panose="02040503050406030204" pitchFamily="18" charset="0"/>
                                 <a:ea typeface="Cambria Math" charset="0"/>
                                 <a:cs typeface="Cambria Math" charset="0"/>
                               </a:rPr>
@@ -10463,7 +10431,7 @@
                       <m:sSubPr>
                         <m:ctrlPr>
                           <a:rPr lang="en-US" i="1">
-                            <a:latin typeface="Cambria Math" charset="0"/>
+                            <a:latin typeface="Cambria Math" panose="02040503050406030204" pitchFamily="18" charset="0"/>
                           </a:rPr>
                         </m:ctrlPr>
                       </m:sSubPr>
@@ -10473,7 +10441,7 @@
                             <m:pos m:val="top"/>
                             <m:ctrlPr>
                               <a:rPr lang="de-DE" i="1">
-                                <a:latin typeface="Cambria Math" charset="0"/>
+                                <a:latin typeface="Cambria Math" panose="02040503050406030204" pitchFamily="18" charset="0"/>
                               </a:rPr>
                             </m:ctrlPr>
                           </m:barPr>
@@ -10512,7 +10480,7 @@
                       <m:sSubPr>
                         <m:ctrlPr>
                           <a:rPr lang="en-US" i="1">
-                            <a:latin typeface="Cambria Math" charset="0"/>
+                            <a:latin typeface="Cambria Math" panose="02040503050406030204" pitchFamily="18" charset="0"/>
                           </a:rPr>
                         </m:ctrlPr>
                       </m:sSubPr>
@@ -10550,7 +10518,7 @@
                         <m:chr m:val="̇"/>
                         <m:ctrlPr>
                           <a:rPr lang="de-DE" i="1">
-                            <a:latin typeface="Cambria Math" charset="0"/>
+                            <a:latin typeface="Cambria Math" panose="02040503050406030204" pitchFamily="18" charset="0"/>
                           </a:rPr>
                         </m:ctrlPr>
                       </m:accPr>
@@ -10573,7 +10541,7 @@
                       <m:sSubPr>
                         <m:ctrlPr>
                           <a:rPr lang="en-US" i="1">
-                            <a:latin typeface="Cambria Math" charset="0"/>
+                            <a:latin typeface="Cambria Math" panose="02040503050406030204" pitchFamily="18" charset="0"/>
                           </a:rPr>
                         </m:ctrlPr>
                       </m:sSubPr>
@@ -10598,7 +10566,7 @@
                       <m:sSubPr>
                         <m:ctrlPr>
                           <a:rPr lang="en-US" i="1">
-                            <a:latin typeface="Cambria Math" charset="0"/>
+                            <a:latin typeface="Cambria Math" panose="02040503050406030204" pitchFamily="18" charset="0"/>
                           </a:rPr>
                         </m:ctrlPr>
                       </m:sSubPr>
@@ -10631,7 +10599,7 @@
                         <m:endChr m:val="]"/>
                         <m:ctrlPr>
                           <a:rPr lang="mr-IN" i="1" smtClean="0">
-                            <a:latin typeface="Cambria Math" charset="0"/>
+                            <a:latin typeface="Cambria Math" panose="02040503050406030204" pitchFamily="18" charset="0"/>
                           </a:rPr>
                         </m:ctrlPr>
                       </m:dPr>
@@ -10640,7 +10608,7 @@
                           <m:sSupPr>
                             <m:ctrlPr>
                               <a:rPr lang="mr-IN" i="1" smtClean="0">
-                                <a:latin typeface="Cambria Math" charset="0"/>
+                                <a:latin typeface="Cambria Math" panose="02040503050406030204" pitchFamily="18" charset="0"/>
                               </a:rPr>
                             </m:ctrlPr>
                           </m:sSupPr>
@@ -10649,7 +10617,7 @@
                               <m:dPr>
                                 <m:ctrlPr>
                                   <a:rPr lang="mr-IN" i="1">
-                                    <a:latin typeface="Cambria Math" charset="0"/>
+                                    <a:latin typeface="Cambria Math" panose="02040503050406030204" pitchFamily="18" charset="0"/>
                                   </a:rPr>
                                 </m:ctrlPr>
                               </m:dPr>
@@ -10658,7 +10626,7 @@
                                   <m:fPr>
                                     <m:ctrlPr>
                                       <a:rPr lang="mr-IN" i="1">
-                                        <a:latin typeface="Cambria Math" charset="0"/>
+                                        <a:latin typeface="Cambria Math" panose="02040503050406030204" pitchFamily="18" charset="0"/>
                                       </a:rPr>
                                     </m:ctrlPr>
                                   </m:fPr>
@@ -10667,7 +10635,7 @@
                                       <m:sSubPr>
                                         <m:ctrlPr>
                                           <a:rPr lang="en-US" i="1">
-                                            <a:latin typeface="Cambria Math" charset="0"/>
+                                            <a:latin typeface="Cambria Math" panose="02040503050406030204" pitchFamily="18" charset="0"/>
                                           </a:rPr>
                                         </m:ctrlPr>
                                       </m:sSubPr>
@@ -10700,7 +10668,7 @@
                                       <m:sSubPr>
                                         <m:ctrlPr>
                                           <a:rPr lang="en-US" i="1">
-                                            <a:latin typeface="Cambria Math" charset="0"/>
+                                            <a:latin typeface="Cambria Math" panose="02040503050406030204" pitchFamily="18" charset="0"/>
                                           </a:rPr>
                                         </m:ctrlPr>
                                       </m:sSubPr>
@@ -10737,7 +10705,7 @@
                               <m:fPr>
                                 <m:ctrlPr>
                                   <a:rPr lang="mr-IN" i="1" smtClean="0">
-                                    <a:latin typeface="Cambria Math" charset="0"/>
+                                    <a:latin typeface="Cambria Math" panose="02040503050406030204" pitchFamily="18" charset="0"/>
                                   </a:rPr>
                                 </m:ctrlPr>
                               </m:fPr>
@@ -10782,7 +10750,7 @@
                     </m:d>
                   </m:oMath>
                 </a14:m>
-                <a:endParaRPr lang="de-DE" dirty="0" smtClean="0"/>
+                <a:endParaRPr lang="de-DE" dirty="0"/>
               </a:p>
               <a:p>
                 <a14:m>
@@ -10791,7 +10759,7 @@
                       <m:sSubPr>
                         <m:ctrlPr>
                           <a:rPr lang="en-US" i="1">
-                            <a:latin typeface="Cambria Math" charset="0"/>
+                            <a:latin typeface="Cambria Math" panose="02040503050406030204" pitchFamily="18" charset="0"/>
                           </a:rPr>
                         </m:ctrlPr>
                       </m:sSubPr>
@@ -10801,7 +10769,7 @@
                             <m:pos m:val="top"/>
                             <m:ctrlPr>
                               <a:rPr lang="en-US" i="1">
-                                <a:latin typeface="Cambria Math" charset="0"/>
+                                <a:latin typeface="Cambria Math" panose="02040503050406030204" pitchFamily="18" charset="0"/>
                                 <a:ea typeface="Cambria Math" charset="0"/>
                                 <a:cs typeface="Cambria Math" charset="0"/>
                               </a:rPr>
@@ -10838,7 +10806,7 @@
                       <m:fPr>
                         <m:ctrlPr>
                           <a:rPr lang="mr-IN" b="0" i="1" smtClean="0">
-                            <a:latin typeface="Cambria Math" charset="0"/>
+                            <a:latin typeface="Cambria Math" panose="02040503050406030204" pitchFamily="18" charset="0"/>
                           </a:rPr>
                         </m:ctrlPr>
                       </m:fPr>
@@ -10847,7 +10815,7 @@
                           <m:sSubPr>
                             <m:ctrlPr>
                               <a:rPr lang="en-US" i="1">
-                                <a:latin typeface="Cambria Math" charset="0"/>
+                                <a:latin typeface="Cambria Math" panose="02040503050406030204" pitchFamily="18" charset="0"/>
                               </a:rPr>
                             </m:ctrlPr>
                           </m:sSubPr>
@@ -10882,7 +10850,7 @@
                           <m:sSubPr>
                             <m:ctrlPr>
                               <a:rPr lang="en-US" i="1">
-                                <a:latin typeface="Cambria Math" charset="0"/>
+                                <a:latin typeface="Cambria Math" panose="02040503050406030204" pitchFamily="18" charset="0"/>
                                 <a:ea typeface="Cambria Math" charset="0"/>
                                 <a:cs typeface="Cambria Math" charset="0"/>
                               </a:rPr>
@@ -10894,7 +10862,7 @@
                                 <m:pos m:val="top"/>
                                 <m:ctrlPr>
                                   <a:rPr lang="en-US" i="1">
-                                    <a:latin typeface="Cambria Math" charset="0"/>
+                                    <a:latin typeface="Cambria Math" panose="02040503050406030204" pitchFamily="18" charset="0"/>
                                     <a:ea typeface="Cambria Math" charset="0"/>
                                     <a:cs typeface="Cambria Math" charset="0"/>
                                   </a:rPr>
@@ -10927,7 +10895,7 @@
                     </m:f>
                   </m:oMath>
                 </a14:m>
-                <a:endParaRPr lang="de-DE" dirty="0" smtClean="0"/>
+                <a:endParaRPr lang="de-DE" dirty="0"/>
               </a:p>
             </p:txBody>
           </p:sp>
@@ -11016,13 +10984,6 @@
   <p:clrMapOvr>
     <a:masterClrMapping/>
   </p:clrMapOvr>
-  <p:timing>
-    <p:tnLst>
-      <p:par>
-        <p:cTn id="1" dur="indefinite" restart="never" nodeType="tmRoot"/>
-      </p:par>
-    </p:tnLst>
-  </p:timing>
 </p:sld>
 </file>
 
@@ -11048,7 +11009,7 @@
           <p:cNvPr id="2" name="Titel 1">
             <a:extLst>
               <a:ext uri="{FF2B5EF4-FFF2-40B4-BE49-F238E27FC236}">
-                <a16:creationId xmlns="" xmlns:a16="http://schemas.microsoft.com/office/drawing/2014/main" id="{2466B14E-2CAE-450A-835B-07642C6772FC}"/>
+                <a16:creationId xmlns:a16="http://schemas.microsoft.com/office/drawing/2014/main" id="{2466B14E-2CAE-450A-835B-07642C6772FC}"/>
               </a:ext>
             </a:extLst>
           </p:cNvPr>
@@ -11076,7 +11037,7 @@
           <p:cNvPr id="3" name="Inhaltsplatzhalter 2">
             <a:extLst>
               <a:ext uri="{FF2B5EF4-FFF2-40B4-BE49-F238E27FC236}">
-                <a16:creationId xmlns="" xmlns:a16="http://schemas.microsoft.com/office/drawing/2014/main" id="{CCE11E07-3335-434C-8B03-5B1BAEAEC7C5}"/>
+                <a16:creationId xmlns:a16="http://schemas.microsoft.com/office/drawing/2014/main" id="{CCE11E07-3335-434C-8B03-5B1BAEAEC7C5}"/>
               </a:ext>
             </a:extLst>
           </p:cNvPr>
@@ -11118,13 +11079,6 @@
   <p:clrMapOvr>
     <a:masterClrMapping/>
   </p:clrMapOvr>
-  <p:timing>
-    <p:tnLst>
-      <p:par>
-        <p:cTn id="1" dur="indefinite" restart="never" nodeType="tmRoot"/>
-      </p:par>
-    </p:tnLst>
-  </p:timing>
 </p:sld>
 </file>
 
@@ -11150,7 +11104,7 @@
           <p:cNvPr id="2" name="Titel 1">
             <a:extLst>
               <a:ext uri="{FF2B5EF4-FFF2-40B4-BE49-F238E27FC236}">
-                <a16:creationId xmlns="" xmlns:a16="http://schemas.microsoft.com/office/drawing/2014/main" id="{B0EB02CB-0053-457A-BB5F-5D64278141CC}"/>
+                <a16:creationId xmlns:a16="http://schemas.microsoft.com/office/drawing/2014/main" id="{B0EB02CB-0053-457A-BB5F-5D64278141CC}"/>
               </a:ext>
             </a:extLst>
           </p:cNvPr>
@@ -11178,7 +11132,7 @@
           <p:cNvPr id="3" name="Inhaltsplatzhalter 2">
             <a:extLst>
               <a:ext uri="{FF2B5EF4-FFF2-40B4-BE49-F238E27FC236}">
-                <a16:creationId xmlns="" xmlns:a16="http://schemas.microsoft.com/office/drawing/2014/main" id="{756355A6-13F9-40C1-8AD3-1534717E7B09}"/>
+                <a16:creationId xmlns:a16="http://schemas.microsoft.com/office/drawing/2014/main" id="{756355A6-13F9-40C1-8AD3-1534717E7B09}"/>
               </a:ext>
             </a:extLst>
           </p:cNvPr>
@@ -11240,7 +11194,7 @@
           <p:cNvPr id="2" name="Titel 1">
             <a:extLst>
               <a:ext uri="{FF2B5EF4-FFF2-40B4-BE49-F238E27FC236}">
-                <a16:creationId xmlns="" xmlns:a16="http://schemas.microsoft.com/office/drawing/2014/main" id="{8DE61EE4-0A2E-4DFD-BE73-F3D4D2210025}"/>
+                <a16:creationId xmlns:a16="http://schemas.microsoft.com/office/drawing/2014/main" id="{8DE61EE4-0A2E-4DFD-BE73-F3D4D2210025}"/>
               </a:ext>
             </a:extLst>
           </p:cNvPr>
@@ -11268,7 +11222,7 @@
           <p:cNvPr id="3" name="Inhaltsplatzhalter 2">
             <a:extLst>
               <a:ext uri="{FF2B5EF4-FFF2-40B4-BE49-F238E27FC236}">
-                <a16:creationId xmlns="" xmlns:a16="http://schemas.microsoft.com/office/drawing/2014/main" id="{D3AA39F9-9931-48BD-9CE6-A9A42797156C}"/>
+                <a16:creationId xmlns:a16="http://schemas.microsoft.com/office/drawing/2014/main" id="{D3AA39F9-9931-48BD-9CE6-A9A42797156C}"/>
               </a:ext>
             </a:extLst>
           </p:cNvPr>
@@ -11323,7 +11277,7 @@
           <p:cNvPr id="2" name="Titel 1">
             <a:extLst>
               <a:ext uri="{FF2B5EF4-FFF2-40B4-BE49-F238E27FC236}">
-                <a16:creationId xmlns="" xmlns:a16="http://schemas.microsoft.com/office/drawing/2014/main" id="{5468A21C-5F1B-49A9-9615-E49303F1DFD8}"/>
+                <a16:creationId xmlns:a16="http://schemas.microsoft.com/office/drawing/2014/main" id="{5468A21C-5F1B-49A9-9615-E49303F1DFD8}"/>
               </a:ext>
             </a:extLst>
           </p:cNvPr>
@@ -11351,7 +11305,7 @@
           <p:cNvPr id="3" name="Inhaltsplatzhalter 2">
             <a:extLst>
               <a:ext uri="{FF2B5EF4-FFF2-40B4-BE49-F238E27FC236}">
-                <a16:creationId xmlns="" xmlns:a16="http://schemas.microsoft.com/office/drawing/2014/main" id="{71D6F8BC-B1F4-4464-B16C-BE0C1ED3F521}"/>
+                <a16:creationId xmlns:a16="http://schemas.microsoft.com/office/drawing/2014/main" id="{71D6F8BC-B1F4-4464-B16C-BE0C1ED3F521}"/>
               </a:ext>
             </a:extLst>
           </p:cNvPr>
@@ -11439,7 +11393,7 @@
           <p:cNvPr id="2" name="Titel 1">
             <a:extLst>
               <a:ext uri="{FF2B5EF4-FFF2-40B4-BE49-F238E27FC236}">
-                <a16:creationId xmlns:a16="http://schemas.microsoft.com/office/drawing/2014/main" xmlns="" id="{094F379C-23F4-4D35-86D6-1D1C29CAB88B}"/>
+                <a16:creationId xmlns:a16="http://schemas.microsoft.com/office/drawing/2014/main" id="{094F379C-23F4-4D35-86D6-1D1C29CAB88B}"/>
               </a:ext>
             </a:extLst>
           </p:cNvPr>
@@ -11467,7 +11421,7 @@
           <p:cNvPr id="3" name="Inhaltsplatzhalter 2">
             <a:extLst>
               <a:ext uri="{FF2B5EF4-FFF2-40B4-BE49-F238E27FC236}">
-                <a16:creationId xmlns:a16="http://schemas.microsoft.com/office/drawing/2014/main" xmlns="" id="{1C3E671A-136E-4360-89A9-AD9DB1ED1606}"/>
+                <a16:creationId xmlns:a16="http://schemas.microsoft.com/office/drawing/2014/main" id="{1C3E671A-136E-4360-89A9-AD9DB1ED1606}"/>
               </a:ext>
             </a:extLst>
           </p:cNvPr>
@@ -11560,7 +11514,7 @@
           <p:cNvPr id="5" name="Rechteck 4">
             <a:extLst>
               <a:ext uri="{FF2B5EF4-FFF2-40B4-BE49-F238E27FC236}">
-                <a16:creationId xmlns:a16="http://schemas.microsoft.com/office/drawing/2014/main" xmlns="" id="{100A8661-918C-422A-9F12-1449593EB770}"/>
+                <a16:creationId xmlns:a16="http://schemas.microsoft.com/office/drawing/2014/main" id="{100A8661-918C-422A-9F12-1449593EB770}"/>
               </a:ext>
             </a:extLst>
           </p:cNvPr>
@@ -11608,18 +11562,17 @@
           <a:p>
             <a:pPr algn="ctr"/>
             <a:r>
-              <a:rPr lang="de-DE" dirty="0" smtClean="0"/>
+              <a:rPr lang="de-DE" dirty="0"/>
               <a:t>Expansion </a:t>
             </a:r>
             <a:r>
-              <a:rPr lang="de-DE" dirty="0" err="1" smtClean="0"/>
+              <a:rPr lang="de-DE" dirty="0" err="1"/>
               <a:t>ratio</a:t>
             </a:r>
             <a:r>
-              <a:rPr lang="de-DE" dirty="0" smtClean="0"/>
+              <a:rPr lang="de-DE" dirty="0"/>
               <a:t> &lt; 3</a:t>
             </a:r>
-            <a:endParaRPr lang="de-DE" dirty="0"/>
           </a:p>
         </p:txBody>
       </p:sp>
@@ -11628,7 +11581,7 @@
           <p:cNvPr id="7" name="Gerader Verbinder 6">
             <a:extLst>
               <a:ext uri="{FF2B5EF4-FFF2-40B4-BE49-F238E27FC236}">
-                <a16:creationId xmlns:a16="http://schemas.microsoft.com/office/drawing/2014/main" xmlns="" id="{99319621-456B-4F9C-8AE3-990417BC162B}"/>
+                <a16:creationId xmlns:a16="http://schemas.microsoft.com/office/drawing/2014/main" id="{99319621-456B-4F9C-8AE3-990417BC162B}"/>
               </a:ext>
             </a:extLst>
           </p:cNvPr>
@@ -11669,7 +11622,7 @@
           <p:cNvPr id="8" name="Rechteck 7">
             <a:extLst>
               <a:ext uri="{FF2B5EF4-FFF2-40B4-BE49-F238E27FC236}">
-                <a16:creationId xmlns:a16="http://schemas.microsoft.com/office/drawing/2014/main" xmlns="" id="{8524B71A-AA14-47C0-A247-D8BE9E17ACA5}"/>
+                <a16:creationId xmlns:a16="http://schemas.microsoft.com/office/drawing/2014/main" id="{8524B71A-AA14-47C0-A247-D8BE9E17ACA5}"/>
               </a:ext>
             </a:extLst>
           </p:cNvPr>
@@ -11717,26 +11670,21 @@
           <a:p>
             <a:pPr algn="ctr"/>
             <a:r>
-              <a:rPr lang="de-DE" dirty="0" err="1" smtClean="0"/>
+              <a:rPr lang="de-DE" dirty="0" err="1"/>
               <a:t>Aspect</a:t>
             </a:r>
             <a:r>
-              <a:rPr lang="de-DE" dirty="0" smtClean="0"/>
+              <a:rPr lang="de-DE" dirty="0"/>
               <a:t> </a:t>
             </a:r>
             <a:r>
-              <a:rPr lang="de-DE" dirty="0" err="1" smtClean="0"/>
+              <a:rPr lang="de-DE" dirty="0" err="1"/>
               <a:t>ratio</a:t>
             </a:r>
             <a:r>
-              <a:rPr lang="de-DE" dirty="0" smtClean="0"/>
-              <a:t> </a:t>
-            </a:r>
-            <a:r>
-              <a:rPr lang="de-DE" dirty="0" smtClean="0"/>
-              <a:t>&lt; 1500</a:t>
-            </a:r>
-            <a:endParaRPr lang="de-DE" dirty="0"/>
+              <a:rPr lang="de-DE" dirty="0"/>
+              <a:t> &lt; 1500</a:t>
+            </a:r>
           </a:p>
         </p:txBody>
       </p:sp>
@@ -11745,7 +11693,7 @@
           <p:cNvPr id="10" name="Parallelogramm 9">
             <a:extLst>
               <a:ext uri="{FF2B5EF4-FFF2-40B4-BE49-F238E27FC236}">
-                <a16:creationId xmlns:a16="http://schemas.microsoft.com/office/drawing/2014/main" xmlns="" id="{F6BBA9AE-BA91-4C42-9E5C-0256A3AD969E}"/>
+                <a16:creationId xmlns:a16="http://schemas.microsoft.com/office/drawing/2014/main" id="{F6BBA9AE-BA91-4C42-9E5C-0256A3AD969E}"/>
               </a:ext>
             </a:extLst>
           </p:cNvPr>
@@ -11905,10 +11853,9 @@
           <a:lstStyle/>
           <a:p>
             <a:r>
-              <a:rPr lang="de-DE" smtClean="0"/>
+              <a:rPr lang="de-DE"/>
               <a:t>Winkel &gt; 20°</a:t>
             </a:r>
-            <a:endParaRPr lang="de-DE"/>
           </a:p>
         </p:txBody>
       </p:sp>
@@ -11947,7 +11894,7 @@
           <p:cNvPr id="2" name="Titel 1">
             <a:extLst>
               <a:ext uri="{FF2B5EF4-FFF2-40B4-BE49-F238E27FC236}">
-                <a16:creationId xmlns="" xmlns:a16="http://schemas.microsoft.com/office/drawing/2014/main" id="{094F379C-23F4-4D35-86D6-1D1C29CAB88B}"/>
+                <a16:creationId xmlns:a16="http://schemas.microsoft.com/office/drawing/2014/main" id="{094F379C-23F4-4D35-86D6-1D1C29CAB88B}"/>
               </a:ext>
             </a:extLst>
           </p:cNvPr>
@@ -11965,13 +11912,8 @@
           <a:p>
             <a:r>
               <a:rPr lang="de-DE" dirty="0"/>
-              <a:t>Aachen-Turbine: </a:t>
-            </a:r>
-            <a:r>
-              <a:rPr lang="de-DE" dirty="0" smtClean="0"/>
-              <a:t>Vorgehen (2)</a:t>
-            </a:r>
-            <a:endParaRPr lang="de-DE" dirty="0"/>
+              <a:t>Aachen-Turbine: Vorgehen (2)</a:t>
+            </a:r>
           </a:p>
         </p:txBody>
       </p:sp>
@@ -11982,7 +11924,7 @@
               <p:cNvPr id="3" name="Inhaltsplatzhalter 2">
                 <a:extLst>
                   <a:ext uri="{FF2B5EF4-FFF2-40B4-BE49-F238E27FC236}">
-                    <a16:creationId xmlns="" xmlns:a16="http://schemas.microsoft.com/office/drawing/2014/main" id="{1C3E671A-136E-4360-89A9-AD9DB1ED1606}"/>
+                    <a16:creationId xmlns:a16="http://schemas.microsoft.com/office/drawing/2014/main" id="{1C3E671A-136E-4360-89A9-AD9DB1ED1606}"/>
                   </a:ext>
                 </a:extLst>
               </p:cNvPr>
@@ -12004,14 +11946,14 @@
               <a:lstStyle/>
               <a:p>
                 <a:r>
-                  <a:rPr lang="de-DE" dirty="0" smtClean="0"/>
+                  <a:rPr lang="de-DE" dirty="0"/>
                   <a:t>Einstellen der Grenzschichtdicke</a:t>
                 </a:r>
               </a:p>
               <a:p>
                 <a:pPr lvl="2"/>
                 <a:r>
-                  <a:rPr lang="de-DE" dirty="0" smtClean="0"/>
+                  <a:rPr lang="de-DE" dirty="0"/>
                   <a:t>Bestimmung von </a:t>
                 </a:r>
                 <a14:m>
@@ -12020,7 +11962,7 @@
                       <m:sSupPr>
                         <m:ctrlPr>
                           <a:rPr lang="de-DE" i="1" smtClean="0">
-                            <a:latin typeface="Cambria Math" charset="0"/>
+                            <a:latin typeface="Cambria Math" panose="02040503050406030204" pitchFamily="18" charset="0"/>
                           </a:rPr>
                         </m:ctrlPr>
                       </m:sSupPr>
@@ -12044,14 +11986,14 @@
                   </m:oMath>
                 </a14:m>
                 <a:r>
-                  <a:rPr lang="de-DE" dirty="0" smtClean="0"/>
+                  <a:rPr lang="de-DE" dirty="0"/>
                   <a:t>durch iteratives Ausprobieren</a:t>
                 </a:r>
               </a:p>
               <a:p>
                 <a:pPr lvl="2"/>
                 <a:r>
-                  <a:rPr lang="de-DE" dirty="0" smtClean="0"/>
+                  <a:rPr lang="de-DE" dirty="0"/>
                   <a:t>Ergebnis: im kompletten Simulationsgebiet </a:t>
                 </a:r>
                 <a14:m>
@@ -12074,7 +12016,7 @@
                       <m:sSupPr>
                         <m:ctrlPr>
                           <a:rPr lang="de-DE" i="1">
-                            <a:latin typeface="Cambria Math" charset="0"/>
+                            <a:latin typeface="Cambria Math" panose="02040503050406030204" pitchFamily="18" charset="0"/>
                           </a:rPr>
                         </m:ctrlPr>
                       </m:sSupPr>
@@ -12120,7 +12062,7 @@
                   </m:oMath>
                 </a14:m>
                 <a:r>
-                  <a:rPr lang="de-DE" dirty="0" smtClean="0"/>
+                  <a:rPr lang="de-DE" dirty="0"/>
                   <a:t>und in großen Teilen des Simulationsgebiets </a:t>
                 </a:r>
                 <a14:m>
@@ -12155,7 +12097,7 @@
                       <m:sSupPr>
                         <m:ctrlPr>
                           <a:rPr lang="de-DE" i="1">
-                            <a:latin typeface="Cambria Math" charset="0"/>
+                            <a:latin typeface="Cambria Math" panose="02040503050406030204" pitchFamily="18" charset="0"/>
                           </a:rPr>
                         </m:ctrlPr>
                       </m:sSupPr>
@@ -12204,12 +12146,12 @@
               </a:p>
               <a:p>
                 <a:r>
-                  <a:rPr lang="de-DE" dirty="0" smtClean="0">
+                  <a:rPr lang="de-DE" dirty="0">
                     <a:sym typeface="Wingdings"/>
                   </a:rPr>
                   <a:t> Referenzgitter mit guter Gitterqualität und korrekter Grenzschichtdicke vorhanden</a:t>
                 </a:r>
-                <a:endParaRPr lang="de-DE" dirty="0" smtClean="0"/>
+                <a:endParaRPr lang="de-DE" dirty="0"/>
               </a:p>
             </p:txBody>
           </p:sp>
